--- a/Presentation_INFO6850.pptx
+++ b/Presentation_INFO6850.pptx
@@ -7,6 +7,7 @@
   <p:sldIdLst>
     <p:sldId id="257" r:id="rId2"/>
     <p:sldId id="258" r:id="rId3"/>
+    <p:sldId id="261" r:id="rId4"/>
   </p:sldIdLst>
   <p:sldSz cx="12192000" cy="6858000"/>
   <p:notesSz cx="6858000" cy="9144000"/>
@@ -105,7 +106,3593 @@
       </a:defRPr>
     </a:lvl9pPr>
   </p:defaultTextStyle>
+  <p:extLst>
+    <p:ext uri="{EFAFB233-063F-42B5-8137-9DF3F51BA10A}">
+      <p15:sldGuideLst xmlns:p15="http://schemas.microsoft.com/office/powerpoint/2012/main"/>
+    </p:ext>
+  </p:extLst>
 </p:presentation>
+</file>
+
+<file path=ppt/diagrams/colors1.xml><?xml version="1.0" encoding="utf-8"?>
+<dgm:colorsDef xmlns:dgm="http://schemas.openxmlformats.org/drawingml/2006/diagram" xmlns:a="http://schemas.openxmlformats.org/drawingml/2006/main" uniqueId="urn:microsoft.com/office/officeart/2005/8/colors/accent1_2">
+  <dgm:title val=""/>
+  <dgm:desc val=""/>
+  <dgm:catLst>
+    <dgm:cat type="accent1" pri="11200"/>
+  </dgm:catLst>
+  <dgm:styleLbl name="node0">
+    <dgm:fillClrLst meth="repeat">
+      <a:schemeClr val="accent1"/>
+    </dgm:fillClrLst>
+    <dgm:linClrLst meth="repeat">
+      <a:schemeClr val="lt1"/>
+    </dgm:linClrLst>
+    <dgm:effectClrLst/>
+    <dgm:txLinClrLst/>
+    <dgm:txFillClrLst/>
+    <dgm:txEffectClrLst/>
+  </dgm:styleLbl>
+  <dgm:styleLbl name="alignNode1">
+    <dgm:fillClrLst meth="repeat">
+      <a:schemeClr val="accent1"/>
+    </dgm:fillClrLst>
+    <dgm:linClrLst meth="repeat">
+      <a:schemeClr val="accent1"/>
+    </dgm:linClrLst>
+    <dgm:effectClrLst/>
+    <dgm:txLinClrLst/>
+    <dgm:txFillClrLst/>
+    <dgm:txEffectClrLst/>
+  </dgm:styleLbl>
+  <dgm:styleLbl name="node1">
+    <dgm:fillClrLst meth="repeat">
+      <a:schemeClr val="accent1"/>
+    </dgm:fillClrLst>
+    <dgm:linClrLst meth="repeat">
+      <a:schemeClr val="lt1"/>
+    </dgm:linClrLst>
+    <dgm:effectClrLst/>
+    <dgm:txLinClrLst/>
+    <dgm:txFillClrLst/>
+    <dgm:txEffectClrLst/>
+  </dgm:styleLbl>
+  <dgm:styleLbl name="lnNode1">
+    <dgm:fillClrLst meth="repeat">
+      <a:schemeClr val="accent1"/>
+    </dgm:fillClrLst>
+    <dgm:linClrLst meth="repeat">
+      <a:schemeClr val="lt1"/>
+    </dgm:linClrLst>
+    <dgm:effectClrLst/>
+    <dgm:txLinClrLst/>
+    <dgm:txFillClrLst/>
+    <dgm:txEffectClrLst/>
+  </dgm:styleLbl>
+  <dgm:styleLbl name="vennNode1">
+    <dgm:fillClrLst meth="repeat">
+      <a:schemeClr val="accent1">
+        <a:alpha val="50000"/>
+      </a:schemeClr>
+    </dgm:fillClrLst>
+    <dgm:linClrLst meth="repeat">
+      <a:schemeClr val="lt1"/>
+    </dgm:linClrLst>
+    <dgm:effectClrLst/>
+    <dgm:txLinClrLst/>
+    <dgm:txFillClrLst/>
+    <dgm:txEffectClrLst/>
+  </dgm:styleLbl>
+  <dgm:styleLbl name="node2">
+    <dgm:fillClrLst meth="repeat">
+      <a:schemeClr val="accent1"/>
+    </dgm:fillClrLst>
+    <dgm:linClrLst meth="repeat">
+      <a:schemeClr val="lt1"/>
+    </dgm:linClrLst>
+    <dgm:effectClrLst/>
+    <dgm:txLinClrLst/>
+    <dgm:txFillClrLst/>
+    <dgm:txEffectClrLst/>
+  </dgm:styleLbl>
+  <dgm:styleLbl name="node3">
+    <dgm:fillClrLst meth="repeat">
+      <a:schemeClr val="accent1"/>
+    </dgm:fillClrLst>
+    <dgm:linClrLst meth="repeat">
+      <a:schemeClr val="lt1"/>
+    </dgm:linClrLst>
+    <dgm:effectClrLst/>
+    <dgm:txLinClrLst/>
+    <dgm:txFillClrLst/>
+    <dgm:txEffectClrLst/>
+  </dgm:styleLbl>
+  <dgm:styleLbl name="node4">
+    <dgm:fillClrLst meth="repeat">
+      <a:schemeClr val="accent1"/>
+    </dgm:fillClrLst>
+    <dgm:linClrLst meth="repeat">
+      <a:schemeClr val="lt1"/>
+    </dgm:linClrLst>
+    <dgm:effectClrLst/>
+    <dgm:txLinClrLst/>
+    <dgm:txFillClrLst/>
+    <dgm:txEffectClrLst/>
+  </dgm:styleLbl>
+  <dgm:styleLbl name="fgImgPlace1">
+    <dgm:fillClrLst meth="repeat">
+      <a:schemeClr val="accent1">
+        <a:tint val="50000"/>
+      </a:schemeClr>
+    </dgm:fillClrLst>
+    <dgm:linClrLst meth="repeat">
+      <a:schemeClr val="lt1"/>
+    </dgm:linClrLst>
+    <dgm:effectClrLst/>
+    <dgm:txLinClrLst/>
+    <dgm:txFillClrLst meth="repeat">
+      <a:schemeClr val="lt1"/>
+    </dgm:txFillClrLst>
+    <dgm:txEffectClrLst/>
+  </dgm:styleLbl>
+  <dgm:styleLbl name="alignImgPlace1">
+    <dgm:fillClrLst meth="repeat">
+      <a:schemeClr val="accent1">
+        <a:tint val="50000"/>
+      </a:schemeClr>
+    </dgm:fillClrLst>
+    <dgm:linClrLst meth="repeat">
+      <a:schemeClr val="lt1"/>
+    </dgm:linClrLst>
+    <dgm:effectClrLst/>
+    <dgm:txLinClrLst/>
+    <dgm:txFillClrLst meth="repeat">
+      <a:schemeClr val="lt1"/>
+    </dgm:txFillClrLst>
+    <dgm:txEffectClrLst/>
+  </dgm:styleLbl>
+  <dgm:styleLbl name="bgImgPlace1">
+    <dgm:fillClrLst meth="repeat">
+      <a:schemeClr val="accent1">
+        <a:tint val="50000"/>
+      </a:schemeClr>
+    </dgm:fillClrLst>
+    <dgm:linClrLst meth="repeat">
+      <a:schemeClr val="lt1"/>
+    </dgm:linClrLst>
+    <dgm:effectClrLst/>
+    <dgm:txLinClrLst/>
+    <dgm:txFillClrLst meth="repeat">
+      <a:schemeClr val="lt1"/>
+    </dgm:txFillClrLst>
+    <dgm:txEffectClrLst/>
+  </dgm:styleLbl>
+  <dgm:styleLbl name="sibTrans2D1">
+    <dgm:fillClrLst meth="repeat">
+      <a:schemeClr val="accent1">
+        <a:tint val="60000"/>
+      </a:schemeClr>
+    </dgm:fillClrLst>
+    <dgm:linClrLst meth="repeat">
+      <a:schemeClr val="accent1">
+        <a:tint val="60000"/>
+      </a:schemeClr>
+    </dgm:linClrLst>
+    <dgm:effectClrLst/>
+    <dgm:txLinClrLst/>
+    <dgm:txFillClrLst/>
+    <dgm:txEffectClrLst/>
+  </dgm:styleLbl>
+  <dgm:styleLbl name="fgSibTrans2D1">
+    <dgm:fillClrLst meth="repeat">
+      <a:schemeClr val="accent1">
+        <a:tint val="60000"/>
+      </a:schemeClr>
+    </dgm:fillClrLst>
+    <dgm:linClrLst meth="repeat">
+      <a:schemeClr val="accent1">
+        <a:tint val="60000"/>
+      </a:schemeClr>
+    </dgm:linClrLst>
+    <dgm:effectClrLst/>
+    <dgm:txLinClrLst/>
+    <dgm:txFillClrLst/>
+    <dgm:txEffectClrLst/>
+  </dgm:styleLbl>
+  <dgm:styleLbl name="bgSibTrans2D1">
+    <dgm:fillClrLst meth="repeat">
+      <a:schemeClr val="accent1">
+        <a:tint val="60000"/>
+      </a:schemeClr>
+    </dgm:fillClrLst>
+    <dgm:linClrLst meth="repeat">
+      <a:schemeClr val="accent1">
+        <a:tint val="60000"/>
+      </a:schemeClr>
+    </dgm:linClrLst>
+    <dgm:effectClrLst/>
+    <dgm:txLinClrLst/>
+    <dgm:txFillClrLst/>
+    <dgm:txEffectClrLst/>
+  </dgm:styleLbl>
+  <dgm:styleLbl name="sibTrans1D1">
+    <dgm:fillClrLst meth="repeat">
+      <a:schemeClr val="accent1"/>
+    </dgm:fillClrLst>
+    <dgm:linClrLst meth="repeat">
+      <a:schemeClr val="accent1"/>
+    </dgm:linClrLst>
+    <dgm:effectClrLst/>
+    <dgm:txLinClrLst/>
+    <dgm:txFillClrLst meth="repeat">
+      <a:schemeClr val="tx1"/>
+    </dgm:txFillClrLst>
+    <dgm:txEffectClrLst/>
+  </dgm:styleLbl>
+  <dgm:styleLbl name="callout">
+    <dgm:fillClrLst meth="repeat">
+      <a:schemeClr val="accent1"/>
+    </dgm:fillClrLst>
+    <dgm:linClrLst meth="repeat">
+      <a:schemeClr val="accent1">
+        <a:tint val="50000"/>
+      </a:schemeClr>
+    </dgm:linClrLst>
+    <dgm:effectClrLst/>
+    <dgm:txLinClrLst/>
+    <dgm:txFillClrLst meth="repeat">
+      <a:schemeClr val="tx1"/>
+    </dgm:txFillClrLst>
+    <dgm:txEffectClrLst/>
+  </dgm:styleLbl>
+  <dgm:styleLbl name="asst0">
+    <dgm:fillClrLst meth="repeat">
+      <a:schemeClr val="accent1"/>
+    </dgm:fillClrLst>
+    <dgm:linClrLst meth="repeat">
+      <a:schemeClr val="lt1"/>
+    </dgm:linClrLst>
+    <dgm:effectClrLst/>
+    <dgm:txLinClrLst/>
+    <dgm:txFillClrLst/>
+    <dgm:txEffectClrLst/>
+  </dgm:styleLbl>
+  <dgm:styleLbl name="asst1">
+    <dgm:fillClrLst meth="repeat">
+      <a:schemeClr val="accent1"/>
+    </dgm:fillClrLst>
+    <dgm:linClrLst meth="repeat">
+      <a:schemeClr val="lt1"/>
+    </dgm:linClrLst>
+    <dgm:effectClrLst/>
+    <dgm:txLinClrLst/>
+    <dgm:txFillClrLst/>
+    <dgm:txEffectClrLst/>
+  </dgm:styleLbl>
+  <dgm:styleLbl name="asst2">
+    <dgm:fillClrLst meth="repeat">
+      <a:schemeClr val="accent1"/>
+    </dgm:fillClrLst>
+    <dgm:linClrLst meth="repeat">
+      <a:schemeClr val="lt1"/>
+    </dgm:linClrLst>
+    <dgm:effectClrLst/>
+    <dgm:txLinClrLst/>
+    <dgm:txFillClrLst/>
+    <dgm:txEffectClrLst/>
+  </dgm:styleLbl>
+  <dgm:styleLbl name="asst3">
+    <dgm:fillClrLst meth="repeat">
+      <a:schemeClr val="accent1"/>
+    </dgm:fillClrLst>
+    <dgm:linClrLst meth="repeat">
+      <a:schemeClr val="lt1"/>
+    </dgm:linClrLst>
+    <dgm:effectClrLst/>
+    <dgm:txLinClrLst/>
+    <dgm:txFillClrLst/>
+    <dgm:txEffectClrLst/>
+  </dgm:styleLbl>
+  <dgm:styleLbl name="asst4">
+    <dgm:fillClrLst meth="repeat">
+      <a:schemeClr val="accent1"/>
+    </dgm:fillClrLst>
+    <dgm:linClrLst meth="repeat">
+      <a:schemeClr val="lt1"/>
+    </dgm:linClrLst>
+    <dgm:effectClrLst/>
+    <dgm:txLinClrLst/>
+    <dgm:txFillClrLst/>
+    <dgm:txEffectClrLst/>
+  </dgm:styleLbl>
+  <dgm:styleLbl name="parChTrans2D1">
+    <dgm:fillClrLst meth="repeat">
+      <a:schemeClr val="accent1">
+        <a:tint val="60000"/>
+      </a:schemeClr>
+    </dgm:fillClrLst>
+    <dgm:linClrLst meth="repeat">
+      <a:schemeClr val="accent1">
+        <a:tint val="60000"/>
+      </a:schemeClr>
+    </dgm:linClrLst>
+    <dgm:effectClrLst/>
+    <dgm:txLinClrLst/>
+    <dgm:txFillClrLst meth="repeat">
+      <a:schemeClr val="lt1"/>
+    </dgm:txFillClrLst>
+    <dgm:txEffectClrLst/>
+  </dgm:styleLbl>
+  <dgm:styleLbl name="parChTrans2D2">
+    <dgm:fillClrLst meth="repeat">
+      <a:schemeClr val="accent1"/>
+    </dgm:fillClrLst>
+    <dgm:linClrLst meth="repeat">
+      <a:schemeClr val="accent1"/>
+    </dgm:linClrLst>
+    <dgm:effectClrLst/>
+    <dgm:txLinClrLst/>
+    <dgm:txFillClrLst meth="repeat">
+      <a:schemeClr val="lt1"/>
+    </dgm:txFillClrLst>
+    <dgm:txEffectClrLst/>
+  </dgm:styleLbl>
+  <dgm:styleLbl name="parChTrans2D3">
+    <dgm:fillClrLst meth="repeat">
+      <a:schemeClr val="accent1"/>
+    </dgm:fillClrLst>
+    <dgm:linClrLst meth="repeat">
+      <a:schemeClr val="accent1"/>
+    </dgm:linClrLst>
+    <dgm:effectClrLst/>
+    <dgm:txLinClrLst/>
+    <dgm:txFillClrLst meth="repeat">
+      <a:schemeClr val="lt1"/>
+    </dgm:txFillClrLst>
+    <dgm:txEffectClrLst/>
+  </dgm:styleLbl>
+  <dgm:styleLbl name="parChTrans2D4">
+    <dgm:fillClrLst meth="repeat">
+      <a:schemeClr val="accent1"/>
+    </dgm:fillClrLst>
+    <dgm:linClrLst meth="repeat">
+      <a:schemeClr val="accent1"/>
+    </dgm:linClrLst>
+    <dgm:effectClrLst/>
+    <dgm:txLinClrLst/>
+    <dgm:txFillClrLst meth="repeat">
+      <a:schemeClr val="lt1"/>
+    </dgm:txFillClrLst>
+    <dgm:txEffectClrLst/>
+  </dgm:styleLbl>
+  <dgm:styleLbl name="parChTrans1D1">
+    <dgm:fillClrLst meth="repeat">
+      <a:schemeClr val="accent1"/>
+    </dgm:fillClrLst>
+    <dgm:linClrLst meth="repeat">
+      <a:schemeClr val="accent1">
+        <a:shade val="60000"/>
+      </a:schemeClr>
+    </dgm:linClrLst>
+    <dgm:effectClrLst/>
+    <dgm:txLinClrLst/>
+    <dgm:txFillClrLst meth="repeat">
+      <a:schemeClr val="tx1"/>
+    </dgm:txFillClrLst>
+    <dgm:txEffectClrLst/>
+  </dgm:styleLbl>
+  <dgm:styleLbl name="parChTrans1D2">
+    <dgm:fillClrLst meth="repeat">
+      <a:schemeClr val="accent1"/>
+    </dgm:fillClrLst>
+    <dgm:linClrLst meth="repeat">
+      <a:schemeClr val="accent1">
+        <a:shade val="60000"/>
+      </a:schemeClr>
+    </dgm:linClrLst>
+    <dgm:effectClrLst/>
+    <dgm:txLinClrLst/>
+    <dgm:txFillClrLst meth="repeat">
+      <a:schemeClr val="tx1"/>
+    </dgm:txFillClrLst>
+    <dgm:txEffectClrLst/>
+  </dgm:styleLbl>
+  <dgm:styleLbl name="parChTrans1D3">
+    <dgm:fillClrLst meth="repeat">
+      <a:schemeClr val="accent1"/>
+    </dgm:fillClrLst>
+    <dgm:linClrLst meth="repeat">
+      <a:schemeClr val="accent1">
+        <a:shade val="80000"/>
+      </a:schemeClr>
+    </dgm:linClrLst>
+    <dgm:effectClrLst/>
+    <dgm:txLinClrLst/>
+    <dgm:txFillClrLst meth="repeat">
+      <a:schemeClr val="tx1"/>
+    </dgm:txFillClrLst>
+    <dgm:txEffectClrLst/>
+  </dgm:styleLbl>
+  <dgm:styleLbl name="parChTrans1D4">
+    <dgm:fillClrLst meth="repeat">
+      <a:schemeClr val="accent1"/>
+    </dgm:fillClrLst>
+    <dgm:linClrLst meth="repeat">
+      <a:schemeClr val="accent1">
+        <a:shade val="80000"/>
+      </a:schemeClr>
+    </dgm:linClrLst>
+    <dgm:effectClrLst/>
+    <dgm:txLinClrLst/>
+    <dgm:txFillClrLst meth="repeat">
+      <a:schemeClr val="tx1"/>
+    </dgm:txFillClrLst>
+    <dgm:txEffectClrLst/>
+  </dgm:styleLbl>
+  <dgm:styleLbl name="fgAcc1">
+    <dgm:fillClrLst meth="repeat">
+      <a:schemeClr val="lt1">
+        <a:alpha val="90000"/>
+      </a:schemeClr>
+    </dgm:fillClrLst>
+    <dgm:linClrLst meth="repeat">
+      <a:schemeClr val="accent1"/>
+    </dgm:linClrLst>
+    <dgm:effectClrLst/>
+    <dgm:txLinClrLst/>
+    <dgm:txFillClrLst meth="repeat">
+      <a:schemeClr val="dk1"/>
+    </dgm:txFillClrLst>
+    <dgm:txEffectClrLst/>
+  </dgm:styleLbl>
+  <dgm:styleLbl name="conFgAcc1">
+    <dgm:fillClrLst meth="repeat">
+      <a:schemeClr val="lt1">
+        <a:alpha val="90000"/>
+      </a:schemeClr>
+    </dgm:fillClrLst>
+    <dgm:linClrLst meth="repeat">
+      <a:schemeClr val="accent1"/>
+    </dgm:linClrLst>
+    <dgm:effectClrLst/>
+    <dgm:txLinClrLst/>
+    <dgm:txFillClrLst meth="repeat">
+      <a:schemeClr val="dk1"/>
+    </dgm:txFillClrLst>
+    <dgm:txEffectClrLst/>
+  </dgm:styleLbl>
+  <dgm:styleLbl name="alignAcc1">
+    <dgm:fillClrLst meth="repeat">
+      <a:schemeClr val="lt1">
+        <a:alpha val="90000"/>
+      </a:schemeClr>
+    </dgm:fillClrLst>
+    <dgm:linClrLst meth="repeat">
+      <a:schemeClr val="accent1"/>
+    </dgm:linClrLst>
+    <dgm:effectClrLst/>
+    <dgm:txLinClrLst/>
+    <dgm:txFillClrLst meth="repeat">
+      <a:schemeClr val="dk1"/>
+    </dgm:txFillClrLst>
+    <dgm:txEffectClrLst/>
+  </dgm:styleLbl>
+  <dgm:styleLbl name="trAlignAcc1">
+    <dgm:fillClrLst meth="repeat">
+      <a:schemeClr val="lt1">
+        <a:alpha val="40000"/>
+      </a:schemeClr>
+    </dgm:fillClrLst>
+    <dgm:linClrLst meth="repeat">
+      <a:schemeClr val="accent1"/>
+    </dgm:linClrLst>
+    <dgm:effectClrLst/>
+    <dgm:txLinClrLst/>
+    <dgm:txFillClrLst meth="repeat">
+      <a:schemeClr val="dk1"/>
+    </dgm:txFillClrLst>
+    <dgm:txEffectClrLst/>
+  </dgm:styleLbl>
+  <dgm:styleLbl name="bgAcc1">
+    <dgm:fillClrLst meth="repeat">
+      <a:schemeClr val="lt1">
+        <a:alpha val="90000"/>
+      </a:schemeClr>
+    </dgm:fillClrLst>
+    <dgm:linClrLst meth="repeat">
+      <a:schemeClr val="accent1"/>
+    </dgm:linClrLst>
+    <dgm:effectClrLst/>
+    <dgm:txLinClrLst/>
+    <dgm:txFillClrLst meth="repeat">
+      <a:schemeClr val="dk1"/>
+    </dgm:txFillClrLst>
+    <dgm:txEffectClrLst/>
+  </dgm:styleLbl>
+  <dgm:styleLbl name="solidFgAcc1">
+    <dgm:fillClrLst meth="repeat">
+      <a:schemeClr val="lt1"/>
+    </dgm:fillClrLst>
+    <dgm:linClrLst meth="repeat">
+      <a:schemeClr val="accent1"/>
+    </dgm:linClrLst>
+    <dgm:effectClrLst/>
+    <dgm:txLinClrLst/>
+    <dgm:txFillClrLst meth="repeat">
+      <a:schemeClr val="dk1"/>
+    </dgm:txFillClrLst>
+    <dgm:txEffectClrLst/>
+  </dgm:styleLbl>
+  <dgm:styleLbl name="solidAlignAcc1">
+    <dgm:fillClrLst meth="repeat">
+      <a:schemeClr val="lt1"/>
+    </dgm:fillClrLst>
+    <dgm:linClrLst meth="repeat">
+      <a:schemeClr val="accent1"/>
+    </dgm:linClrLst>
+    <dgm:effectClrLst/>
+    <dgm:txLinClrLst/>
+    <dgm:txFillClrLst meth="repeat">
+      <a:schemeClr val="dk1"/>
+    </dgm:txFillClrLst>
+    <dgm:txEffectClrLst/>
+  </dgm:styleLbl>
+  <dgm:styleLbl name="solidBgAcc1">
+    <dgm:fillClrLst meth="repeat">
+      <a:schemeClr val="lt1"/>
+    </dgm:fillClrLst>
+    <dgm:linClrLst meth="repeat">
+      <a:schemeClr val="accent1"/>
+    </dgm:linClrLst>
+    <dgm:effectClrLst/>
+    <dgm:txLinClrLst/>
+    <dgm:txFillClrLst meth="repeat">
+      <a:schemeClr val="dk1"/>
+    </dgm:txFillClrLst>
+    <dgm:txEffectClrLst/>
+  </dgm:styleLbl>
+  <dgm:styleLbl name="fgAccFollowNode1">
+    <dgm:fillClrLst meth="repeat">
+      <a:schemeClr val="accent1">
+        <a:alpha val="90000"/>
+        <a:tint val="40000"/>
+      </a:schemeClr>
+    </dgm:fillClrLst>
+    <dgm:linClrLst meth="repeat">
+      <a:schemeClr val="accent1">
+        <a:alpha val="90000"/>
+        <a:tint val="40000"/>
+      </a:schemeClr>
+    </dgm:linClrLst>
+    <dgm:effectClrLst/>
+    <dgm:txLinClrLst/>
+    <dgm:txFillClrLst meth="repeat">
+      <a:schemeClr val="dk1"/>
+    </dgm:txFillClrLst>
+    <dgm:txEffectClrLst/>
+  </dgm:styleLbl>
+  <dgm:styleLbl name="alignAccFollowNode1">
+    <dgm:fillClrLst meth="repeat">
+      <a:schemeClr val="accent1">
+        <a:alpha val="90000"/>
+        <a:tint val="40000"/>
+      </a:schemeClr>
+    </dgm:fillClrLst>
+    <dgm:linClrLst meth="repeat">
+      <a:schemeClr val="accent1">
+        <a:alpha val="90000"/>
+        <a:tint val="40000"/>
+      </a:schemeClr>
+    </dgm:linClrLst>
+    <dgm:effectClrLst/>
+    <dgm:txLinClrLst/>
+    <dgm:txFillClrLst meth="repeat">
+      <a:schemeClr val="dk1"/>
+    </dgm:txFillClrLst>
+    <dgm:txEffectClrLst/>
+  </dgm:styleLbl>
+  <dgm:styleLbl name="bgAccFollowNode1">
+    <dgm:fillClrLst meth="repeat">
+      <a:schemeClr val="accent1">
+        <a:alpha val="90000"/>
+        <a:tint val="40000"/>
+      </a:schemeClr>
+    </dgm:fillClrLst>
+    <dgm:linClrLst meth="repeat">
+      <a:schemeClr val="accent1">
+        <a:alpha val="90000"/>
+        <a:tint val="40000"/>
+      </a:schemeClr>
+    </dgm:linClrLst>
+    <dgm:effectClrLst/>
+    <dgm:txLinClrLst/>
+    <dgm:txFillClrLst meth="repeat">
+      <a:schemeClr val="dk1"/>
+    </dgm:txFillClrLst>
+    <dgm:txEffectClrLst/>
+  </dgm:styleLbl>
+  <dgm:styleLbl name="fgAcc0">
+    <dgm:fillClrLst meth="repeat">
+      <a:schemeClr val="lt1">
+        <a:alpha val="90000"/>
+      </a:schemeClr>
+    </dgm:fillClrLst>
+    <dgm:linClrLst meth="repeat">
+      <a:schemeClr val="accent1"/>
+    </dgm:linClrLst>
+    <dgm:effectClrLst/>
+    <dgm:txLinClrLst/>
+    <dgm:txFillClrLst meth="repeat">
+      <a:schemeClr val="dk1"/>
+    </dgm:txFillClrLst>
+    <dgm:txEffectClrLst/>
+  </dgm:styleLbl>
+  <dgm:styleLbl name="fgAcc2">
+    <dgm:fillClrLst meth="repeat">
+      <a:schemeClr val="lt1">
+        <a:alpha val="90000"/>
+      </a:schemeClr>
+    </dgm:fillClrLst>
+    <dgm:linClrLst meth="repeat">
+      <a:schemeClr val="accent1"/>
+    </dgm:linClrLst>
+    <dgm:effectClrLst/>
+    <dgm:txLinClrLst/>
+    <dgm:txFillClrLst meth="repeat">
+      <a:schemeClr val="dk1"/>
+    </dgm:txFillClrLst>
+    <dgm:txEffectClrLst/>
+  </dgm:styleLbl>
+  <dgm:styleLbl name="fgAcc3">
+    <dgm:fillClrLst meth="repeat">
+      <a:schemeClr val="lt1">
+        <a:alpha val="90000"/>
+      </a:schemeClr>
+    </dgm:fillClrLst>
+    <dgm:linClrLst meth="repeat">
+      <a:schemeClr val="accent1"/>
+    </dgm:linClrLst>
+    <dgm:effectClrLst/>
+    <dgm:txLinClrLst/>
+    <dgm:txFillClrLst meth="repeat">
+      <a:schemeClr val="dk1"/>
+    </dgm:txFillClrLst>
+    <dgm:txEffectClrLst/>
+  </dgm:styleLbl>
+  <dgm:styleLbl name="fgAcc4">
+    <dgm:fillClrLst meth="repeat">
+      <a:schemeClr val="lt1">
+        <a:alpha val="90000"/>
+      </a:schemeClr>
+    </dgm:fillClrLst>
+    <dgm:linClrLst meth="repeat">
+      <a:schemeClr val="accent1"/>
+    </dgm:linClrLst>
+    <dgm:effectClrLst/>
+    <dgm:txLinClrLst/>
+    <dgm:txFillClrLst meth="repeat">
+      <a:schemeClr val="dk1"/>
+    </dgm:txFillClrLst>
+    <dgm:txEffectClrLst/>
+  </dgm:styleLbl>
+  <dgm:styleLbl name="bgShp">
+    <dgm:fillClrLst meth="repeat">
+      <a:schemeClr val="accent1">
+        <a:tint val="40000"/>
+      </a:schemeClr>
+    </dgm:fillClrLst>
+    <dgm:linClrLst meth="repeat">
+      <a:schemeClr val="accent1"/>
+    </dgm:linClrLst>
+    <dgm:effectClrLst/>
+    <dgm:txLinClrLst/>
+    <dgm:txFillClrLst meth="repeat">
+      <a:schemeClr val="dk1"/>
+    </dgm:txFillClrLst>
+    <dgm:txEffectClrLst/>
+  </dgm:styleLbl>
+  <dgm:styleLbl name="dkBgShp">
+    <dgm:fillClrLst meth="repeat">
+      <a:schemeClr val="accent1">
+        <a:shade val="80000"/>
+      </a:schemeClr>
+    </dgm:fillClrLst>
+    <dgm:linClrLst meth="repeat">
+      <a:schemeClr val="accent1"/>
+    </dgm:linClrLst>
+    <dgm:effectClrLst/>
+    <dgm:txLinClrLst/>
+    <dgm:txFillClrLst meth="repeat">
+      <a:schemeClr val="lt1"/>
+    </dgm:txFillClrLst>
+    <dgm:txEffectClrLst/>
+  </dgm:styleLbl>
+  <dgm:styleLbl name="trBgShp">
+    <dgm:fillClrLst meth="repeat">
+      <a:schemeClr val="accent1">
+        <a:tint val="50000"/>
+        <a:alpha val="40000"/>
+      </a:schemeClr>
+    </dgm:fillClrLst>
+    <dgm:linClrLst meth="repeat">
+      <a:schemeClr val="accent1"/>
+    </dgm:linClrLst>
+    <dgm:effectClrLst/>
+    <dgm:txLinClrLst/>
+    <dgm:txFillClrLst meth="repeat">
+      <a:schemeClr val="lt1"/>
+    </dgm:txFillClrLst>
+    <dgm:txEffectClrLst/>
+  </dgm:styleLbl>
+  <dgm:styleLbl name="fgShp">
+    <dgm:fillClrLst meth="repeat">
+      <a:schemeClr val="accent1">
+        <a:tint val="60000"/>
+      </a:schemeClr>
+    </dgm:fillClrLst>
+    <dgm:linClrLst meth="repeat">
+      <a:schemeClr val="lt1"/>
+    </dgm:linClrLst>
+    <dgm:effectClrLst/>
+    <dgm:txLinClrLst/>
+    <dgm:txFillClrLst meth="repeat">
+      <a:schemeClr val="dk1"/>
+    </dgm:txFillClrLst>
+    <dgm:txEffectClrLst/>
+  </dgm:styleLbl>
+  <dgm:styleLbl name="revTx">
+    <dgm:fillClrLst meth="repeat">
+      <a:schemeClr val="lt1">
+        <a:alpha val="0"/>
+      </a:schemeClr>
+    </dgm:fillClrLst>
+    <dgm:linClrLst meth="repeat">
+      <a:schemeClr val="dk1">
+        <a:alpha val="0"/>
+      </a:schemeClr>
+    </dgm:linClrLst>
+    <dgm:effectClrLst/>
+    <dgm:txLinClrLst/>
+    <dgm:txFillClrLst meth="repeat">
+      <a:schemeClr val="tx1"/>
+    </dgm:txFillClrLst>
+    <dgm:txEffectClrLst/>
+  </dgm:styleLbl>
+</dgm:colorsDef>
+</file>
+
+<file path=ppt/diagrams/data1.xml><?xml version="1.0" encoding="utf-8"?>
+<dgm:dataModel xmlns:dgm="http://schemas.openxmlformats.org/drawingml/2006/diagram" xmlns:a="http://schemas.openxmlformats.org/drawingml/2006/main">
+  <dgm:ptLst>
+    <dgm:pt modelId="{EDE4312E-2B1C-2A49-98D8-E7B584A26C30}" type="doc">
+      <dgm:prSet loTypeId="urn:microsoft.com/office/officeart/2005/8/layout/process4" loCatId="" qsTypeId="urn:microsoft.com/office/officeart/2005/8/quickstyle/simple1" qsCatId="simple" csTypeId="urn:microsoft.com/office/officeart/2005/8/colors/accent1_2" csCatId="accent1" phldr="1"/>
+      <dgm:spPr/>
+      <dgm:t>
+        <a:bodyPr/>
+        <a:lstStyle/>
+        <a:p>
+          <a:endParaRPr lang="en-US"/>
+        </a:p>
+      </dgm:t>
+    </dgm:pt>
+    <dgm:pt modelId="{56CDB02F-778A-6B40-9319-D1345B431325}">
+      <dgm:prSet phldrT="[Text]" custT="1">
+        <dgm:style>
+          <a:lnRef idx="1">
+            <a:schemeClr val="accent4"/>
+          </a:lnRef>
+          <a:fillRef idx="2">
+            <a:schemeClr val="accent4"/>
+          </a:fillRef>
+          <a:effectRef idx="1">
+            <a:schemeClr val="accent4"/>
+          </a:effectRef>
+          <a:fontRef idx="minor">
+            <a:schemeClr val="dk1"/>
+          </a:fontRef>
+        </dgm:style>
+      </dgm:prSet>
+      <dgm:spPr/>
+      <dgm:t>
+        <a:bodyPr/>
+        <a:lstStyle/>
+        <a:p>
+          <a:pPr>
+            <a:buFont typeface="Arial" panose="020B0604020202020204" pitchFamily="34" charset="0"/>
+            <a:buChar char="•"/>
+          </a:pPr>
+          <a:r>
+            <a:rPr lang="en-US" sz="2000" dirty="0">
+              <a:solidFill>
+                <a:schemeClr val="bg1"/>
+              </a:solidFill>
+            </a:rPr>
+            <a:t>Nodes in the largest component have the same infection status</a:t>
+          </a:r>
+        </a:p>
+      </dgm:t>
+    </dgm:pt>
+    <dgm:pt modelId="{0CA9B4E2-64D2-504E-AD21-F4700283BCF8}" type="parTrans" cxnId="{78719F16-5C30-474C-9F66-C52EB8F8B663}">
+      <dgm:prSet/>
+      <dgm:spPr/>
+      <dgm:t>
+        <a:bodyPr/>
+        <a:lstStyle/>
+        <a:p>
+          <a:endParaRPr lang="en-US"/>
+        </a:p>
+      </dgm:t>
+    </dgm:pt>
+    <dgm:pt modelId="{4C46A92D-F382-D84C-A24D-A7422C7C1D12}" type="sibTrans" cxnId="{78719F16-5C30-474C-9F66-C52EB8F8B663}">
+      <dgm:prSet/>
+      <dgm:spPr/>
+      <dgm:t>
+        <a:bodyPr/>
+        <a:lstStyle/>
+        <a:p>
+          <a:endParaRPr lang="en-US"/>
+        </a:p>
+      </dgm:t>
+    </dgm:pt>
+    <mc:AlternateContent xmlns:mc="http://schemas.openxmlformats.org/markup-compatibility/2006">
+      <mc:Choice xmlns:a14="http://schemas.microsoft.com/office/drawing/2010/main" Requires="a14">
+        <dgm:pt modelId="{60D309A6-524F-6F4F-8F5F-1793751A4F34}">
+          <dgm:prSet phldrT="[Text]" custT="1">
+            <dgm:style>
+              <a:lnRef idx="1">
+                <a:schemeClr val="accent2"/>
+              </a:lnRef>
+              <a:fillRef idx="2">
+                <a:schemeClr val="accent2"/>
+              </a:fillRef>
+              <a:effectRef idx="1">
+                <a:schemeClr val="accent2"/>
+              </a:effectRef>
+              <a:fontRef idx="minor">
+                <a:schemeClr val="dk1"/>
+              </a:fontRef>
+            </dgm:style>
+          </dgm:prSet>
+          <dgm:spPr/>
+          <dgm:t>
+            <a:bodyPr/>
+            <a:lstStyle/>
+            <a:p>
+              <a:pPr>
+                <a:buFont typeface="Arial" panose="020B0604020202020204" pitchFamily="34" charset="0"/>
+                <a:buChar char="•"/>
+              </a:pPr>
+              <a14:m>
+                <m:oMath xmlns:m="http://schemas.openxmlformats.org/officeDocument/2006/math">
+                  <m:r>
+                    <a:rPr lang="en-CA" sz="2000" b="0" i="1" smtClean="0">
+                      <a:solidFill>
+                        <a:schemeClr val="bg1"/>
+                      </a:solidFill>
+                      <a:latin typeface="Cambria Math" panose="02040503050406030204" pitchFamily="18" charset="0"/>
+                    </a:rPr>
+                    <m:t>ℳ</m:t>
+                  </m:r>
+                  <m:r>
+                    <a:rPr lang="en-CA" sz="2000" b="0" i="1" smtClean="0">
+                      <a:solidFill>
+                        <a:schemeClr val="bg1"/>
+                      </a:solidFill>
+                      <a:latin typeface="Cambria Math" panose="02040503050406030204" pitchFamily="18" charset="0"/>
+                    </a:rPr>
+                    <m:t>(</m:t>
+                  </m:r>
+                  <m:sSub>
+                    <m:sSubPr>
+                      <m:ctrlPr>
+                        <a:rPr lang="en-CA" sz="2000" b="0" i="1" smtClean="0">
+                          <a:solidFill>
+                            <a:schemeClr val="bg1"/>
+                          </a:solidFill>
+                          <a:latin typeface="Cambria Math" panose="02040503050406030204" pitchFamily="18" charset="0"/>
+                        </a:rPr>
+                      </m:ctrlPr>
+                    </m:sSubPr>
+                    <m:e>
+                      <m:r>
+                        <a:rPr lang="en-CA" sz="2000" b="0" i="1" smtClean="0">
+                          <a:solidFill>
+                            <a:schemeClr val="bg1"/>
+                          </a:solidFill>
+                          <a:latin typeface="Cambria Math" panose="02040503050406030204" pitchFamily="18" charset="0"/>
+                        </a:rPr>
+                        <m:t>𝑋</m:t>
+                      </m:r>
+                    </m:e>
+                    <m:sub>
+                      <m:r>
+                        <a:rPr lang="en-CA" sz="2000" b="0" i="1" smtClean="0">
+                          <a:solidFill>
+                            <a:schemeClr val="bg1"/>
+                          </a:solidFill>
+                          <a:latin typeface="Cambria Math" panose="02040503050406030204" pitchFamily="18" charset="0"/>
+                        </a:rPr>
+                        <m:t>𝑛</m:t>
+                      </m:r>
+                    </m:sub>
+                  </m:sSub>
+                  <m:r>
+                    <a:rPr lang="en-CA" sz="2000" b="0" i="1" smtClean="0">
+                      <a:solidFill>
+                        <a:schemeClr val="bg1"/>
+                      </a:solidFill>
+                      <a:latin typeface="Cambria Math" panose="02040503050406030204" pitchFamily="18" charset="0"/>
+                    </a:rPr>
+                    <m:t>)</m:t>
+                  </m:r>
+                </m:oMath>
+              </a14:m>
+              <a:r>
+                <a:rPr lang="en-US" sz="2000" dirty="0">
+                  <a:solidFill>
+                    <a:schemeClr val="bg1"/>
+                  </a:solidFill>
+                </a:rPr>
+                <a:t> indicates the infection status of the largest component</a:t>
+              </a:r>
+            </a:p>
+          </dgm:t>
+        </dgm:pt>
+      </mc:Choice>
+      <mc:Fallback>
+        <dgm:pt modelId="{60D309A6-524F-6F4F-8F5F-1793751A4F34}">
+          <dgm:prSet phldrT="[Text]" custT="1">
+            <dgm:style>
+              <a:lnRef idx="1">
+                <a:schemeClr val="accent2"/>
+              </a:lnRef>
+              <a:fillRef idx="2">
+                <a:schemeClr val="accent2"/>
+              </a:fillRef>
+              <a:effectRef idx="1">
+                <a:schemeClr val="accent2"/>
+              </a:effectRef>
+              <a:fontRef idx="minor">
+                <a:schemeClr val="dk1"/>
+              </a:fontRef>
+            </dgm:style>
+          </dgm:prSet>
+          <dgm:spPr/>
+          <dgm:t>
+            <a:bodyPr/>
+            <a:lstStyle/>
+            <a:p>
+              <a:pPr>
+                <a:buFont typeface="Arial" panose="020B0604020202020204" pitchFamily="34" charset="0"/>
+                <a:buChar char="•"/>
+              </a:pPr>
+              <a:r>
+                <a:rPr lang="en-CA" sz="2000" b="0" i="0">
+                  <a:solidFill>
+                    <a:schemeClr val="bg1"/>
+                  </a:solidFill>
+                  <a:latin typeface="Cambria Math" panose="02040503050406030204" pitchFamily="18" charset="0"/>
+                </a:rPr>
+                <a:t>ℳ(𝑋_𝑛)</a:t>
+              </a:r>
+              <a:r>
+                <a:rPr lang="en-US" sz="2000" dirty="0">
+                  <a:solidFill>
+                    <a:schemeClr val="bg1"/>
+                  </a:solidFill>
+                </a:rPr>
+                <a:t> indicates the infection status of the largest component</a:t>
+              </a:r>
+            </a:p>
+          </dgm:t>
+        </dgm:pt>
+      </mc:Fallback>
+    </mc:AlternateContent>
+    <dgm:pt modelId="{3E20BA4F-759E-7940-8178-DFA05DE59A16}" type="parTrans" cxnId="{18049C47-B89F-124B-9402-424C16FDB006}">
+      <dgm:prSet/>
+      <dgm:spPr/>
+      <dgm:t>
+        <a:bodyPr/>
+        <a:lstStyle/>
+        <a:p>
+          <a:endParaRPr lang="en-US"/>
+        </a:p>
+      </dgm:t>
+    </dgm:pt>
+    <dgm:pt modelId="{D4205D0B-57CF-F747-9C94-A0BE9C42B3F9}" type="sibTrans" cxnId="{18049C47-B89F-124B-9402-424C16FDB006}">
+      <dgm:prSet/>
+      <dgm:spPr/>
+      <dgm:t>
+        <a:bodyPr/>
+        <a:lstStyle/>
+        <a:p>
+          <a:endParaRPr lang="en-US"/>
+        </a:p>
+      </dgm:t>
+    </dgm:pt>
+    <mc:AlternateContent xmlns:mc="http://schemas.openxmlformats.org/markup-compatibility/2006">
+      <mc:Choice xmlns:a14="http://schemas.microsoft.com/office/drawing/2010/main" Requires="a14">
+        <dgm:pt modelId="{23921C2F-65E6-E44B-BAD2-588C9B88B82A}">
+          <dgm:prSet phldrT="[Text]" custT="1">
+            <dgm:style>
+              <a:lnRef idx="1">
+                <a:schemeClr val="accent2"/>
+              </a:lnRef>
+              <a:fillRef idx="3">
+                <a:schemeClr val="accent2"/>
+              </a:fillRef>
+              <a:effectRef idx="2">
+                <a:schemeClr val="accent2"/>
+              </a:effectRef>
+              <a:fontRef idx="minor">
+                <a:schemeClr val="lt1"/>
+              </a:fontRef>
+            </dgm:style>
+          </dgm:prSet>
+          <dgm:spPr/>
+          <dgm:t>
+            <a:bodyPr/>
+            <a:lstStyle/>
+            <a:p>
+              <a:pPr>
+                <a:buFont typeface="Arial" panose="020B0604020202020204" pitchFamily="34" charset="0"/>
+                <a:buChar char="•"/>
+              </a:pPr>
+              <a14:m>
+                <m:oMath xmlns:m="http://schemas.openxmlformats.org/officeDocument/2006/math">
+                  <m:r>
+                    <a:rPr lang="en-CA" sz="2000" b="0" i="1" smtClean="0">
+                      <a:latin typeface="Cambria Math" panose="02040503050406030204" pitchFamily="18" charset="0"/>
+                    </a:rPr>
+                    <m:t>𝑃</m:t>
+                  </m:r>
+                  <m:d>
+                    <m:dPr>
+                      <m:ctrlPr>
+                        <a:rPr lang="en-CA" sz="2000" b="0" i="1" smtClean="0">
+                          <a:latin typeface="Cambria Math" panose="02040503050406030204" pitchFamily="18" charset="0"/>
+                        </a:rPr>
+                      </m:ctrlPr>
+                    </m:dPr>
+                    <m:e>
+                      <m:r>
+                        <m:rPr>
+                          <m:nor/>
+                        </m:rPr>
+                        <a:rPr lang="en-US" sz="2000" b="0" i="0" smtClean="0">
+                          <a:latin typeface="Cambria Math" panose="02040503050406030204" pitchFamily="18" charset="0"/>
+                        </a:rPr>
+                        <m:t>Node</m:t>
+                      </m:r>
+                      <m:r>
+                        <m:rPr>
+                          <m:nor/>
+                        </m:rPr>
+                        <a:rPr lang="en-US" sz="2000" b="0" i="0" smtClean="0">
+                          <a:latin typeface="Cambria Math" panose="02040503050406030204" pitchFamily="18" charset="0"/>
+                        </a:rPr>
+                        <m:t> </m:t>
+                      </m:r>
+                      <m:r>
+                        <a:rPr lang="en-CA" sz="2000" b="0" i="1" smtClean="0">
+                          <a:latin typeface="Cambria Math" panose="02040503050406030204" pitchFamily="18" charset="0"/>
+                        </a:rPr>
+                        <m:t>𝑖</m:t>
+                      </m:r>
+                      <m:r>
+                        <a:rPr lang="en-CA" sz="2000" b="0" i="1" smtClean="0">
+                          <a:latin typeface="Cambria Math" panose="02040503050406030204" pitchFamily="18" charset="0"/>
+                        </a:rPr>
+                        <m:t> </m:t>
+                      </m:r>
+                      <m:r>
+                        <m:rPr>
+                          <m:nor/>
+                        </m:rPr>
+                        <a:rPr lang="en-CA" sz="2000" b="0" i="0" smtClean="0">
+                          <a:latin typeface="Cambria Math" panose="02040503050406030204" pitchFamily="18" charset="0"/>
+                        </a:rPr>
+                        <m:t>infecte</m:t>
+                      </m:r>
+                      <m:r>
+                        <m:rPr>
+                          <m:nor/>
+                        </m:rPr>
+                        <a:rPr lang="en-US" sz="2000" b="0" i="0" smtClean="0">
+                          <a:latin typeface="Cambria Math" panose="02040503050406030204" pitchFamily="18" charset="0"/>
+                        </a:rPr>
+                        <m:t>d</m:t>
+                      </m:r>
+                    </m:e>
+                  </m:d>
+                  <m:r>
+                    <a:rPr lang="en-CA" sz="2000" b="0" i="1" smtClean="0">
+                      <a:latin typeface="Cambria Math" panose="02040503050406030204" pitchFamily="18" charset="0"/>
+                    </a:rPr>
+                    <m:t>≥</m:t>
+                  </m:r>
+                  <m:r>
+                    <a:rPr lang="en-CA" sz="2000" b="0" i="1" smtClean="0">
+                      <a:latin typeface="Cambria Math" panose="02040503050406030204" pitchFamily="18" charset="0"/>
+                    </a:rPr>
+                    <m:t>𝑃</m:t>
+                  </m:r>
+                  <m:r>
+                    <a:rPr lang="en-CA" sz="2000" b="0" i="1" smtClean="0">
+                      <a:latin typeface="Cambria Math" panose="02040503050406030204" pitchFamily="18" charset="0"/>
+                    </a:rPr>
+                    <m:t>(</m:t>
+                  </m:r>
+                  <m:r>
+                    <m:rPr>
+                      <m:nor/>
+                    </m:rPr>
+                    <a:rPr lang="en-US" sz="2000" b="0" i="0" smtClean="0">
+                      <a:latin typeface="Cambria Math" panose="02040503050406030204" pitchFamily="18" charset="0"/>
+                    </a:rPr>
+                    <m:t>Node</m:t>
+                  </m:r>
+                  <m:r>
+                    <m:rPr>
+                      <m:nor/>
+                    </m:rPr>
+                    <a:rPr lang="en-US" sz="2000" b="0" i="0" smtClean="0">
+                      <a:latin typeface="Cambria Math" panose="02040503050406030204" pitchFamily="18" charset="0"/>
+                    </a:rPr>
+                    <m:t> </m:t>
+                  </m:r>
+                  <m:r>
+                    <a:rPr lang="en-CA" sz="2000" b="0" i="1" smtClean="0">
+                      <a:latin typeface="Cambria Math" panose="02040503050406030204" pitchFamily="18" charset="0"/>
+                    </a:rPr>
+                    <m:t>𝑖</m:t>
+                  </m:r>
+                  <m:r>
+                    <a:rPr lang="en-CA" sz="2000" b="0" i="1" smtClean="0">
+                      <a:latin typeface="Cambria Math" panose="02040503050406030204" pitchFamily="18" charset="0"/>
+                    </a:rPr>
+                    <m:t> </m:t>
+                  </m:r>
+                  <m:r>
+                    <m:rPr>
+                      <m:nor/>
+                    </m:rPr>
+                    <a:rPr lang="en-CA" sz="2000" b="0" i="0" smtClean="0">
+                      <a:latin typeface="Cambria Math" panose="02040503050406030204" pitchFamily="18" charset="0"/>
+                    </a:rPr>
+                    <m:t>in</m:t>
+                  </m:r>
+                  <m:r>
+                    <m:rPr>
+                      <m:nor/>
+                    </m:rPr>
+                    <a:rPr lang="en-CA" sz="2000" b="0" i="0" smtClean="0">
+                      <a:latin typeface="Cambria Math" panose="02040503050406030204" pitchFamily="18" charset="0"/>
+                    </a:rPr>
+                    <m:t> </m:t>
+                  </m:r>
+                  <m:r>
+                    <m:rPr>
+                      <m:nor/>
+                    </m:rPr>
+                    <a:rPr lang="en-CA" sz="2000" b="0" i="0" smtClean="0">
+                      <a:latin typeface="Cambria Math" panose="02040503050406030204" pitchFamily="18" charset="0"/>
+                    </a:rPr>
+                    <m:t>largest</m:t>
+                  </m:r>
+                  <m:r>
+                    <m:rPr>
+                      <m:nor/>
+                    </m:rPr>
+                    <a:rPr lang="en-CA" sz="2000" b="0" i="0" smtClean="0">
+                      <a:latin typeface="Cambria Math" panose="02040503050406030204" pitchFamily="18" charset="0"/>
+                    </a:rPr>
+                    <m:t> </m:t>
+                  </m:r>
+                  <m:r>
+                    <m:rPr>
+                      <m:nor/>
+                    </m:rPr>
+                    <a:rPr lang="en-CA" sz="2000" b="0" i="0" smtClean="0">
+                      <a:latin typeface="Cambria Math" panose="02040503050406030204" pitchFamily="18" charset="0"/>
+                    </a:rPr>
+                    <m:t>infected</m:t>
+                  </m:r>
+                  <m:r>
+                    <m:rPr>
+                      <m:nor/>
+                    </m:rPr>
+                    <a:rPr lang="en-CA" sz="2000" b="0" i="0" smtClean="0">
+                      <a:latin typeface="Cambria Math" panose="02040503050406030204" pitchFamily="18" charset="0"/>
+                    </a:rPr>
+                    <m:t> </m:t>
+                  </m:r>
+                  <m:r>
+                    <m:rPr>
+                      <m:nor/>
+                    </m:rPr>
+                    <a:rPr lang="en-CA" sz="2000" b="0" i="0" smtClean="0">
+                      <a:latin typeface="Cambria Math" panose="02040503050406030204" pitchFamily="18" charset="0"/>
+                    </a:rPr>
+                    <m:t>component</m:t>
+                  </m:r>
+                  <m:r>
+                    <a:rPr lang="en-CA" sz="2000" b="0" i="1" smtClean="0">
+                      <a:latin typeface="Cambria Math" panose="02040503050406030204" pitchFamily="18" charset="0"/>
+                    </a:rPr>
+                    <m:t>)</m:t>
+                  </m:r>
+                </m:oMath>
+              </a14:m>
+              <a:endParaRPr lang="en-US" sz="2000" dirty="0"/>
+            </a:p>
+          </dgm:t>
+        </dgm:pt>
+      </mc:Choice>
+      <mc:Fallback>
+        <dgm:pt modelId="{23921C2F-65E6-E44B-BAD2-588C9B88B82A}">
+          <dgm:prSet phldrT="[Text]" custT="1">
+            <dgm:style>
+              <a:lnRef idx="1">
+                <a:schemeClr val="accent2"/>
+              </a:lnRef>
+              <a:fillRef idx="3">
+                <a:schemeClr val="accent2"/>
+              </a:fillRef>
+              <a:effectRef idx="2">
+                <a:schemeClr val="accent2"/>
+              </a:effectRef>
+              <a:fontRef idx="minor">
+                <a:schemeClr val="lt1"/>
+              </a:fontRef>
+            </dgm:style>
+          </dgm:prSet>
+          <dgm:spPr/>
+          <dgm:t>
+            <a:bodyPr/>
+            <a:lstStyle/>
+            <a:p>
+              <a:pPr>
+                <a:buFont typeface="Arial" panose="020B0604020202020204" pitchFamily="34" charset="0"/>
+                <a:buChar char="•"/>
+              </a:pPr>
+              <a:r>
+                <a:rPr lang="en-CA" sz="2000" b="0" i="0">
+                  <a:latin typeface="Cambria Math" panose="02040503050406030204" pitchFamily="18" charset="0"/>
+                </a:rPr>
+                <a:t>𝑃(</a:t>
+              </a:r>
+              <a:r>
+                <a:rPr lang="en-US" sz="2000" b="0" i="0">
+                  <a:latin typeface="Cambria Math" panose="02040503050406030204" pitchFamily="18" charset="0"/>
+                </a:rPr>
+                <a:t>"Node </a:t>
+              </a:r>
+              <a:r>
+                <a:rPr lang="en-CA" sz="2000" b="0" i="0">
+                  <a:latin typeface="Cambria Math" panose="02040503050406030204" pitchFamily="18" charset="0"/>
+                </a:rPr>
+                <a:t>" 𝑖 "infecte</a:t>
+              </a:r>
+              <a:r>
+                <a:rPr lang="en-US" sz="2000" b="0" i="0">
+                  <a:latin typeface="Cambria Math" panose="02040503050406030204" pitchFamily="18" charset="0"/>
+                </a:rPr>
+                <a:t>d</a:t>
+              </a:r>
+              <a:r>
+                <a:rPr lang="en-CA" sz="2000" b="0" i="0">
+                  <a:latin typeface="Cambria Math" panose="02040503050406030204" pitchFamily="18" charset="0"/>
+                </a:rPr>
+                <a:t>" )≥𝑃(</a:t>
+              </a:r>
+              <a:r>
+                <a:rPr lang="en-US" sz="2000" b="0" i="0">
+                  <a:latin typeface="Cambria Math" panose="02040503050406030204" pitchFamily="18" charset="0"/>
+                </a:rPr>
+                <a:t>"Node </a:t>
+              </a:r>
+              <a:r>
+                <a:rPr lang="en-CA" sz="2000" b="0" i="0">
+                  <a:latin typeface="Cambria Math" panose="02040503050406030204" pitchFamily="18" charset="0"/>
+                </a:rPr>
+                <a:t>" 𝑖 "in largest infected component")</a:t>
+              </a:r>
+              <a:endParaRPr lang="en-US" sz="2000" dirty="0"/>
+            </a:p>
+          </dgm:t>
+        </dgm:pt>
+      </mc:Fallback>
+    </mc:AlternateContent>
+    <dgm:pt modelId="{EA1E9198-BE4E-2A4E-8DC3-6A9808E7D9DC}" type="parTrans" cxnId="{3A3C8035-B62D-6640-8B38-FB3381C45F3D}">
+      <dgm:prSet/>
+      <dgm:spPr/>
+      <dgm:t>
+        <a:bodyPr/>
+        <a:lstStyle/>
+        <a:p>
+          <a:endParaRPr lang="en-US"/>
+        </a:p>
+      </dgm:t>
+    </dgm:pt>
+    <dgm:pt modelId="{165B998E-46FF-9043-9763-1902E86CE963}" type="sibTrans" cxnId="{3A3C8035-B62D-6640-8B38-FB3381C45F3D}">
+      <dgm:prSet/>
+      <dgm:spPr/>
+      <dgm:t>
+        <a:bodyPr/>
+        <a:lstStyle/>
+        <a:p>
+          <a:endParaRPr lang="en-US"/>
+        </a:p>
+      </dgm:t>
+    </dgm:pt>
+    <dgm:pt modelId="{E3D79A0F-1E2E-5F49-9933-CA18BD85158A}" type="pres">
+      <dgm:prSet presAssocID="{EDE4312E-2B1C-2A49-98D8-E7B584A26C30}" presName="Name0" presStyleCnt="0">
+        <dgm:presLayoutVars>
+          <dgm:dir/>
+          <dgm:animLvl val="lvl"/>
+          <dgm:resizeHandles val="exact"/>
+        </dgm:presLayoutVars>
+      </dgm:prSet>
+      <dgm:spPr/>
+    </dgm:pt>
+    <dgm:pt modelId="{262151AD-0943-C348-91F0-1E59D9EBDEC3}" type="pres">
+      <dgm:prSet presAssocID="{23921C2F-65E6-E44B-BAD2-588C9B88B82A}" presName="boxAndChildren" presStyleCnt="0"/>
+      <dgm:spPr/>
+    </dgm:pt>
+    <dgm:pt modelId="{ADDD60D7-869C-F84F-BB28-87FA2D2EE8FD}" type="pres">
+      <dgm:prSet presAssocID="{23921C2F-65E6-E44B-BAD2-588C9B88B82A}" presName="parentTextBox" presStyleLbl="node1" presStyleIdx="0" presStyleCnt="3"/>
+      <dgm:spPr/>
+    </dgm:pt>
+    <dgm:pt modelId="{27A2A03A-49FB-4848-8106-CFAD0C7FD54D}" type="pres">
+      <dgm:prSet presAssocID="{D4205D0B-57CF-F747-9C94-A0BE9C42B3F9}" presName="sp" presStyleCnt="0"/>
+      <dgm:spPr/>
+    </dgm:pt>
+    <dgm:pt modelId="{C090A600-E789-7241-ACDE-6BF0BA3221E0}" type="pres">
+      <dgm:prSet presAssocID="{60D309A6-524F-6F4F-8F5F-1793751A4F34}" presName="arrowAndChildren" presStyleCnt="0"/>
+      <dgm:spPr/>
+    </dgm:pt>
+    <dgm:pt modelId="{DC8A282E-41E2-E64A-B0CC-63D8C288F864}" type="pres">
+      <dgm:prSet presAssocID="{60D309A6-524F-6F4F-8F5F-1793751A4F34}" presName="parentTextArrow" presStyleLbl="node1" presStyleIdx="1" presStyleCnt="3"/>
+      <dgm:spPr/>
+    </dgm:pt>
+    <dgm:pt modelId="{C78CC3C1-9E36-2948-A122-B66C3B8AD8E2}" type="pres">
+      <dgm:prSet presAssocID="{4C46A92D-F382-D84C-A24D-A7422C7C1D12}" presName="sp" presStyleCnt="0"/>
+      <dgm:spPr/>
+    </dgm:pt>
+    <dgm:pt modelId="{B9057514-C32D-7743-A398-EEDD29825C18}" type="pres">
+      <dgm:prSet presAssocID="{56CDB02F-778A-6B40-9319-D1345B431325}" presName="arrowAndChildren" presStyleCnt="0"/>
+      <dgm:spPr/>
+    </dgm:pt>
+    <dgm:pt modelId="{45022DDE-323B-0E4A-945E-FD0BCAAFDDAE}" type="pres">
+      <dgm:prSet presAssocID="{56CDB02F-778A-6B40-9319-D1345B431325}" presName="parentTextArrow" presStyleLbl="node1" presStyleIdx="2" presStyleCnt="3" custLinFactNeighborY="-17180"/>
+      <dgm:spPr/>
+    </dgm:pt>
+  </dgm:ptLst>
+  <dgm:cxnLst>
+    <dgm:cxn modelId="{BC16A502-4246-DA43-AC24-52F53E99B7EE}" type="presOf" srcId="{23921C2F-65E6-E44B-BAD2-588C9B88B82A}" destId="{ADDD60D7-869C-F84F-BB28-87FA2D2EE8FD}" srcOrd="0" destOrd="0" presId="urn:microsoft.com/office/officeart/2005/8/layout/process4"/>
+    <dgm:cxn modelId="{AC123D04-A369-CF46-A5D7-DE9E18D936DD}" type="presOf" srcId="{EDE4312E-2B1C-2A49-98D8-E7B584A26C30}" destId="{E3D79A0F-1E2E-5F49-9933-CA18BD85158A}" srcOrd="0" destOrd="0" presId="urn:microsoft.com/office/officeart/2005/8/layout/process4"/>
+    <dgm:cxn modelId="{78719F16-5C30-474C-9F66-C52EB8F8B663}" srcId="{EDE4312E-2B1C-2A49-98D8-E7B584A26C30}" destId="{56CDB02F-778A-6B40-9319-D1345B431325}" srcOrd="0" destOrd="0" parTransId="{0CA9B4E2-64D2-504E-AD21-F4700283BCF8}" sibTransId="{4C46A92D-F382-D84C-A24D-A7422C7C1D12}"/>
+    <dgm:cxn modelId="{3A3C8035-B62D-6640-8B38-FB3381C45F3D}" srcId="{EDE4312E-2B1C-2A49-98D8-E7B584A26C30}" destId="{23921C2F-65E6-E44B-BAD2-588C9B88B82A}" srcOrd="2" destOrd="0" parTransId="{EA1E9198-BE4E-2A4E-8DC3-6A9808E7D9DC}" sibTransId="{165B998E-46FF-9043-9763-1902E86CE963}"/>
+    <dgm:cxn modelId="{18049C47-B89F-124B-9402-424C16FDB006}" srcId="{EDE4312E-2B1C-2A49-98D8-E7B584A26C30}" destId="{60D309A6-524F-6F4F-8F5F-1793751A4F34}" srcOrd="1" destOrd="0" parTransId="{3E20BA4F-759E-7940-8178-DFA05DE59A16}" sibTransId="{D4205D0B-57CF-F747-9C94-A0BE9C42B3F9}"/>
+    <dgm:cxn modelId="{2E4EF29B-9813-7047-8354-879CECEDE675}" type="presOf" srcId="{56CDB02F-778A-6B40-9319-D1345B431325}" destId="{45022DDE-323B-0E4A-945E-FD0BCAAFDDAE}" srcOrd="0" destOrd="0" presId="urn:microsoft.com/office/officeart/2005/8/layout/process4"/>
+    <dgm:cxn modelId="{7D2936A1-6D2A-9947-9D17-64488A526BB3}" type="presOf" srcId="{60D309A6-524F-6F4F-8F5F-1793751A4F34}" destId="{DC8A282E-41E2-E64A-B0CC-63D8C288F864}" srcOrd="0" destOrd="0" presId="urn:microsoft.com/office/officeart/2005/8/layout/process4"/>
+    <dgm:cxn modelId="{23FB7E35-36C0-4A40-834A-FFF0D772E88B}" type="presParOf" srcId="{E3D79A0F-1E2E-5F49-9933-CA18BD85158A}" destId="{262151AD-0943-C348-91F0-1E59D9EBDEC3}" srcOrd="0" destOrd="0" presId="urn:microsoft.com/office/officeart/2005/8/layout/process4"/>
+    <dgm:cxn modelId="{0998AF2F-15B5-5343-9DB3-311E8CDE91EF}" type="presParOf" srcId="{262151AD-0943-C348-91F0-1E59D9EBDEC3}" destId="{ADDD60D7-869C-F84F-BB28-87FA2D2EE8FD}" srcOrd="0" destOrd="0" presId="urn:microsoft.com/office/officeart/2005/8/layout/process4"/>
+    <dgm:cxn modelId="{72DAE3C7-6B37-5249-A137-A8B2AB884266}" type="presParOf" srcId="{E3D79A0F-1E2E-5F49-9933-CA18BD85158A}" destId="{27A2A03A-49FB-4848-8106-CFAD0C7FD54D}" srcOrd="1" destOrd="0" presId="urn:microsoft.com/office/officeart/2005/8/layout/process4"/>
+    <dgm:cxn modelId="{DAD5EE83-B635-D54C-92D3-13F37B930C9D}" type="presParOf" srcId="{E3D79A0F-1E2E-5F49-9933-CA18BD85158A}" destId="{C090A600-E789-7241-ACDE-6BF0BA3221E0}" srcOrd="2" destOrd="0" presId="urn:microsoft.com/office/officeart/2005/8/layout/process4"/>
+    <dgm:cxn modelId="{001CFFD8-6026-3B41-83D7-5871CB79550D}" type="presParOf" srcId="{C090A600-E789-7241-ACDE-6BF0BA3221E0}" destId="{DC8A282E-41E2-E64A-B0CC-63D8C288F864}" srcOrd="0" destOrd="0" presId="urn:microsoft.com/office/officeart/2005/8/layout/process4"/>
+    <dgm:cxn modelId="{0DC1A727-6FF1-1A47-9C56-FEC67A94F828}" type="presParOf" srcId="{E3D79A0F-1E2E-5F49-9933-CA18BD85158A}" destId="{C78CC3C1-9E36-2948-A122-B66C3B8AD8E2}" srcOrd="3" destOrd="0" presId="urn:microsoft.com/office/officeart/2005/8/layout/process4"/>
+    <dgm:cxn modelId="{DE8003F6-2899-E648-8A97-64CB031736F4}" type="presParOf" srcId="{E3D79A0F-1E2E-5F49-9933-CA18BD85158A}" destId="{B9057514-C32D-7743-A398-EEDD29825C18}" srcOrd="4" destOrd="0" presId="urn:microsoft.com/office/officeart/2005/8/layout/process4"/>
+    <dgm:cxn modelId="{3E63088E-FC6E-0A4C-AC31-A6C4BE596581}" type="presParOf" srcId="{B9057514-C32D-7743-A398-EEDD29825C18}" destId="{45022DDE-323B-0E4A-945E-FD0BCAAFDDAE}" srcOrd="0" destOrd="0" presId="urn:microsoft.com/office/officeart/2005/8/layout/process4"/>
+  </dgm:cxnLst>
+  <dgm:bg/>
+  <dgm:whole/>
+  <dgm:extLst>
+    <a:ext uri="http://schemas.microsoft.com/office/drawing/2008/diagram">
+      <dsp:dataModelExt xmlns:dsp="http://schemas.microsoft.com/office/drawing/2008/diagram" relId="rId7" minVer="http://schemas.openxmlformats.org/drawingml/2006/diagram"/>
+    </a:ext>
+  </dgm:extLst>
+</dgm:dataModel>
+</file>
+
+<file path=ppt/diagrams/data2.xml><?xml version="1.0" encoding="utf-8"?>
+<dgm:dataModel xmlns:dgm="http://schemas.openxmlformats.org/drawingml/2006/diagram" xmlns:a="http://schemas.openxmlformats.org/drawingml/2006/main">
+  <dgm:ptLst>
+    <dgm:pt modelId="{EDE4312E-2B1C-2A49-98D8-E7B584A26C30}" type="doc">
+      <dgm:prSet loTypeId="urn:microsoft.com/office/officeart/2005/8/layout/process4" loCatId="" qsTypeId="urn:microsoft.com/office/officeart/2005/8/quickstyle/simple1" qsCatId="simple" csTypeId="urn:microsoft.com/office/officeart/2005/8/colors/accent1_2" csCatId="accent1" phldr="1"/>
+      <dgm:spPr/>
+      <dgm:t>
+        <a:bodyPr/>
+        <a:lstStyle/>
+        <a:p>
+          <a:endParaRPr lang="en-US"/>
+        </a:p>
+      </dgm:t>
+    </dgm:pt>
+    <dgm:pt modelId="{56CDB02F-778A-6B40-9319-D1345B431325}">
+      <dgm:prSet phldrT="[Text]" custT="1">
+        <dgm:style>
+          <a:lnRef idx="1">
+            <a:schemeClr val="accent4"/>
+          </a:lnRef>
+          <a:fillRef idx="2">
+            <a:schemeClr val="accent4"/>
+          </a:fillRef>
+          <a:effectRef idx="1">
+            <a:schemeClr val="accent4"/>
+          </a:effectRef>
+          <a:fontRef idx="minor">
+            <a:schemeClr val="dk1"/>
+          </a:fontRef>
+        </dgm:style>
+      </dgm:prSet>
+      <dgm:spPr/>
+      <dgm:t>
+        <a:bodyPr/>
+        <a:lstStyle/>
+        <a:p>
+          <a:pPr>
+            <a:buFont typeface="Arial" panose="020B0604020202020204" pitchFamily="34" charset="0"/>
+            <a:buChar char="•"/>
+          </a:pPr>
+          <a:r>
+            <a:rPr lang="en-US" sz="2000" dirty="0">
+              <a:solidFill>
+                <a:schemeClr val="bg1"/>
+              </a:solidFill>
+            </a:rPr>
+            <a:t>Nodes in the largest component have the same infection status</a:t>
+          </a:r>
+        </a:p>
+      </dgm:t>
+    </dgm:pt>
+    <dgm:pt modelId="{0CA9B4E2-64D2-504E-AD21-F4700283BCF8}" type="parTrans" cxnId="{78719F16-5C30-474C-9F66-C52EB8F8B663}">
+      <dgm:prSet/>
+      <dgm:spPr/>
+      <dgm:t>
+        <a:bodyPr/>
+        <a:lstStyle/>
+        <a:p>
+          <a:endParaRPr lang="en-US"/>
+        </a:p>
+      </dgm:t>
+    </dgm:pt>
+    <dgm:pt modelId="{4C46A92D-F382-D84C-A24D-A7422C7C1D12}" type="sibTrans" cxnId="{78719F16-5C30-474C-9F66-C52EB8F8B663}">
+      <dgm:prSet/>
+      <dgm:spPr/>
+      <dgm:t>
+        <a:bodyPr/>
+        <a:lstStyle/>
+        <a:p>
+          <a:endParaRPr lang="en-US"/>
+        </a:p>
+      </dgm:t>
+    </dgm:pt>
+    <dgm:pt modelId="{60D309A6-524F-6F4F-8F5F-1793751A4F34}">
+      <dgm:prSet phldrT="[Text]" custT="1">
+        <dgm:style>
+          <a:lnRef idx="1">
+            <a:schemeClr val="accent2"/>
+          </a:lnRef>
+          <a:fillRef idx="2">
+            <a:schemeClr val="accent2"/>
+          </a:fillRef>
+          <a:effectRef idx="1">
+            <a:schemeClr val="accent2"/>
+          </a:effectRef>
+          <a:fontRef idx="minor">
+            <a:schemeClr val="dk1"/>
+          </a:fontRef>
+        </dgm:style>
+      </dgm:prSet>
+      <dgm:spPr>
+        <a:blipFill>
+          <a:blip xmlns:r="http://schemas.openxmlformats.org/officeDocument/2006/relationships" r:embed="rId1"/>
+          <a:stretch>
+            <a:fillRect/>
+          </a:stretch>
+        </a:blipFill>
+      </dgm:spPr>
+      <dgm:t>
+        <a:bodyPr/>
+        <a:lstStyle/>
+        <a:p>
+          <a:r>
+            <a:rPr lang="en-US">
+              <a:noFill/>
+            </a:rPr>
+            <a:t> </a:t>
+          </a:r>
+        </a:p>
+      </dgm:t>
+    </dgm:pt>
+    <dgm:pt modelId="{3E20BA4F-759E-7940-8178-DFA05DE59A16}" type="parTrans" cxnId="{18049C47-B89F-124B-9402-424C16FDB006}">
+      <dgm:prSet/>
+      <dgm:spPr/>
+      <dgm:t>
+        <a:bodyPr/>
+        <a:lstStyle/>
+        <a:p>
+          <a:endParaRPr lang="en-US"/>
+        </a:p>
+      </dgm:t>
+    </dgm:pt>
+    <dgm:pt modelId="{D4205D0B-57CF-F747-9C94-A0BE9C42B3F9}" type="sibTrans" cxnId="{18049C47-B89F-124B-9402-424C16FDB006}">
+      <dgm:prSet/>
+      <dgm:spPr/>
+      <dgm:t>
+        <a:bodyPr/>
+        <a:lstStyle/>
+        <a:p>
+          <a:endParaRPr lang="en-US"/>
+        </a:p>
+      </dgm:t>
+    </dgm:pt>
+    <dgm:pt modelId="{23921C2F-65E6-E44B-BAD2-588C9B88B82A}">
+      <dgm:prSet phldrT="[Text]" custT="1">
+        <dgm:style>
+          <a:lnRef idx="1">
+            <a:schemeClr val="accent2"/>
+          </a:lnRef>
+          <a:fillRef idx="3">
+            <a:schemeClr val="accent2"/>
+          </a:fillRef>
+          <a:effectRef idx="2">
+            <a:schemeClr val="accent2"/>
+          </a:effectRef>
+          <a:fontRef idx="minor">
+            <a:schemeClr val="lt1"/>
+          </a:fontRef>
+        </dgm:style>
+      </dgm:prSet>
+      <dgm:spPr>
+        <a:blipFill>
+          <a:blip xmlns:r="http://schemas.openxmlformats.org/officeDocument/2006/relationships" r:embed="rId2"/>
+          <a:stretch>
+            <a:fillRect/>
+          </a:stretch>
+        </a:blipFill>
+      </dgm:spPr>
+      <dgm:t>
+        <a:bodyPr/>
+        <a:lstStyle/>
+        <a:p>
+          <a:r>
+            <a:rPr lang="en-US">
+              <a:noFill/>
+            </a:rPr>
+            <a:t> </a:t>
+          </a:r>
+        </a:p>
+      </dgm:t>
+    </dgm:pt>
+    <dgm:pt modelId="{EA1E9198-BE4E-2A4E-8DC3-6A9808E7D9DC}" type="parTrans" cxnId="{3A3C8035-B62D-6640-8B38-FB3381C45F3D}">
+      <dgm:prSet/>
+      <dgm:spPr/>
+      <dgm:t>
+        <a:bodyPr/>
+        <a:lstStyle/>
+        <a:p>
+          <a:endParaRPr lang="en-US"/>
+        </a:p>
+      </dgm:t>
+    </dgm:pt>
+    <dgm:pt modelId="{165B998E-46FF-9043-9763-1902E86CE963}" type="sibTrans" cxnId="{3A3C8035-B62D-6640-8B38-FB3381C45F3D}">
+      <dgm:prSet/>
+      <dgm:spPr/>
+      <dgm:t>
+        <a:bodyPr/>
+        <a:lstStyle/>
+        <a:p>
+          <a:endParaRPr lang="en-US"/>
+        </a:p>
+      </dgm:t>
+    </dgm:pt>
+    <dgm:pt modelId="{E3D79A0F-1E2E-5F49-9933-CA18BD85158A}" type="pres">
+      <dgm:prSet presAssocID="{EDE4312E-2B1C-2A49-98D8-E7B584A26C30}" presName="Name0" presStyleCnt="0">
+        <dgm:presLayoutVars>
+          <dgm:dir/>
+          <dgm:animLvl val="lvl"/>
+          <dgm:resizeHandles val="exact"/>
+        </dgm:presLayoutVars>
+      </dgm:prSet>
+      <dgm:spPr/>
+    </dgm:pt>
+    <dgm:pt modelId="{262151AD-0943-C348-91F0-1E59D9EBDEC3}" type="pres">
+      <dgm:prSet presAssocID="{23921C2F-65E6-E44B-BAD2-588C9B88B82A}" presName="boxAndChildren" presStyleCnt="0"/>
+      <dgm:spPr/>
+    </dgm:pt>
+    <dgm:pt modelId="{ADDD60D7-869C-F84F-BB28-87FA2D2EE8FD}" type="pres">
+      <dgm:prSet presAssocID="{23921C2F-65E6-E44B-BAD2-588C9B88B82A}" presName="parentTextBox" presStyleLbl="node1" presStyleIdx="0" presStyleCnt="3"/>
+      <dgm:spPr/>
+    </dgm:pt>
+    <dgm:pt modelId="{27A2A03A-49FB-4848-8106-CFAD0C7FD54D}" type="pres">
+      <dgm:prSet presAssocID="{D4205D0B-57CF-F747-9C94-A0BE9C42B3F9}" presName="sp" presStyleCnt="0"/>
+      <dgm:spPr/>
+    </dgm:pt>
+    <dgm:pt modelId="{C090A600-E789-7241-ACDE-6BF0BA3221E0}" type="pres">
+      <dgm:prSet presAssocID="{60D309A6-524F-6F4F-8F5F-1793751A4F34}" presName="arrowAndChildren" presStyleCnt="0"/>
+      <dgm:spPr/>
+    </dgm:pt>
+    <dgm:pt modelId="{DC8A282E-41E2-E64A-B0CC-63D8C288F864}" type="pres">
+      <dgm:prSet presAssocID="{60D309A6-524F-6F4F-8F5F-1793751A4F34}" presName="parentTextArrow" presStyleLbl="node1" presStyleIdx="1" presStyleCnt="3"/>
+      <dgm:spPr/>
+    </dgm:pt>
+    <dgm:pt modelId="{C78CC3C1-9E36-2948-A122-B66C3B8AD8E2}" type="pres">
+      <dgm:prSet presAssocID="{4C46A92D-F382-D84C-A24D-A7422C7C1D12}" presName="sp" presStyleCnt="0"/>
+      <dgm:spPr/>
+    </dgm:pt>
+    <dgm:pt modelId="{B9057514-C32D-7743-A398-EEDD29825C18}" type="pres">
+      <dgm:prSet presAssocID="{56CDB02F-778A-6B40-9319-D1345B431325}" presName="arrowAndChildren" presStyleCnt="0"/>
+      <dgm:spPr/>
+    </dgm:pt>
+    <dgm:pt modelId="{45022DDE-323B-0E4A-945E-FD0BCAAFDDAE}" type="pres">
+      <dgm:prSet presAssocID="{56CDB02F-778A-6B40-9319-D1345B431325}" presName="parentTextArrow" presStyleLbl="node1" presStyleIdx="2" presStyleCnt="3" custLinFactNeighborY="-17180"/>
+      <dgm:spPr/>
+    </dgm:pt>
+  </dgm:ptLst>
+  <dgm:cxnLst>
+    <dgm:cxn modelId="{BC16A502-4246-DA43-AC24-52F53E99B7EE}" type="presOf" srcId="{23921C2F-65E6-E44B-BAD2-588C9B88B82A}" destId="{ADDD60D7-869C-F84F-BB28-87FA2D2EE8FD}" srcOrd="0" destOrd="0" presId="urn:microsoft.com/office/officeart/2005/8/layout/process4"/>
+    <dgm:cxn modelId="{AC123D04-A369-CF46-A5D7-DE9E18D936DD}" type="presOf" srcId="{EDE4312E-2B1C-2A49-98D8-E7B584A26C30}" destId="{E3D79A0F-1E2E-5F49-9933-CA18BD85158A}" srcOrd="0" destOrd="0" presId="urn:microsoft.com/office/officeart/2005/8/layout/process4"/>
+    <dgm:cxn modelId="{78719F16-5C30-474C-9F66-C52EB8F8B663}" srcId="{EDE4312E-2B1C-2A49-98D8-E7B584A26C30}" destId="{56CDB02F-778A-6B40-9319-D1345B431325}" srcOrd="0" destOrd="0" parTransId="{0CA9B4E2-64D2-504E-AD21-F4700283BCF8}" sibTransId="{4C46A92D-F382-D84C-A24D-A7422C7C1D12}"/>
+    <dgm:cxn modelId="{3A3C8035-B62D-6640-8B38-FB3381C45F3D}" srcId="{EDE4312E-2B1C-2A49-98D8-E7B584A26C30}" destId="{23921C2F-65E6-E44B-BAD2-588C9B88B82A}" srcOrd="2" destOrd="0" parTransId="{EA1E9198-BE4E-2A4E-8DC3-6A9808E7D9DC}" sibTransId="{165B998E-46FF-9043-9763-1902E86CE963}"/>
+    <dgm:cxn modelId="{18049C47-B89F-124B-9402-424C16FDB006}" srcId="{EDE4312E-2B1C-2A49-98D8-E7B584A26C30}" destId="{60D309A6-524F-6F4F-8F5F-1793751A4F34}" srcOrd="1" destOrd="0" parTransId="{3E20BA4F-759E-7940-8178-DFA05DE59A16}" sibTransId="{D4205D0B-57CF-F747-9C94-A0BE9C42B3F9}"/>
+    <dgm:cxn modelId="{2E4EF29B-9813-7047-8354-879CECEDE675}" type="presOf" srcId="{56CDB02F-778A-6B40-9319-D1345B431325}" destId="{45022DDE-323B-0E4A-945E-FD0BCAAFDDAE}" srcOrd="0" destOrd="0" presId="urn:microsoft.com/office/officeart/2005/8/layout/process4"/>
+    <dgm:cxn modelId="{7D2936A1-6D2A-9947-9D17-64488A526BB3}" type="presOf" srcId="{60D309A6-524F-6F4F-8F5F-1793751A4F34}" destId="{DC8A282E-41E2-E64A-B0CC-63D8C288F864}" srcOrd="0" destOrd="0" presId="urn:microsoft.com/office/officeart/2005/8/layout/process4"/>
+    <dgm:cxn modelId="{23FB7E35-36C0-4A40-834A-FFF0D772E88B}" type="presParOf" srcId="{E3D79A0F-1E2E-5F49-9933-CA18BD85158A}" destId="{262151AD-0943-C348-91F0-1E59D9EBDEC3}" srcOrd="0" destOrd="0" presId="urn:microsoft.com/office/officeart/2005/8/layout/process4"/>
+    <dgm:cxn modelId="{0998AF2F-15B5-5343-9DB3-311E8CDE91EF}" type="presParOf" srcId="{262151AD-0943-C348-91F0-1E59D9EBDEC3}" destId="{ADDD60D7-869C-F84F-BB28-87FA2D2EE8FD}" srcOrd="0" destOrd="0" presId="urn:microsoft.com/office/officeart/2005/8/layout/process4"/>
+    <dgm:cxn modelId="{72DAE3C7-6B37-5249-A137-A8B2AB884266}" type="presParOf" srcId="{E3D79A0F-1E2E-5F49-9933-CA18BD85158A}" destId="{27A2A03A-49FB-4848-8106-CFAD0C7FD54D}" srcOrd="1" destOrd="0" presId="urn:microsoft.com/office/officeart/2005/8/layout/process4"/>
+    <dgm:cxn modelId="{DAD5EE83-B635-D54C-92D3-13F37B930C9D}" type="presParOf" srcId="{E3D79A0F-1E2E-5F49-9933-CA18BD85158A}" destId="{C090A600-E789-7241-ACDE-6BF0BA3221E0}" srcOrd="2" destOrd="0" presId="urn:microsoft.com/office/officeart/2005/8/layout/process4"/>
+    <dgm:cxn modelId="{001CFFD8-6026-3B41-83D7-5871CB79550D}" type="presParOf" srcId="{C090A600-E789-7241-ACDE-6BF0BA3221E0}" destId="{DC8A282E-41E2-E64A-B0CC-63D8C288F864}" srcOrd="0" destOrd="0" presId="urn:microsoft.com/office/officeart/2005/8/layout/process4"/>
+    <dgm:cxn modelId="{0DC1A727-6FF1-1A47-9C56-FEC67A94F828}" type="presParOf" srcId="{E3D79A0F-1E2E-5F49-9933-CA18BD85158A}" destId="{C78CC3C1-9E36-2948-A122-B66C3B8AD8E2}" srcOrd="3" destOrd="0" presId="urn:microsoft.com/office/officeart/2005/8/layout/process4"/>
+    <dgm:cxn modelId="{DE8003F6-2899-E648-8A97-64CB031736F4}" type="presParOf" srcId="{E3D79A0F-1E2E-5F49-9933-CA18BD85158A}" destId="{B9057514-C32D-7743-A398-EEDD29825C18}" srcOrd="4" destOrd="0" presId="urn:microsoft.com/office/officeart/2005/8/layout/process4"/>
+    <dgm:cxn modelId="{3E63088E-FC6E-0A4C-AC31-A6C4BE596581}" type="presParOf" srcId="{B9057514-C32D-7743-A398-EEDD29825C18}" destId="{45022DDE-323B-0E4A-945E-FD0BCAAFDDAE}" srcOrd="0" destOrd="0" presId="urn:microsoft.com/office/officeart/2005/8/layout/process4"/>
+  </dgm:cxnLst>
+  <dgm:bg/>
+  <dgm:whole/>
+  <dgm:extLst>
+    <a:ext uri="http://schemas.microsoft.com/office/drawing/2008/diagram">
+      <dsp:dataModelExt xmlns:dsp="http://schemas.microsoft.com/office/drawing/2008/diagram" relId="rId7" minVer="http://schemas.openxmlformats.org/drawingml/2006/diagram"/>
+    </a:ext>
+  </dgm:extLst>
+</dgm:dataModel>
+</file>
+
+<file path=ppt/diagrams/drawing1.xml><?xml version="1.0" encoding="utf-8"?>
+<dsp:drawing xmlns:dgm="http://schemas.openxmlformats.org/drawingml/2006/diagram" xmlns:dsp="http://schemas.microsoft.com/office/drawing/2008/diagram" xmlns:a="http://schemas.openxmlformats.org/drawingml/2006/main">
+  <dsp:spTree>
+    <dsp:nvGrpSpPr>
+      <dsp:cNvPr id="0" name=""/>
+      <dsp:cNvGrpSpPr/>
+    </dsp:nvGrpSpPr>
+    <dsp:grpSpPr/>
+    <dsp:sp modelId="{ADDD60D7-869C-F84F-BB28-87FA2D2EE8FD}">
+      <dsp:nvSpPr>
+        <dsp:cNvPr id="0" name=""/>
+        <dsp:cNvSpPr/>
+      </dsp:nvSpPr>
+      <dsp:spPr>
+        <a:xfrm>
+          <a:off x="0" y="2466650"/>
+          <a:ext cx="5384800" cy="809609"/>
+        </a:xfrm>
+        <a:prstGeom prst="rect">
+          <a:avLst/>
+        </a:prstGeom>
+        <a:gradFill rotWithShape="1">
+          <a:gsLst>
+            <a:gs pos="0">
+              <a:schemeClr val="accent2">
+                <a:satMod val="103000"/>
+                <a:lumMod val="102000"/>
+                <a:tint val="94000"/>
+              </a:schemeClr>
+            </a:gs>
+            <a:gs pos="50000">
+              <a:schemeClr val="accent2">
+                <a:satMod val="110000"/>
+                <a:lumMod val="100000"/>
+                <a:shade val="100000"/>
+              </a:schemeClr>
+            </a:gs>
+            <a:gs pos="100000">
+              <a:schemeClr val="accent2">
+                <a:lumMod val="99000"/>
+                <a:satMod val="120000"/>
+                <a:shade val="78000"/>
+              </a:schemeClr>
+            </a:gs>
+          </a:gsLst>
+          <a:lin ang="5400000" scaled="0"/>
+        </a:gradFill>
+        <a:ln w="6350" cap="flat" cmpd="sng" algn="ctr">
+          <a:solidFill>
+            <a:schemeClr val="accent2"/>
+          </a:solidFill>
+          <a:prstDash val="solid"/>
+          <a:miter lim="800000"/>
+        </a:ln>
+        <a:effectLst/>
+      </dsp:spPr>
+      <dsp:style>
+        <a:lnRef idx="1">
+          <a:schemeClr val="accent2"/>
+        </a:lnRef>
+        <a:fillRef idx="3">
+          <a:schemeClr val="accent2"/>
+        </a:fillRef>
+        <a:effectRef idx="2">
+          <a:schemeClr val="accent2"/>
+        </a:effectRef>
+        <a:fontRef idx="minor">
+          <a:schemeClr val="lt1"/>
+        </a:fontRef>
+      </dsp:style>
+      <dsp:txBody>
+        <a:bodyPr spcFirstLastPara="0" vert="horz" wrap="square" lIns="142240" tIns="142240" rIns="142240" bIns="142240" numCol="1" spcCol="1270" anchor="ctr" anchorCtr="0">
+          <a:noAutofit/>
+        </a:bodyPr>
+        <a:lstStyle/>
+        <a:p>
+          <a:pPr marL="0" lvl="0" indent="0" algn="ctr" defTabSz="889000">
+            <a:lnSpc>
+              <a:spcPct val="90000"/>
+            </a:lnSpc>
+            <a:spcBef>
+              <a:spcPct val="0"/>
+            </a:spcBef>
+            <a:spcAft>
+              <a:spcPct val="35000"/>
+            </a:spcAft>
+            <a:buFont typeface="Arial" panose="020B0604020202020204" pitchFamily="34" charset="0"/>
+            <a:buNone/>
+          </a:pPr>
+          <a14:m xmlns:a14="http://schemas.microsoft.com/office/drawing/2010/main">
+            <m:oMathPara xmlns:m="http://schemas.openxmlformats.org/officeDocument/2006/math">
+              <m:oMathParaPr>
+                <m:jc m:val="centerGroup"/>
+              </m:oMathParaPr>
+              <m:oMath xmlns:m="http://schemas.openxmlformats.org/officeDocument/2006/math">
+                <m:r>
+                  <a:rPr lang="en-CA" sz="2000" b="0" i="1" kern="1200" smtClean="0">
+                    <a:latin typeface="Cambria Math" panose="02040503050406030204" pitchFamily="18" charset="0"/>
+                  </a:rPr>
+                  <m:t>𝑃</m:t>
+                </m:r>
+                <m:d>
+                  <m:dPr>
+                    <m:ctrlPr>
+                      <a:rPr lang="en-CA" sz="2000" b="0" i="1" kern="1200" smtClean="0">
+                        <a:latin typeface="Cambria Math" panose="02040503050406030204" pitchFamily="18" charset="0"/>
+                      </a:rPr>
+                    </m:ctrlPr>
+                  </m:dPr>
+                  <m:e>
+                    <m:r>
+                      <m:rPr>
+                        <m:nor/>
+                      </m:rPr>
+                      <a:rPr lang="en-US" sz="2000" b="0" i="0" kern="1200" smtClean="0">
+                        <a:latin typeface="Cambria Math" panose="02040503050406030204" pitchFamily="18" charset="0"/>
+                      </a:rPr>
+                      <m:t>Node</m:t>
+                    </m:r>
+                    <m:r>
+                      <m:rPr>
+                        <m:nor/>
+                      </m:rPr>
+                      <a:rPr lang="en-US" sz="2000" b="0" i="0" kern="1200" smtClean="0">
+                        <a:latin typeface="Cambria Math" panose="02040503050406030204" pitchFamily="18" charset="0"/>
+                      </a:rPr>
+                      <m:t> </m:t>
+                    </m:r>
+                    <m:r>
+                      <a:rPr lang="en-CA" sz="2000" b="0" i="1" kern="1200" smtClean="0">
+                        <a:latin typeface="Cambria Math" panose="02040503050406030204" pitchFamily="18" charset="0"/>
+                      </a:rPr>
+                      <m:t>𝑖</m:t>
+                    </m:r>
+                    <m:r>
+                      <a:rPr lang="en-CA" sz="2000" b="0" i="1" kern="1200" smtClean="0">
+                        <a:latin typeface="Cambria Math" panose="02040503050406030204" pitchFamily="18" charset="0"/>
+                      </a:rPr>
+                      <m:t> </m:t>
+                    </m:r>
+                    <m:r>
+                      <m:rPr>
+                        <m:nor/>
+                      </m:rPr>
+                      <a:rPr lang="en-CA" sz="2000" b="0" i="0" kern="1200" smtClean="0">
+                        <a:latin typeface="Cambria Math" panose="02040503050406030204" pitchFamily="18" charset="0"/>
+                      </a:rPr>
+                      <m:t>infecte</m:t>
+                    </m:r>
+                    <m:r>
+                      <m:rPr>
+                        <m:nor/>
+                      </m:rPr>
+                      <a:rPr lang="en-US" sz="2000" b="0" i="0" kern="1200" smtClean="0">
+                        <a:latin typeface="Cambria Math" panose="02040503050406030204" pitchFamily="18" charset="0"/>
+                      </a:rPr>
+                      <m:t>d</m:t>
+                    </m:r>
+                  </m:e>
+                </m:d>
+                <m:r>
+                  <a:rPr lang="en-CA" sz="2000" b="0" i="1" kern="1200" smtClean="0">
+                    <a:latin typeface="Cambria Math" panose="02040503050406030204" pitchFamily="18" charset="0"/>
+                  </a:rPr>
+                  <m:t>≥</m:t>
+                </m:r>
+                <m:r>
+                  <a:rPr lang="en-CA" sz="2000" b="0" i="1" kern="1200" smtClean="0">
+                    <a:latin typeface="Cambria Math" panose="02040503050406030204" pitchFamily="18" charset="0"/>
+                  </a:rPr>
+                  <m:t>𝑃</m:t>
+                </m:r>
+                <m:r>
+                  <a:rPr lang="en-CA" sz="2000" b="0" i="1" kern="1200" smtClean="0">
+                    <a:latin typeface="Cambria Math" panose="02040503050406030204" pitchFamily="18" charset="0"/>
+                  </a:rPr>
+                  <m:t>(</m:t>
+                </m:r>
+                <m:r>
+                  <m:rPr>
+                    <m:nor/>
+                  </m:rPr>
+                  <a:rPr lang="en-US" sz="2000" b="0" i="0" kern="1200" smtClean="0">
+                    <a:latin typeface="Cambria Math" panose="02040503050406030204" pitchFamily="18" charset="0"/>
+                  </a:rPr>
+                  <m:t>Node</m:t>
+                </m:r>
+                <m:r>
+                  <m:rPr>
+                    <m:nor/>
+                  </m:rPr>
+                  <a:rPr lang="en-US" sz="2000" b="0" i="0" kern="1200" smtClean="0">
+                    <a:latin typeface="Cambria Math" panose="02040503050406030204" pitchFamily="18" charset="0"/>
+                  </a:rPr>
+                  <m:t> </m:t>
+                </m:r>
+                <m:r>
+                  <a:rPr lang="en-CA" sz="2000" b="0" i="1" kern="1200" smtClean="0">
+                    <a:latin typeface="Cambria Math" panose="02040503050406030204" pitchFamily="18" charset="0"/>
+                  </a:rPr>
+                  <m:t>𝑖</m:t>
+                </m:r>
+                <m:r>
+                  <a:rPr lang="en-CA" sz="2000" b="0" i="1" kern="1200" smtClean="0">
+                    <a:latin typeface="Cambria Math" panose="02040503050406030204" pitchFamily="18" charset="0"/>
+                  </a:rPr>
+                  <m:t> </m:t>
+                </m:r>
+                <m:r>
+                  <m:rPr>
+                    <m:nor/>
+                  </m:rPr>
+                  <a:rPr lang="en-CA" sz="2000" b="0" i="0" kern="1200" smtClean="0">
+                    <a:latin typeface="Cambria Math" panose="02040503050406030204" pitchFamily="18" charset="0"/>
+                  </a:rPr>
+                  <m:t>in</m:t>
+                </m:r>
+                <m:r>
+                  <m:rPr>
+                    <m:nor/>
+                  </m:rPr>
+                  <a:rPr lang="en-CA" sz="2000" b="0" i="0" kern="1200" smtClean="0">
+                    <a:latin typeface="Cambria Math" panose="02040503050406030204" pitchFamily="18" charset="0"/>
+                  </a:rPr>
+                  <m:t> </m:t>
+                </m:r>
+                <m:r>
+                  <m:rPr>
+                    <m:nor/>
+                  </m:rPr>
+                  <a:rPr lang="en-CA" sz="2000" b="0" i="0" kern="1200" smtClean="0">
+                    <a:latin typeface="Cambria Math" panose="02040503050406030204" pitchFamily="18" charset="0"/>
+                  </a:rPr>
+                  <m:t>largest</m:t>
+                </m:r>
+                <m:r>
+                  <m:rPr>
+                    <m:nor/>
+                  </m:rPr>
+                  <a:rPr lang="en-CA" sz="2000" b="0" i="0" kern="1200" smtClean="0">
+                    <a:latin typeface="Cambria Math" panose="02040503050406030204" pitchFamily="18" charset="0"/>
+                  </a:rPr>
+                  <m:t> </m:t>
+                </m:r>
+                <m:r>
+                  <m:rPr>
+                    <m:nor/>
+                  </m:rPr>
+                  <a:rPr lang="en-CA" sz="2000" b="0" i="0" kern="1200" smtClean="0">
+                    <a:latin typeface="Cambria Math" panose="02040503050406030204" pitchFamily="18" charset="0"/>
+                  </a:rPr>
+                  <m:t>infected</m:t>
+                </m:r>
+                <m:r>
+                  <m:rPr>
+                    <m:nor/>
+                  </m:rPr>
+                  <a:rPr lang="en-CA" sz="2000" b="0" i="0" kern="1200" smtClean="0">
+                    <a:latin typeface="Cambria Math" panose="02040503050406030204" pitchFamily="18" charset="0"/>
+                  </a:rPr>
+                  <m:t> </m:t>
+                </m:r>
+                <m:r>
+                  <m:rPr>
+                    <m:nor/>
+                  </m:rPr>
+                  <a:rPr lang="en-CA" sz="2000" b="0" i="0" kern="1200" smtClean="0">
+                    <a:latin typeface="Cambria Math" panose="02040503050406030204" pitchFamily="18" charset="0"/>
+                  </a:rPr>
+                  <m:t>component</m:t>
+                </m:r>
+                <m:r>
+                  <a:rPr lang="en-CA" sz="2000" b="0" i="1" kern="1200" smtClean="0">
+                    <a:latin typeface="Cambria Math" panose="02040503050406030204" pitchFamily="18" charset="0"/>
+                  </a:rPr>
+                  <m:t>)</m:t>
+                </m:r>
+              </m:oMath>
+            </m:oMathPara>
+          </a14:m>
+          <a:endParaRPr lang="en-US" sz="2000" kern="1200" dirty="0"/>
+        </a:p>
+      </dsp:txBody>
+      <dsp:txXfrm>
+        <a:off x="0" y="2466650"/>
+        <a:ext cx="5384800" cy="809609"/>
+      </dsp:txXfrm>
+    </dsp:sp>
+    <dsp:sp modelId="{DC8A282E-41E2-E64A-B0CC-63D8C288F864}">
+      <dsp:nvSpPr>
+        <dsp:cNvPr id="0" name=""/>
+        <dsp:cNvSpPr/>
+      </dsp:nvSpPr>
+      <dsp:spPr>
+        <a:xfrm rot="10800000">
+          <a:off x="0" y="1233614"/>
+          <a:ext cx="5384800" cy="1245179"/>
+        </a:xfrm>
+        <a:prstGeom prst="upArrowCallout">
+          <a:avLst/>
+        </a:prstGeom>
+        <a:gradFill rotWithShape="1">
+          <a:gsLst>
+            <a:gs pos="0">
+              <a:schemeClr val="accent2">
+                <a:lumMod val="110000"/>
+                <a:satMod val="105000"/>
+                <a:tint val="67000"/>
+              </a:schemeClr>
+            </a:gs>
+            <a:gs pos="50000">
+              <a:schemeClr val="accent2">
+                <a:lumMod val="105000"/>
+                <a:satMod val="103000"/>
+                <a:tint val="73000"/>
+              </a:schemeClr>
+            </a:gs>
+            <a:gs pos="100000">
+              <a:schemeClr val="accent2">
+                <a:lumMod val="105000"/>
+                <a:satMod val="109000"/>
+                <a:tint val="81000"/>
+              </a:schemeClr>
+            </a:gs>
+          </a:gsLst>
+          <a:lin ang="5400000" scaled="0"/>
+        </a:gradFill>
+        <a:ln w="6350" cap="flat" cmpd="sng" algn="ctr">
+          <a:solidFill>
+            <a:schemeClr val="accent2"/>
+          </a:solidFill>
+          <a:prstDash val="solid"/>
+          <a:miter lim="800000"/>
+        </a:ln>
+        <a:effectLst/>
+      </dsp:spPr>
+      <dsp:style>
+        <a:lnRef idx="1">
+          <a:schemeClr val="accent2"/>
+        </a:lnRef>
+        <a:fillRef idx="2">
+          <a:schemeClr val="accent2"/>
+        </a:fillRef>
+        <a:effectRef idx="1">
+          <a:schemeClr val="accent2"/>
+        </a:effectRef>
+        <a:fontRef idx="minor">
+          <a:schemeClr val="dk1"/>
+        </a:fontRef>
+      </dsp:style>
+      <dsp:txBody>
+        <a:bodyPr spcFirstLastPara="0" vert="horz" wrap="square" lIns="142240" tIns="142240" rIns="142240" bIns="142240" numCol="1" spcCol="1270" anchor="ctr" anchorCtr="0">
+          <a:noAutofit/>
+        </a:bodyPr>
+        <a:lstStyle/>
+        <a:p>
+          <a:pPr marL="0" lvl="0" indent="0" algn="ctr" defTabSz="889000">
+            <a:lnSpc>
+              <a:spcPct val="90000"/>
+            </a:lnSpc>
+            <a:spcBef>
+              <a:spcPct val="0"/>
+            </a:spcBef>
+            <a:spcAft>
+              <a:spcPct val="35000"/>
+            </a:spcAft>
+            <a:buFont typeface="Arial" panose="020B0604020202020204" pitchFamily="34" charset="0"/>
+            <a:buNone/>
+          </a:pPr>
+          <a14:m xmlns:a14="http://schemas.microsoft.com/office/drawing/2010/main">
+            <m:oMath xmlns:m="http://schemas.openxmlformats.org/officeDocument/2006/math">
+              <m:r>
+                <a:rPr lang="en-CA" sz="2000" b="0" i="1" kern="1200" smtClean="0">
+                  <a:solidFill>
+                    <a:schemeClr val="bg1"/>
+                  </a:solidFill>
+                  <a:latin typeface="Cambria Math" panose="02040503050406030204" pitchFamily="18" charset="0"/>
+                </a:rPr>
+                <m:t>ℳ</m:t>
+              </m:r>
+              <m:r>
+                <a:rPr lang="en-CA" sz="2000" b="0" i="1" kern="1200" smtClean="0">
+                  <a:solidFill>
+                    <a:schemeClr val="bg1"/>
+                  </a:solidFill>
+                  <a:latin typeface="Cambria Math" panose="02040503050406030204" pitchFamily="18" charset="0"/>
+                </a:rPr>
+                <m:t>(</m:t>
+              </m:r>
+              <m:sSub>
+                <m:sSubPr>
+                  <m:ctrlPr>
+                    <a:rPr lang="en-CA" sz="2000" b="0" i="1" kern="1200" smtClean="0">
+                      <a:solidFill>
+                        <a:schemeClr val="bg1"/>
+                      </a:solidFill>
+                      <a:latin typeface="Cambria Math" panose="02040503050406030204" pitchFamily="18" charset="0"/>
+                    </a:rPr>
+                  </m:ctrlPr>
+                </m:sSubPr>
+                <m:e>
+                  <m:r>
+                    <a:rPr lang="en-CA" sz="2000" b="0" i="1" kern="1200" smtClean="0">
+                      <a:solidFill>
+                        <a:schemeClr val="bg1"/>
+                      </a:solidFill>
+                      <a:latin typeface="Cambria Math" panose="02040503050406030204" pitchFamily="18" charset="0"/>
+                    </a:rPr>
+                    <m:t>𝑋</m:t>
+                  </m:r>
+                </m:e>
+                <m:sub>
+                  <m:r>
+                    <a:rPr lang="en-CA" sz="2000" b="0" i="1" kern="1200" smtClean="0">
+                      <a:solidFill>
+                        <a:schemeClr val="bg1"/>
+                      </a:solidFill>
+                      <a:latin typeface="Cambria Math" panose="02040503050406030204" pitchFamily="18" charset="0"/>
+                    </a:rPr>
+                    <m:t>𝑛</m:t>
+                  </m:r>
+                </m:sub>
+              </m:sSub>
+              <m:r>
+                <a:rPr lang="en-CA" sz="2000" b="0" i="1" kern="1200" smtClean="0">
+                  <a:solidFill>
+                    <a:schemeClr val="bg1"/>
+                  </a:solidFill>
+                  <a:latin typeface="Cambria Math" panose="02040503050406030204" pitchFamily="18" charset="0"/>
+                </a:rPr>
+                <m:t>)</m:t>
+              </m:r>
+            </m:oMath>
+          </a14:m>
+          <a:r>
+            <a:rPr lang="en-US" sz="2000" kern="1200" dirty="0">
+              <a:solidFill>
+                <a:schemeClr val="bg1"/>
+              </a:solidFill>
+            </a:rPr>
+            <a:t> indicates the infection status of the largest component</a:t>
+          </a:r>
+        </a:p>
+      </dsp:txBody>
+      <dsp:txXfrm rot="10800000">
+        <a:off x="0" y="1233614"/>
+        <a:ext cx="5384800" cy="809080"/>
+      </dsp:txXfrm>
+    </dsp:sp>
+    <dsp:sp modelId="{45022DDE-323B-0E4A-945E-FD0BCAAFDDAE}">
+      <dsp:nvSpPr>
+        <dsp:cNvPr id="0" name=""/>
+        <dsp:cNvSpPr/>
+      </dsp:nvSpPr>
+      <dsp:spPr>
+        <a:xfrm rot="10800000">
+          <a:off x="0" y="0"/>
+          <a:ext cx="5384800" cy="1245179"/>
+        </a:xfrm>
+        <a:prstGeom prst="upArrowCallout">
+          <a:avLst/>
+        </a:prstGeom>
+        <a:gradFill rotWithShape="1">
+          <a:gsLst>
+            <a:gs pos="0">
+              <a:schemeClr val="accent4">
+                <a:lumMod val="110000"/>
+                <a:satMod val="105000"/>
+                <a:tint val="67000"/>
+              </a:schemeClr>
+            </a:gs>
+            <a:gs pos="50000">
+              <a:schemeClr val="accent4">
+                <a:lumMod val="105000"/>
+                <a:satMod val="103000"/>
+                <a:tint val="73000"/>
+              </a:schemeClr>
+            </a:gs>
+            <a:gs pos="100000">
+              <a:schemeClr val="accent4">
+                <a:lumMod val="105000"/>
+                <a:satMod val="109000"/>
+                <a:tint val="81000"/>
+              </a:schemeClr>
+            </a:gs>
+          </a:gsLst>
+          <a:lin ang="5400000" scaled="0"/>
+        </a:gradFill>
+        <a:ln w="6350" cap="flat" cmpd="sng" algn="ctr">
+          <a:solidFill>
+            <a:schemeClr val="accent4"/>
+          </a:solidFill>
+          <a:prstDash val="solid"/>
+          <a:miter lim="800000"/>
+        </a:ln>
+        <a:effectLst/>
+      </dsp:spPr>
+      <dsp:style>
+        <a:lnRef idx="1">
+          <a:schemeClr val="accent4"/>
+        </a:lnRef>
+        <a:fillRef idx="2">
+          <a:schemeClr val="accent4"/>
+        </a:fillRef>
+        <a:effectRef idx="1">
+          <a:schemeClr val="accent4"/>
+        </a:effectRef>
+        <a:fontRef idx="minor">
+          <a:schemeClr val="dk1"/>
+        </a:fontRef>
+      </dsp:style>
+      <dsp:txBody>
+        <a:bodyPr spcFirstLastPara="0" vert="horz" wrap="square" lIns="142240" tIns="142240" rIns="142240" bIns="142240" numCol="1" spcCol="1270" anchor="ctr" anchorCtr="0">
+          <a:noAutofit/>
+        </a:bodyPr>
+        <a:lstStyle/>
+        <a:p>
+          <a:pPr marL="0" lvl="0" indent="0" algn="ctr" defTabSz="889000">
+            <a:lnSpc>
+              <a:spcPct val="90000"/>
+            </a:lnSpc>
+            <a:spcBef>
+              <a:spcPct val="0"/>
+            </a:spcBef>
+            <a:spcAft>
+              <a:spcPct val="35000"/>
+            </a:spcAft>
+            <a:buFont typeface="Arial" panose="020B0604020202020204" pitchFamily="34" charset="0"/>
+            <a:buNone/>
+          </a:pPr>
+          <a:r>
+            <a:rPr lang="en-US" sz="2000" kern="1200" dirty="0">
+              <a:solidFill>
+                <a:schemeClr val="bg1"/>
+              </a:solidFill>
+            </a:rPr>
+            <a:t>Nodes in the largest component have the same infection status</a:t>
+          </a:r>
+        </a:p>
+      </dsp:txBody>
+      <dsp:txXfrm rot="10800000">
+        <a:off x="0" y="0"/>
+        <a:ext cx="5384800" cy="809080"/>
+      </dsp:txXfrm>
+    </dsp:sp>
+  </dsp:spTree>
+</dsp:drawing>
+</file>
+
+<file path=ppt/diagrams/layout1.xml><?xml version="1.0" encoding="utf-8"?>
+<dgm:layoutDef xmlns:dgm="http://schemas.openxmlformats.org/drawingml/2006/diagram" xmlns:a="http://schemas.openxmlformats.org/drawingml/2006/main" uniqueId="urn:microsoft.com/office/officeart/2005/8/layout/process4">
+  <dgm:title val=""/>
+  <dgm:desc val=""/>
+  <dgm:catLst>
+    <dgm:cat type="process" pri="16000"/>
+    <dgm:cat type="list" pri="20000"/>
+  </dgm:catLst>
+  <dgm:sampData>
+    <dgm:dataModel>
+      <dgm:ptLst>
+        <dgm:pt modelId="0" type="doc"/>
+        <dgm:pt modelId="1">
+          <dgm:prSet phldr="1"/>
+        </dgm:pt>
+        <dgm:pt modelId="11">
+          <dgm:prSet phldr="1"/>
+        </dgm:pt>
+        <dgm:pt modelId="12">
+          <dgm:prSet phldr="1"/>
+        </dgm:pt>
+        <dgm:pt modelId="2">
+          <dgm:prSet phldr="1"/>
+        </dgm:pt>
+        <dgm:pt modelId="21">
+          <dgm:prSet phldr="1"/>
+        </dgm:pt>
+        <dgm:pt modelId="22">
+          <dgm:prSet phldr="1"/>
+        </dgm:pt>
+        <dgm:pt modelId="3">
+          <dgm:prSet phldr="1"/>
+        </dgm:pt>
+        <dgm:pt modelId="31">
+          <dgm:prSet phldr="1"/>
+        </dgm:pt>
+        <dgm:pt modelId="32">
+          <dgm:prSet phldr="1"/>
+        </dgm:pt>
+      </dgm:ptLst>
+      <dgm:cxnLst>
+        <dgm:cxn modelId="4" srcId="0" destId="1" srcOrd="0" destOrd="0"/>
+        <dgm:cxn modelId="5" srcId="0" destId="2" srcOrd="1" destOrd="0"/>
+        <dgm:cxn modelId="6" srcId="0" destId="3" srcOrd="2" destOrd="0"/>
+        <dgm:cxn modelId="13" srcId="1" destId="11" srcOrd="0" destOrd="0"/>
+        <dgm:cxn modelId="14" srcId="1" destId="12" srcOrd="1" destOrd="0"/>
+        <dgm:cxn modelId="23" srcId="2" destId="21" srcOrd="0" destOrd="0"/>
+        <dgm:cxn modelId="24" srcId="2" destId="22" srcOrd="1" destOrd="0"/>
+        <dgm:cxn modelId="33" srcId="3" destId="31" srcOrd="0" destOrd="0"/>
+        <dgm:cxn modelId="34" srcId="3" destId="32" srcOrd="1" destOrd="0"/>
+      </dgm:cxnLst>
+      <dgm:bg/>
+      <dgm:whole/>
+    </dgm:dataModel>
+  </dgm:sampData>
+  <dgm:styleData>
+    <dgm:dataModel>
+      <dgm:ptLst>
+        <dgm:pt modelId="0" type="doc"/>
+        <dgm:pt modelId="1"/>
+        <dgm:pt modelId="11"/>
+        <dgm:pt modelId="2"/>
+        <dgm:pt modelId="21"/>
+      </dgm:ptLst>
+      <dgm:cxnLst>
+        <dgm:cxn modelId="4" srcId="0" destId="1" srcOrd="0" destOrd="0"/>
+        <dgm:cxn modelId="5" srcId="0" destId="2" srcOrd="1" destOrd="0"/>
+        <dgm:cxn modelId="13" srcId="1" destId="11" srcOrd="0" destOrd="0"/>
+        <dgm:cxn modelId="23" srcId="2" destId="21" srcOrd="0" destOrd="0"/>
+      </dgm:cxnLst>
+      <dgm:bg/>
+      <dgm:whole/>
+    </dgm:dataModel>
+  </dgm:styleData>
+  <dgm:clrData>
+    <dgm:dataModel>
+      <dgm:ptLst>
+        <dgm:pt modelId="0" type="doc"/>
+        <dgm:pt modelId="1"/>
+        <dgm:pt modelId="11"/>
+        <dgm:pt modelId="2"/>
+        <dgm:pt modelId="21"/>
+        <dgm:pt modelId="3"/>
+        <dgm:pt modelId="31"/>
+        <dgm:pt modelId="4"/>
+        <dgm:pt modelId="41"/>
+      </dgm:ptLst>
+      <dgm:cxnLst>
+        <dgm:cxn modelId="5" srcId="0" destId="1" srcOrd="0" destOrd="0"/>
+        <dgm:cxn modelId="6" srcId="0" destId="2" srcOrd="1" destOrd="0"/>
+        <dgm:cxn modelId="7" srcId="0" destId="3" srcOrd="2" destOrd="0"/>
+        <dgm:cxn modelId="8" srcId="0" destId="4" srcOrd="3" destOrd="0"/>
+        <dgm:cxn modelId="13" srcId="1" destId="11" srcOrd="0" destOrd="0"/>
+        <dgm:cxn modelId="23" srcId="2" destId="21" srcOrd="0" destOrd="0"/>
+        <dgm:cxn modelId="33" srcId="3" destId="31" srcOrd="0" destOrd="0"/>
+        <dgm:cxn modelId="43" srcId="4" destId="41" srcOrd="0" destOrd="0"/>
+      </dgm:cxnLst>
+      <dgm:bg/>
+      <dgm:whole/>
+    </dgm:dataModel>
+  </dgm:clrData>
+  <dgm:layoutNode name="Name0">
+    <dgm:varLst>
+      <dgm:dir/>
+      <dgm:animLvl val="lvl"/>
+      <dgm:resizeHandles val="exact"/>
+    </dgm:varLst>
+    <dgm:alg type="lin">
+      <dgm:param type="linDir" val="fromB"/>
+    </dgm:alg>
+    <dgm:shape xmlns:r="http://schemas.openxmlformats.org/officeDocument/2006/relationships" r:blip="">
+      <dgm:adjLst/>
+    </dgm:shape>
+    <dgm:presOf/>
+    <dgm:constrLst>
+      <dgm:constr type="h" for="ch" forName="boxAndChildren" refType="h"/>
+      <dgm:constr type="h" for="ch" forName="arrowAndChildren" refType="h" refFor="ch" refForName="boxAndChildren" op="equ" fact="1.538"/>
+      <dgm:constr type="w" for="ch" forName="arrowAndChildren" refType="w"/>
+      <dgm:constr type="w" for="ch" forName="boxAndChildren" refType="w"/>
+      <dgm:constr type="h" for="ch" forName="sp" refType="h" fact="-0.015"/>
+      <dgm:constr type="primFontSz" for="des" forName="parentTextBox" val="65"/>
+      <dgm:constr type="primFontSz" for="des" forName="parentTextArrow" refType="primFontSz" refFor="des" refForName="parentTextBox" op="equ"/>
+      <dgm:constr type="primFontSz" for="des" forName="childTextArrow" val="65"/>
+      <dgm:constr type="primFontSz" for="des" forName="childTextBox" refType="primFontSz" refFor="des" refForName="childTextArrow" op="equ"/>
+    </dgm:constrLst>
+    <dgm:ruleLst/>
+    <dgm:forEach name="Name1" axis="ch" ptType="node" st="-1" step="-1">
+      <dgm:choose name="Name2">
+        <dgm:if name="Name3" axis="self" ptType="node" func="revPos" op="equ" val="1">
+          <dgm:layoutNode name="boxAndChildren">
+            <dgm:alg type="composite"/>
+            <dgm:shape xmlns:r="http://schemas.openxmlformats.org/officeDocument/2006/relationships" r:blip="">
+              <dgm:adjLst/>
+            </dgm:shape>
+            <dgm:presOf/>
+            <dgm:choose name="Name4">
+              <dgm:if name="Name5" axis="ch" ptType="node" func="cnt" op="gte" val="1">
+                <dgm:constrLst>
+                  <dgm:constr type="w" for="ch" forName="parentTextBox" refType="w"/>
+                  <dgm:constr type="h" for="ch" forName="parentTextBox" refType="h" fact="0.54"/>
+                  <dgm:constr type="t" for="ch" forName="parentTextBox"/>
+                  <dgm:constr type="w" for="ch" forName="entireBox" refType="w"/>
+                  <dgm:constr type="h" for="ch" forName="entireBox" refType="h"/>
+                  <dgm:constr type="w" for="ch" forName="descendantBox" refType="w"/>
+                  <dgm:constr type="b" for="ch" forName="descendantBox" refType="h" fact="0.98"/>
+                  <dgm:constr type="h" for="ch" forName="descendantBox" refType="h" fact="0.46"/>
+                </dgm:constrLst>
+              </dgm:if>
+              <dgm:else name="Name6">
+                <dgm:constrLst>
+                  <dgm:constr type="w" for="ch" forName="parentTextBox" refType="w"/>
+                  <dgm:constr type="h" for="ch" forName="parentTextBox" refType="h"/>
+                </dgm:constrLst>
+              </dgm:else>
+            </dgm:choose>
+            <dgm:ruleLst/>
+            <dgm:layoutNode name="parentTextBox">
+              <dgm:alg type="tx"/>
+              <dgm:choose name="Name7">
+                <dgm:if name="Name8" axis="ch" ptType="node" func="cnt" op="gte" val="1">
+                  <dgm:shape xmlns:r="http://schemas.openxmlformats.org/officeDocument/2006/relationships" type="rect" r:blip="" zOrderOff="1" hideGeom="1">
+                    <dgm:adjLst/>
+                  </dgm:shape>
+                </dgm:if>
+                <dgm:else name="Name9">
+                  <dgm:shape xmlns:r="http://schemas.openxmlformats.org/officeDocument/2006/relationships" type="rect" r:blip="">
+                    <dgm:adjLst/>
+                  </dgm:shape>
+                </dgm:else>
+              </dgm:choose>
+              <dgm:presOf axis="self"/>
+              <dgm:constrLst/>
+              <dgm:ruleLst>
+                <dgm:rule type="primFontSz" val="5" fact="NaN" max="NaN"/>
+              </dgm:ruleLst>
+            </dgm:layoutNode>
+            <dgm:choose name="Name10">
+              <dgm:if name="Name11" axis="ch" ptType="node" func="cnt" op="gte" val="1">
+                <dgm:layoutNode name="entireBox">
+                  <dgm:alg type="sp"/>
+                  <dgm:shape xmlns:r="http://schemas.openxmlformats.org/officeDocument/2006/relationships" type="rect" r:blip="">
+                    <dgm:adjLst/>
+                  </dgm:shape>
+                  <dgm:presOf axis="self"/>
+                  <dgm:constrLst/>
+                  <dgm:ruleLst/>
+                </dgm:layoutNode>
+                <dgm:layoutNode name="descendantBox" styleLbl="fgAccFollowNode1">
+                  <dgm:choose name="Name12">
+                    <dgm:if name="Name13" func="var" arg="dir" op="equ" val="norm">
+                      <dgm:alg type="lin"/>
+                    </dgm:if>
+                    <dgm:else name="Name14">
+                      <dgm:alg type="lin">
+                        <dgm:param type="linDir" val="fromR"/>
+                      </dgm:alg>
+                    </dgm:else>
+                  </dgm:choose>
+                  <dgm:shape xmlns:r="http://schemas.openxmlformats.org/officeDocument/2006/relationships" r:blip="">
+                    <dgm:adjLst/>
+                  </dgm:shape>
+                  <dgm:presOf/>
+                  <dgm:constrLst>
+                    <dgm:constr type="w" for="ch" forName="childTextBox" refType="w"/>
+                    <dgm:constr type="h" for="ch" forName="childTextBox" refType="h"/>
+                  </dgm:constrLst>
+                  <dgm:ruleLst/>
+                  <dgm:forEach name="Name15" axis="ch" ptType="node">
+                    <dgm:layoutNode name="childTextBox" styleLbl="fgAccFollowNode1">
+                      <dgm:varLst>
+                        <dgm:bulletEnabled val="1"/>
+                      </dgm:varLst>
+                      <dgm:alg type="tx"/>
+                      <dgm:shape xmlns:r="http://schemas.openxmlformats.org/officeDocument/2006/relationships" type="rect" r:blip="">
+                        <dgm:adjLst/>
+                      </dgm:shape>
+                      <dgm:presOf axis="desOrSelf" ptType="node"/>
+                      <dgm:constrLst>
+                        <dgm:constr type="tMarg" refType="primFontSz" fact="0.1"/>
+                        <dgm:constr type="bMarg" refType="primFontSz" fact="0.1"/>
+                      </dgm:constrLst>
+                      <dgm:ruleLst>
+                        <dgm:rule type="primFontSz" val="5" fact="NaN" max="NaN"/>
+                      </dgm:ruleLst>
+                    </dgm:layoutNode>
+                  </dgm:forEach>
+                </dgm:layoutNode>
+              </dgm:if>
+              <dgm:else name="Name16"/>
+            </dgm:choose>
+          </dgm:layoutNode>
+        </dgm:if>
+        <dgm:else name="Name17">
+          <dgm:layoutNode name="arrowAndChildren">
+            <dgm:alg type="composite"/>
+            <dgm:shape xmlns:r="http://schemas.openxmlformats.org/officeDocument/2006/relationships" r:blip="">
+              <dgm:adjLst/>
+            </dgm:shape>
+            <dgm:presOf/>
+            <dgm:choose name="Name18">
+              <dgm:if name="Name19" axis="ch" ptType="node" func="cnt" op="gte" val="1">
+                <dgm:constrLst>
+                  <dgm:constr type="w" for="ch" forName="parentTextArrow" refType="w"/>
+                  <dgm:constr type="t" for="ch" forName="parentTextArrow"/>
+                  <dgm:constr type="h" for="ch" forName="parentTextArrow" refType="h" fact="0.351"/>
+                  <dgm:constr type="w" for="ch" forName="arrow" refType="w"/>
+                  <dgm:constr type="h" for="ch" forName="arrow" refType="h"/>
+                  <dgm:constr type="w" for="ch" forName="descendantArrow" refType="w"/>
+                  <dgm:constr type="b" for="ch" forName="descendantArrow" refType="h" fact="0.65"/>
+                  <dgm:constr type="h" for="ch" forName="descendantArrow" refType="h" fact="0.299"/>
+                </dgm:constrLst>
+              </dgm:if>
+              <dgm:else name="Name20">
+                <dgm:constrLst>
+                  <dgm:constr type="w" for="ch" forName="parentTextArrow" refType="w"/>
+                  <dgm:constr type="h" for="ch" forName="parentTextArrow" refType="h"/>
+                </dgm:constrLst>
+              </dgm:else>
+            </dgm:choose>
+            <dgm:ruleLst/>
+            <dgm:layoutNode name="parentTextArrow">
+              <dgm:alg type="tx"/>
+              <dgm:choose name="Name21">
+                <dgm:if name="Name22" axis="ch" ptType="node" func="cnt" op="gte" val="1">
+                  <dgm:shape xmlns:r="http://schemas.openxmlformats.org/officeDocument/2006/relationships" type="rect" r:blip="" zOrderOff="1" hideGeom="1">
+                    <dgm:adjLst/>
+                  </dgm:shape>
+                </dgm:if>
+                <dgm:else name="Name23">
+                  <dgm:shape xmlns:r="http://schemas.openxmlformats.org/officeDocument/2006/relationships" rot="180" type="upArrowCallout" r:blip="">
+                    <dgm:adjLst/>
+                  </dgm:shape>
+                </dgm:else>
+              </dgm:choose>
+              <dgm:presOf axis="self"/>
+              <dgm:constrLst/>
+              <dgm:ruleLst>
+                <dgm:rule type="primFontSz" val="5" fact="NaN" max="NaN"/>
+              </dgm:ruleLst>
+            </dgm:layoutNode>
+            <dgm:choose name="Name24">
+              <dgm:if name="Name25" axis="ch" ptType="node" func="cnt" op="gte" val="1">
+                <dgm:layoutNode name="arrow">
+                  <dgm:alg type="sp"/>
+                  <dgm:shape xmlns:r="http://schemas.openxmlformats.org/officeDocument/2006/relationships" rot="180" type="upArrowCallout" r:blip="">
+                    <dgm:adjLst/>
+                  </dgm:shape>
+                  <dgm:presOf axis="self"/>
+                  <dgm:constrLst/>
+                  <dgm:ruleLst/>
+                </dgm:layoutNode>
+                <dgm:layoutNode name="descendantArrow">
+                  <dgm:choose name="Name26">
+                    <dgm:if name="Name27" func="var" arg="dir" op="equ" val="norm">
+                      <dgm:alg type="lin"/>
+                    </dgm:if>
+                    <dgm:else name="Name28">
+                      <dgm:alg type="lin">
+                        <dgm:param type="linDir" val="fromR"/>
+                      </dgm:alg>
+                    </dgm:else>
+                  </dgm:choose>
+                  <dgm:shape xmlns:r="http://schemas.openxmlformats.org/officeDocument/2006/relationships" r:blip="">
+                    <dgm:adjLst/>
+                  </dgm:shape>
+                  <dgm:presOf/>
+                  <dgm:constrLst>
+                    <dgm:constr type="w" for="ch" forName="childTextArrow" refType="w"/>
+                    <dgm:constr type="h" for="ch" forName="childTextArrow" refType="h"/>
+                  </dgm:constrLst>
+                  <dgm:ruleLst/>
+                  <dgm:forEach name="Name29" axis="ch" ptType="node">
+                    <dgm:layoutNode name="childTextArrow" styleLbl="fgAccFollowNode1">
+                      <dgm:varLst>
+                        <dgm:bulletEnabled val="1"/>
+                      </dgm:varLst>
+                      <dgm:alg type="tx"/>
+                      <dgm:shape xmlns:r="http://schemas.openxmlformats.org/officeDocument/2006/relationships" type="rect" r:blip="">
+                        <dgm:adjLst/>
+                      </dgm:shape>
+                      <dgm:presOf axis="desOrSelf" ptType="node"/>
+                      <dgm:constrLst>
+                        <dgm:constr type="tMarg" refType="primFontSz" fact="0.1"/>
+                        <dgm:constr type="bMarg" refType="primFontSz" fact="0.1"/>
+                      </dgm:constrLst>
+                      <dgm:ruleLst>
+                        <dgm:rule type="primFontSz" val="5" fact="NaN" max="NaN"/>
+                      </dgm:ruleLst>
+                    </dgm:layoutNode>
+                  </dgm:forEach>
+                </dgm:layoutNode>
+              </dgm:if>
+              <dgm:else name="Name30"/>
+            </dgm:choose>
+          </dgm:layoutNode>
+        </dgm:else>
+      </dgm:choose>
+      <dgm:forEach name="Name31" axis="precedSib" ptType="sibTrans" st="-1" cnt="1">
+        <dgm:layoutNode name="sp">
+          <dgm:alg type="sp"/>
+          <dgm:shape xmlns:r="http://schemas.openxmlformats.org/officeDocument/2006/relationships" r:blip="">
+            <dgm:adjLst/>
+          </dgm:shape>
+          <dgm:presOf axis="self"/>
+          <dgm:constrLst/>
+          <dgm:ruleLst/>
+        </dgm:layoutNode>
+      </dgm:forEach>
+    </dgm:forEach>
+  </dgm:layoutNode>
+</dgm:layoutDef>
+</file>
+
+<file path=ppt/diagrams/quickStyle1.xml><?xml version="1.0" encoding="utf-8"?>
+<dgm:styleDef xmlns:dgm="http://schemas.openxmlformats.org/drawingml/2006/diagram" xmlns:a="http://schemas.openxmlformats.org/drawingml/2006/main" uniqueId="urn:microsoft.com/office/officeart/2005/8/quickstyle/simple1">
+  <dgm:title val=""/>
+  <dgm:desc val=""/>
+  <dgm:catLst>
+    <dgm:cat type="simple" pri="10100"/>
+  </dgm:catLst>
+  <dgm:scene3d>
+    <a:camera prst="orthographicFront"/>
+    <a:lightRig rig="threePt" dir="t"/>
+  </dgm:scene3d>
+  <dgm:styleLbl name="node0">
+    <dgm:scene3d>
+      <a:camera prst="orthographicFront"/>
+      <a:lightRig rig="threePt" dir="t"/>
+    </dgm:scene3d>
+    <dgm:sp3d/>
+    <dgm:txPr/>
+    <dgm:style>
+      <a:lnRef idx="2">
+        <a:scrgbClr r="0" g="0" b="0"/>
+      </a:lnRef>
+      <a:fillRef idx="1">
+        <a:scrgbClr r="0" g="0" b="0"/>
+      </a:fillRef>
+      <a:effectRef idx="0">
+        <a:scrgbClr r="0" g="0" b="0"/>
+      </a:effectRef>
+      <a:fontRef idx="minor">
+        <a:schemeClr val="lt1"/>
+      </a:fontRef>
+    </dgm:style>
+  </dgm:styleLbl>
+  <dgm:styleLbl name="lnNode1">
+    <dgm:scene3d>
+      <a:camera prst="orthographicFront"/>
+      <a:lightRig rig="threePt" dir="t"/>
+    </dgm:scene3d>
+    <dgm:sp3d/>
+    <dgm:txPr/>
+    <dgm:style>
+      <a:lnRef idx="2">
+        <a:scrgbClr r="0" g="0" b="0"/>
+      </a:lnRef>
+      <a:fillRef idx="1">
+        <a:scrgbClr r="0" g="0" b="0"/>
+      </a:fillRef>
+      <a:effectRef idx="0">
+        <a:scrgbClr r="0" g="0" b="0"/>
+      </a:effectRef>
+      <a:fontRef idx="minor">
+        <a:schemeClr val="lt1"/>
+      </a:fontRef>
+    </dgm:style>
+  </dgm:styleLbl>
+  <dgm:styleLbl name="vennNode1">
+    <dgm:scene3d>
+      <a:camera prst="orthographicFront"/>
+      <a:lightRig rig="threePt" dir="t"/>
+    </dgm:scene3d>
+    <dgm:sp3d/>
+    <dgm:txPr/>
+    <dgm:style>
+      <a:lnRef idx="2">
+        <a:scrgbClr r="0" g="0" b="0"/>
+      </a:lnRef>
+      <a:fillRef idx="1">
+        <a:scrgbClr r="0" g="0" b="0"/>
+      </a:fillRef>
+      <a:effectRef idx="0">
+        <a:scrgbClr r="0" g="0" b="0"/>
+      </a:effectRef>
+      <a:fontRef idx="minor">
+        <a:schemeClr val="tx1"/>
+      </a:fontRef>
+    </dgm:style>
+  </dgm:styleLbl>
+  <dgm:styleLbl name="alignNode1">
+    <dgm:scene3d>
+      <a:camera prst="orthographicFront"/>
+      <a:lightRig rig="threePt" dir="t"/>
+    </dgm:scene3d>
+    <dgm:sp3d/>
+    <dgm:txPr/>
+    <dgm:style>
+      <a:lnRef idx="2">
+        <a:scrgbClr r="0" g="0" b="0"/>
+      </a:lnRef>
+      <a:fillRef idx="1">
+        <a:scrgbClr r="0" g="0" b="0"/>
+      </a:fillRef>
+      <a:effectRef idx="0">
+        <a:scrgbClr r="0" g="0" b="0"/>
+      </a:effectRef>
+      <a:fontRef idx="minor">
+        <a:schemeClr val="lt1"/>
+      </a:fontRef>
+    </dgm:style>
+  </dgm:styleLbl>
+  <dgm:styleLbl name="node1">
+    <dgm:scene3d>
+      <a:camera prst="orthographicFront"/>
+      <a:lightRig rig="threePt" dir="t"/>
+    </dgm:scene3d>
+    <dgm:sp3d/>
+    <dgm:txPr/>
+    <dgm:style>
+      <a:lnRef idx="2">
+        <a:scrgbClr r="0" g="0" b="0"/>
+      </a:lnRef>
+      <a:fillRef idx="1">
+        <a:scrgbClr r="0" g="0" b="0"/>
+      </a:fillRef>
+      <a:effectRef idx="0">
+        <a:scrgbClr r="0" g="0" b="0"/>
+      </a:effectRef>
+      <a:fontRef idx="minor">
+        <a:schemeClr val="lt1"/>
+      </a:fontRef>
+    </dgm:style>
+  </dgm:styleLbl>
+  <dgm:styleLbl name="node2">
+    <dgm:scene3d>
+      <a:camera prst="orthographicFront"/>
+      <a:lightRig rig="threePt" dir="t"/>
+    </dgm:scene3d>
+    <dgm:sp3d/>
+    <dgm:txPr/>
+    <dgm:style>
+      <a:lnRef idx="2">
+        <a:scrgbClr r="0" g="0" b="0"/>
+      </a:lnRef>
+      <a:fillRef idx="1">
+        <a:scrgbClr r="0" g="0" b="0"/>
+      </a:fillRef>
+      <a:effectRef idx="0">
+        <a:scrgbClr r="0" g="0" b="0"/>
+      </a:effectRef>
+      <a:fontRef idx="minor">
+        <a:schemeClr val="lt1"/>
+      </a:fontRef>
+    </dgm:style>
+  </dgm:styleLbl>
+  <dgm:styleLbl name="node3">
+    <dgm:scene3d>
+      <a:camera prst="orthographicFront"/>
+      <a:lightRig rig="threePt" dir="t"/>
+    </dgm:scene3d>
+    <dgm:sp3d/>
+    <dgm:txPr/>
+    <dgm:style>
+      <a:lnRef idx="2">
+        <a:scrgbClr r="0" g="0" b="0"/>
+      </a:lnRef>
+      <a:fillRef idx="1">
+        <a:scrgbClr r="0" g="0" b="0"/>
+      </a:fillRef>
+      <a:effectRef idx="0">
+        <a:scrgbClr r="0" g="0" b="0"/>
+      </a:effectRef>
+      <a:fontRef idx="minor">
+        <a:schemeClr val="lt1"/>
+      </a:fontRef>
+    </dgm:style>
+  </dgm:styleLbl>
+  <dgm:styleLbl name="node4">
+    <dgm:scene3d>
+      <a:camera prst="orthographicFront"/>
+      <a:lightRig rig="threePt" dir="t"/>
+    </dgm:scene3d>
+    <dgm:sp3d/>
+    <dgm:txPr/>
+    <dgm:style>
+      <a:lnRef idx="2">
+        <a:scrgbClr r="0" g="0" b="0"/>
+      </a:lnRef>
+      <a:fillRef idx="1">
+        <a:scrgbClr r="0" g="0" b="0"/>
+      </a:fillRef>
+      <a:effectRef idx="0">
+        <a:scrgbClr r="0" g="0" b="0"/>
+      </a:effectRef>
+      <a:fontRef idx="minor">
+        <a:schemeClr val="lt1"/>
+      </a:fontRef>
+    </dgm:style>
+  </dgm:styleLbl>
+  <dgm:styleLbl name="fgImgPlace1">
+    <dgm:scene3d>
+      <a:camera prst="orthographicFront"/>
+      <a:lightRig rig="threePt" dir="t"/>
+    </dgm:scene3d>
+    <dgm:sp3d/>
+    <dgm:txPr/>
+    <dgm:style>
+      <a:lnRef idx="2">
+        <a:scrgbClr r="0" g="0" b="0"/>
+      </a:lnRef>
+      <a:fillRef idx="1">
+        <a:scrgbClr r="0" g="0" b="0"/>
+      </a:fillRef>
+      <a:effectRef idx="0">
+        <a:scrgbClr r="0" g="0" b="0"/>
+      </a:effectRef>
+      <a:fontRef idx="minor"/>
+    </dgm:style>
+  </dgm:styleLbl>
+  <dgm:styleLbl name="alignImgPlace1">
+    <dgm:scene3d>
+      <a:camera prst="orthographicFront"/>
+      <a:lightRig rig="threePt" dir="t"/>
+    </dgm:scene3d>
+    <dgm:sp3d/>
+    <dgm:txPr/>
+    <dgm:style>
+      <a:lnRef idx="2">
+        <a:scrgbClr r="0" g="0" b="0"/>
+      </a:lnRef>
+      <a:fillRef idx="1">
+        <a:scrgbClr r="0" g="0" b="0"/>
+      </a:fillRef>
+      <a:effectRef idx="0">
+        <a:scrgbClr r="0" g="0" b="0"/>
+      </a:effectRef>
+      <a:fontRef idx="minor"/>
+    </dgm:style>
+  </dgm:styleLbl>
+  <dgm:styleLbl name="bgImgPlace1">
+    <dgm:scene3d>
+      <a:camera prst="orthographicFront"/>
+      <a:lightRig rig="threePt" dir="t"/>
+    </dgm:scene3d>
+    <dgm:sp3d/>
+    <dgm:txPr/>
+    <dgm:style>
+      <a:lnRef idx="2">
+        <a:scrgbClr r="0" g="0" b="0"/>
+      </a:lnRef>
+      <a:fillRef idx="1">
+        <a:scrgbClr r="0" g="0" b="0"/>
+      </a:fillRef>
+      <a:effectRef idx="0">
+        <a:scrgbClr r="0" g="0" b="0"/>
+      </a:effectRef>
+      <a:fontRef idx="minor"/>
+    </dgm:style>
+  </dgm:styleLbl>
+  <dgm:styleLbl name="sibTrans2D1">
+    <dgm:scene3d>
+      <a:camera prst="orthographicFront"/>
+      <a:lightRig rig="threePt" dir="t"/>
+    </dgm:scene3d>
+    <dgm:sp3d/>
+    <dgm:txPr/>
+    <dgm:style>
+      <a:lnRef idx="0">
+        <a:scrgbClr r="0" g="0" b="0"/>
+      </a:lnRef>
+      <a:fillRef idx="1">
+        <a:scrgbClr r="0" g="0" b="0"/>
+      </a:fillRef>
+      <a:effectRef idx="0">
+        <a:scrgbClr r="0" g="0" b="0"/>
+      </a:effectRef>
+      <a:fontRef idx="minor">
+        <a:schemeClr val="lt1"/>
+      </a:fontRef>
+    </dgm:style>
+  </dgm:styleLbl>
+  <dgm:styleLbl name="fgSibTrans2D1">
+    <dgm:scene3d>
+      <a:camera prst="orthographicFront"/>
+      <a:lightRig rig="threePt" dir="t"/>
+    </dgm:scene3d>
+    <dgm:sp3d/>
+    <dgm:txPr/>
+    <dgm:style>
+      <a:lnRef idx="0">
+        <a:scrgbClr r="0" g="0" b="0"/>
+      </a:lnRef>
+      <a:fillRef idx="1">
+        <a:scrgbClr r="0" g="0" b="0"/>
+      </a:fillRef>
+      <a:effectRef idx="0">
+        <a:scrgbClr r="0" g="0" b="0"/>
+      </a:effectRef>
+      <a:fontRef idx="minor">
+        <a:schemeClr val="lt1"/>
+      </a:fontRef>
+    </dgm:style>
+  </dgm:styleLbl>
+  <dgm:styleLbl name="bgSibTrans2D1">
+    <dgm:scene3d>
+      <a:camera prst="orthographicFront"/>
+      <a:lightRig rig="threePt" dir="t"/>
+    </dgm:scene3d>
+    <dgm:sp3d/>
+    <dgm:txPr/>
+    <dgm:style>
+      <a:lnRef idx="0">
+        <a:scrgbClr r="0" g="0" b="0"/>
+      </a:lnRef>
+      <a:fillRef idx="1">
+        <a:scrgbClr r="0" g="0" b="0"/>
+      </a:fillRef>
+      <a:effectRef idx="0">
+        <a:scrgbClr r="0" g="0" b="0"/>
+      </a:effectRef>
+      <a:fontRef idx="minor">
+        <a:schemeClr val="lt1"/>
+      </a:fontRef>
+    </dgm:style>
+  </dgm:styleLbl>
+  <dgm:styleLbl name="sibTrans1D1">
+    <dgm:scene3d>
+      <a:camera prst="orthographicFront"/>
+      <a:lightRig rig="threePt" dir="t"/>
+    </dgm:scene3d>
+    <dgm:sp3d/>
+    <dgm:txPr/>
+    <dgm:style>
+      <a:lnRef idx="1">
+        <a:scrgbClr r="0" g="0" b="0"/>
+      </a:lnRef>
+      <a:fillRef idx="0">
+        <a:scrgbClr r="0" g="0" b="0"/>
+      </a:fillRef>
+      <a:effectRef idx="0">
+        <a:scrgbClr r="0" g="0" b="0"/>
+      </a:effectRef>
+      <a:fontRef idx="minor"/>
+    </dgm:style>
+  </dgm:styleLbl>
+  <dgm:styleLbl name="callout">
+    <dgm:scene3d>
+      <a:camera prst="orthographicFront"/>
+      <a:lightRig rig="threePt" dir="t"/>
+    </dgm:scene3d>
+    <dgm:sp3d/>
+    <dgm:txPr/>
+    <dgm:style>
+      <a:lnRef idx="2">
+        <a:scrgbClr r="0" g="0" b="0"/>
+      </a:lnRef>
+      <a:fillRef idx="1">
+        <a:scrgbClr r="0" g="0" b="0"/>
+      </a:fillRef>
+      <a:effectRef idx="0">
+        <a:scrgbClr r="0" g="0" b="0"/>
+      </a:effectRef>
+      <a:fontRef idx="minor"/>
+    </dgm:style>
+  </dgm:styleLbl>
+  <dgm:styleLbl name="asst0">
+    <dgm:scene3d>
+      <a:camera prst="orthographicFront"/>
+      <a:lightRig rig="threePt" dir="t"/>
+    </dgm:scene3d>
+    <dgm:sp3d/>
+    <dgm:txPr/>
+    <dgm:style>
+      <a:lnRef idx="2">
+        <a:scrgbClr r="0" g="0" b="0"/>
+      </a:lnRef>
+      <a:fillRef idx="1">
+        <a:scrgbClr r="0" g="0" b="0"/>
+      </a:fillRef>
+      <a:effectRef idx="0">
+        <a:scrgbClr r="0" g="0" b="0"/>
+      </a:effectRef>
+      <a:fontRef idx="minor">
+        <a:schemeClr val="lt1"/>
+      </a:fontRef>
+    </dgm:style>
+  </dgm:styleLbl>
+  <dgm:styleLbl name="asst1">
+    <dgm:scene3d>
+      <a:camera prst="orthographicFront"/>
+      <a:lightRig rig="threePt" dir="t"/>
+    </dgm:scene3d>
+    <dgm:sp3d/>
+    <dgm:txPr/>
+    <dgm:style>
+      <a:lnRef idx="2">
+        <a:scrgbClr r="0" g="0" b="0"/>
+      </a:lnRef>
+      <a:fillRef idx="1">
+        <a:scrgbClr r="0" g="0" b="0"/>
+      </a:fillRef>
+      <a:effectRef idx="0">
+        <a:scrgbClr r="0" g="0" b="0"/>
+      </a:effectRef>
+      <a:fontRef idx="minor">
+        <a:schemeClr val="lt1"/>
+      </a:fontRef>
+    </dgm:style>
+  </dgm:styleLbl>
+  <dgm:styleLbl name="asst2">
+    <dgm:scene3d>
+      <a:camera prst="orthographicFront"/>
+      <a:lightRig rig="threePt" dir="t"/>
+    </dgm:scene3d>
+    <dgm:sp3d/>
+    <dgm:txPr/>
+    <dgm:style>
+      <a:lnRef idx="2">
+        <a:scrgbClr r="0" g="0" b="0"/>
+      </a:lnRef>
+      <a:fillRef idx="1">
+        <a:scrgbClr r="0" g="0" b="0"/>
+      </a:fillRef>
+      <a:effectRef idx="0">
+        <a:scrgbClr r="0" g="0" b="0"/>
+      </a:effectRef>
+      <a:fontRef idx="minor">
+        <a:schemeClr val="lt1"/>
+      </a:fontRef>
+    </dgm:style>
+  </dgm:styleLbl>
+  <dgm:styleLbl name="asst3">
+    <dgm:scene3d>
+      <a:camera prst="orthographicFront"/>
+      <a:lightRig rig="threePt" dir="t"/>
+    </dgm:scene3d>
+    <dgm:sp3d/>
+    <dgm:txPr/>
+    <dgm:style>
+      <a:lnRef idx="2">
+        <a:scrgbClr r="0" g="0" b="0"/>
+      </a:lnRef>
+      <a:fillRef idx="1">
+        <a:scrgbClr r="0" g="0" b="0"/>
+      </a:fillRef>
+      <a:effectRef idx="0">
+        <a:scrgbClr r="0" g="0" b="0"/>
+      </a:effectRef>
+      <a:fontRef idx="minor">
+        <a:schemeClr val="lt1"/>
+      </a:fontRef>
+    </dgm:style>
+  </dgm:styleLbl>
+  <dgm:styleLbl name="asst4">
+    <dgm:scene3d>
+      <a:camera prst="orthographicFront"/>
+      <a:lightRig rig="threePt" dir="t"/>
+    </dgm:scene3d>
+    <dgm:sp3d/>
+    <dgm:txPr/>
+    <dgm:style>
+      <a:lnRef idx="2">
+        <a:scrgbClr r="0" g="0" b="0"/>
+      </a:lnRef>
+      <a:fillRef idx="1">
+        <a:scrgbClr r="0" g="0" b="0"/>
+      </a:fillRef>
+      <a:effectRef idx="0">
+        <a:scrgbClr r="0" g="0" b="0"/>
+      </a:effectRef>
+      <a:fontRef idx="minor">
+        <a:schemeClr val="lt1"/>
+      </a:fontRef>
+    </dgm:style>
+  </dgm:styleLbl>
+  <dgm:styleLbl name="parChTrans2D1">
+    <dgm:scene3d>
+      <a:camera prst="orthographicFront"/>
+      <a:lightRig rig="threePt" dir="t"/>
+    </dgm:scene3d>
+    <dgm:sp3d/>
+    <dgm:txPr/>
+    <dgm:style>
+      <a:lnRef idx="2">
+        <a:scrgbClr r="0" g="0" b="0"/>
+      </a:lnRef>
+      <a:fillRef idx="1">
+        <a:scrgbClr r="0" g="0" b="0"/>
+      </a:fillRef>
+      <a:effectRef idx="0">
+        <a:scrgbClr r="0" g="0" b="0"/>
+      </a:effectRef>
+      <a:fontRef idx="minor">
+        <a:schemeClr val="lt1"/>
+      </a:fontRef>
+    </dgm:style>
+  </dgm:styleLbl>
+  <dgm:styleLbl name="parChTrans2D2">
+    <dgm:scene3d>
+      <a:camera prst="orthographicFront"/>
+      <a:lightRig rig="threePt" dir="t"/>
+    </dgm:scene3d>
+    <dgm:sp3d/>
+    <dgm:txPr/>
+    <dgm:style>
+      <a:lnRef idx="2">
+        <a:scrgbClr r="0" g="0" b="0"/>
+      </a:lnRef>
+      <a:fillRef idx="1">
+        <a:scrgbClr r="0" g="0" b="0"/>
+      </a:fillRef>
+      <a:effectRef idx="0">
+        <a:scrgbClr r="0" g="0" b="0"/>
+      </a:effectRef>
+      <a:fontRef idx="minor">
+        <a:schemeClr val="lt1"/>
+      </a:fontRef>
+    </dgm:style>
+  </dgm:styleLbl>
+  <dgm:styleLbl name="parChTrans2D3">
+    <dgm:scene3d>
+      <a:camera prst="orthographicFront"/>
+      <a:lightRig rig="threePt" dir="t"/>
+    </dgm:scene3d>
+    <dgm:sp3d/>
+    <dgm:txPr/>
+    <dgm:style>
+      <a:lnRef idx="2">
+        <a:scrgbClr r="0" g="0" b="0"/>
+      </a:lnRef>
+      <a:fillRef idx="1">
+        <a:scrgbClr r="0" g="0" b="0"/>
+      </a:fillRef>
+      <a:effectRef idx="0">
+        <a:scrgbClr r="0" g="0" b="0"/>
+      </a:effectRef>
+      <a:fontRef idx="minor">
+        <a:schemeClr val="lt1"/>
+      </a:fontRef>
+    </dgm:style>
+  </dgm:styleLbl>
+  <dgm:styleLbl name="parChTrans2D4">
+    <dgm:scene3d>
+      <a:camera prst="orthographicFront"/>
+      <a:lightRig rig="threePt" dir="t"/>
+    </dgm:scene3d>
+    <dgm:sp3d/>
+    <dgm:txPr/>
+    <dgm:style>
+      <a:lnRef idx="2">
+        <a:scrgbClr r="0" g="0" b="0"/>
+      </a:lnRef>
+      <a:fillRef idx="1">
+        <a:scrgbClr r="0" g="0" b="0"/>
+      </a:fillRef>
+      <a:effectRef idx="0">
+        <a:scrgbClr r="0" g="0" b="0"/>
+      </a:effectRef>
+      <a:fontRef idx="minor">
+        <a:schemeClr val="lt1"/>
+      </a:fontRef>
+    </dgm:style>
+  </dgm:styleLbl>
+  <dgm:styleLbl name="parChTrans1D1">
+    <dgm:scene3d>
+      <a:camera prst="orthographicFront"/>
+      <a:lightRig rig="threePt" dir="t"/>
+    </dgm:scene3d>
+    <dgm:sp3d/>
+    <dgm:txPr/>
+    <dgm:style>
+      <a:lnRef idx="2">
+        <a:scrgbClr r="0" g="0" b="0"/>
+      </a:lnRef>
+      <a:fillRef idx="0">
+        <a:scrgbClr r="0" g="0" b="0"/>
+      </a:fillRef>
+      <a:effectRef idx="0">
+        <a:scrgbClr r="0" g="0" b="0"/>
+      </a:effectRef>
+      <a:fontRef idx="minor"/>
+    </dgm:style>
+  </dgm:styleLbl>
+  <dgm:styleLbl name="parChTrans1D2">
+    <dgm:scene3d>
+      <a:camera prst="orthographicFront"/>
+      <a:lightRig rig="threePt" dir="t"/>
+    </dgm:scene3d>
+    <dgm:sp3d/>
+    <dgm:txPr/>
+    <dgm:style>
+      <a:lnRef idx="2">
+        <a:scrgbClr r="0" g="0" b="0"/>
+      </a:lnRef>
+      <a:fillRef idx="0">
+        <a:scrgbClr r="0" g="0" b="0"/>
+      </a:fillRef>
+      <a:effectRef idx="0">
+        <a:scrgbClr r="0" g="0" b="0"/>
+      </a:effectRef>
+      <a:fontRef idx="minor"/>
+    </dgm:style>
+  </dgm:styleLbl>
+  <dgm:styleLbl name="parChTrans1D3">
+    <dgm:scene3d>
+      <a:camera prst="orthographicFront"/>
+      <a:lightRig rig="threePt" dir="t"/>
+    </dgm:scene3d>
+    <dgm:sp3d/>
+    <dgm:txPr/>
+    <dgm:style>
+      <a:lnRef idx="2">
+        <a:scrgbClr r="0" g="0" b="0"/>
+      </a:lnRef>
+      <a:fillRef idx="0">
+        <a:scrgbClr r="0" g="0" b="0"/>
+      </a:fillRef>
+      <a:effectRef idx="0">
+        <a:scrgbClr r="0" g="0" b="0"/>
+      </a:effectRef>
+      <a:fontRef idx="minor"/>
+    </dgm:style>
+  </dgm:styleLbl>
+  <dgm:styleLbl name="parChTrans1D4">
+    <dgm:scene3d>
+      <a:camera prst="orthographicFront"/>
+      <a:lightRig rig="threePt" dir="t"/>
+    </dgm:scene3d>
+    <dgm:sp3d/>
+    <dgm:txPr/>
+    <dgm:style>
+      <a:lnRef idx="2">
+        <a:scrgbClr r="0" g="0" b="0"/>
+      </a:lnRef>
+      <a:fillRef idx="0">
+        <a:scrgbClr r="0" g="0" b="0"/>
+      </a:fillRef>
+      <a:effectRef idx="0">
+        <a:scrgbClr r="0" g="0" b="0"/>
+      </a:effectRef>
+      <a:fontRef idx="minor"/>
+    </dgm:style>
+  </dgm:styleLbl>
+  <dgm:styleLbl name="fgAcc1">
+    <dgm:scene3d>
+      <a:camera prst="orthographicFront"/>
+      <a:lightRig rig="threePt" dir="t"/>
+    </dgm:scene3d>
+    <dgm:sp3d/>
+    <dgm:txPr/>
+    <dgm:style>
+      <a:lnRef idx="2">
+        <a:scrgbClr r="0" g="0" b="0"/>
+      </a:lnRef>
+      <a:fillRef idx="1">
+        <a:scrgbClr r="0" g="0" b="0"/>
+      </a:fillRef>
+      <a:effectRef idx="0">
+        <a:scrgbClr r="0" g="0" b="0"/>
+      </a:effectRef>
+      <a:fontRef idx="minor"/>
+    </dgm:style>
+  </dgm:styleLbl>
+  <dgm:styleLbl name="conFgAcc1">
+    <dgm:scene3d>
+      <a:camera prst="orthographicFront"/>
+      <a:lightRig rig="threePt" dir="t"/>
+    </dgm:scene3d>
+    <dgm:sp3d/>
+    <dgm:txPr/>
+    <dgm:style>
+      <a:lnRef idx="2">
+        <a:scrgbClr r="0" g="0" b="0"/>
+      </a:lnRef>
+      <a:fillRef idx="1">
+        <a:scrgbClr r="0" g="0" b="0"/>
+      </a:fillRef>
+      <a:effectRef idx="0">
+        <a:scrgbClr r="0" g="0" b="0"/>
+      </a:effectRef>
+      <a:fontRef idx="minor"/>
+    </dgm:style>
+  </dgm:styleLbl>
+  <dgm:styleLbl name="alignAcc1">
+    <dgm:scene3d>
+      <a:camera prst="orthographicFront"/>
+      <a:lightRig rig="threePt" dir="t"/>
+    </dgm:scene3d>
+    <dgm:sp3d/>
+    <dgm:txPr/>
+    <dgm:style>
+      <a:lnRef idx="2">
+        <a:scrgbClr r="0" g="0" b="0"/>
+      </a:lnRef>
+      <a:fillRef idx="1">
+        <a:scrgbClr r="0" g="0" b="0"/>
+      </a:fillRef>
+      <a:effectRef idx="0">
+        <a:scrgbClr r="0" g="0" b="0"/>
+      </a:effectRef>
+      <a:fontRef idx="minor"/>
+    </dgm:style>
+  </dgm:styleLbl>
+  <dgm:styleLbl name="trAlignAcc1">
+    <dgm:scene3d>
+      <a:camera prst="orthographicFront"/>
+      <a:lightRig rig="threePt" dir="t"/>
+    </dgm:scene3d>
+    <dgm:sp3d/>
+    <dgm:txPr/>
+    <dgm:style>
+      <a:lnRef idx="1">
+        <a:scrgbClr r="0" g="0" b="0"/>
+      </a:lnRef>
+      <a:fillRef idx="1">
+        <a:scrgbClr r="0" g="0" b="0"/>
+      </a:fillRef>
+      <a:effectRef idx="0">
+        <a:scrgbClr r="0" g="0" b="0"/>
+      </a:effectRef>
+      <a:fontRef idx="minor"/>
+    </dgm:style>
+  </dgm:styleLbl>
+  <dgm:styleLbl name="bgAcc1">
+    <dgm:scene3d>
+      <a:camera prst="orthographicFront"/>
+      <a:lightRig rig="threePt" dir="t"/>
+    </dgm:scene3d>
+    <dgm:sp3d/>
+    <dgm:txPr/>
+    <dgm:style>
+      <a:lnRef idx="2">
+        <a:scrgbClr r="0" g="0" b="0"/>
+      </a:lnRef>
+      <a:fillRef idx="1">
+        <a:scrgbClr r="0" g="0" b="0"/>
+      </a:fillRef>
+      <a:effectRef idx="0">
+        <a:scrgbClr r="0" g="0" b="0"/>
+      </a:effectRef>
+      <a:fontRef idx="minor"/>
+    </dgm:style>
+  </dgm:styleLbl>
+  <dgm:styleLbl name="solidFgAcc1">
+    <dgm:scene3d>
+      <a:camera prst="orthographicFront"/>
+      <a:lightRig rig="threePt" dir="t"/>
+    </dgm:scene3d>
+    <dgm:sp3d/>
+    <dgm:txPr/>
+    <dgm:style>
+      <a:lnRef idx="2">
+        <a:scrgbClr r="0" g="0" b="0"/>
+      </a:lnRef>
+      <a:fillRef idx="1">
+        <a:scrgbClr r="0" g="0" b="0"/>
+      </a:fillRef>
+      <a:effectRef idx="0">
+        <a:scrgbClr r="0" g="0" b="0"/>
+      </a:effectRef>
+      <a:fontRef idx="minor"/>
+    </dgm:style>
+  </dgm:styleLbl>
+  <dgm:styleLbl name="solidAlignAcc1">
+    <dgm:scene3d>
+      <a:camera prst="orthographicFront"/>
+      <a:lightRig rig="threePt" dir="t"/>
+    </dgm:scene3d>
+    <dgm:sp3d/>
+    <dgm:txPr/>
+    <dgm:style>
+      <a:lnRef idx="2">
+        <a:scrgbClr r="0" g="0" b="0"/>
+      </a:lnRef>
+      <a:fillRef idx="1">
+        <a:scrgbClr r="0" g="0" b="0"/>
+      </a:fillRef>
+      <a:effectRef idx="0">
+        <a:scrgbClr r="0" g="0" b="0"/>
+      </a:effectRef>
+      <a:fontRef idx="minor"/>
+    </dgm:style>
+  </dgm:styleLbl>
+  <dgm:styleLbl name="solidBgAcc1">
+    <dgm:scene3d>
+      <a:camera prst="orthographicFront"/>
+      <a:lightRig rig="threePt" dir="t"/>
+    </dgm:scene3d>
+    <dgm:sp3d/>
+    <dgm:txPr/>
+    <dgm:style>
+      <a:lnRef idx="2">
+        <a:scrgbClr r="0" g="0" b="0"/>
+      </a:lnRef>
+      <a:fillRef idx="1">
+        <a:scrgbClr r="0" g="0" b="0"/>
+      </a:fillRef>
+      <a:effectRef idx="0">
+        <a:scrgbClr r="0" g="0" b="0"/>
+      </a:effectRef>
+      <a:fontRef idx="minor"/>
+    </dgm:style>
+  </dgm:styleLbl>
+  <dgm:styleLbl name="fgAccFollowNode1">
+    <dgm:scene3d>
+      <a:camera prst="orthographicFront"/>
+      <a:lightRig rig="threePt" dir="t"/>
+    </dgm:scene3d>
+    <dgm:sp3d/>
+    <dgm:txPr/>
+    <dgm:style>
+      <a:lnRef idx="2">
+        <a:scrgbClr r="0" g="0" b="0"/>
+      </a:lnRef>
+      <a:fillRef idx="1">
+        <a:scrgbClr r="0" g="0" b="0"/>
+      </a:fillRef>
+      <a:effectRef idx="0">
+        <a:scrgbClr r="0" g="0" b="0"/>
+      </a:effectRef>
+      <a:fontRef idx="minor"/>
+    </dgm:style>
+  </dgm:styleLbl>
+  <dgm:styleLbl name="alignAccFollowNode1">
+    <dgm:scene3d>
+      <a:camera prst="orthographicFront"/>
+      <a:lightRig rig="threePt" dir="t"/>
+    </dgm:scene3d>
+    <dgm:sp3d/>
+    <dgm:txPr/>
+    <dgm:style>
+      <a:lnRef idx="2">
+        <a:scrgbClr r="0" g="0" b="0"/>
+      </a:lnRef>
+      <a:fillRef idx="1">
+        <a:scrgbClr r="0" g="0" b="0"/>
+      </a:fillRef>
+      <a:effectRef idx="0">
+        <a:scrgbClr r="0" g="0" b="0"/>
+      </a:effectRef>
+      <a:fontRef idx="minor"/>
+    </dgm:style>
+  </dgm:styleLbl>
+  <dgm:styleLbl name="bgAccFollowNode1">
+    <dgm:scene3d>
+      <a:camera prst="orthographicFront"/>
+      <a:lightRig rig="threePt" dir="t"/>
+    </dgm:scene3d>
+    <dgm:sp3d/>
+    <dgm:txPr/>
+    <dgm:style>
+      <a:lnRef idx="2">
+        <a:scrgbClr r="0" g="0" b="0"/>
+      </a:lnRef>
+      <a:fillRef idx="1">
+        <a:scrgbClr r="0" g="0" b="0"/>
+      </a:fillRef>
+      <a:effectRef idx="0">
+        <a:scrgbClr r="0" g="0" b="0"/>
+      </a:effectRef>
+      <a:fontRef idx="minor"/>
+    </dgm:style>
+  </dgm:styleLbl>
+  <dgm:styleLbl name="fgAcc0">
+    <dgm:scene3d>
+      <a:camera prst="orthographicFront"/>
+      <a:lightRig rig="threePt" dir="t"/>
+    </dgm:scene3d>
+    <dgm:sp3d/>
+    <dgm:txPr/>
+    <dgm:style>
+      <a:lnRef idx="2">
+        <a:scrgbClr r="0" g="0" b="0"/>
+      </a:lnRef>
+      <a:fillRef idx="1">
+        <a:scrgbClr r="0" g="0" b="0"/>
+      </a:fillRef>
+      <a:effectRef idx="0">
+        <a:scrgbClr r="0" g="0" b="0"/>
+      </a:effectRef>
+      <a:fontRef idx="minor"/>
+    </dgm:style>
+  </dgm:styleLbl>
+  <dgm:styleLbl name="fgAcc2">
+    <dgm:scene3d>
+      <a:camera prst="orthographicFront"/>
+      <a:lightRig rig="threePt" dir="t"/>
+    </dgm:scene3d>
+    <dgm:sp3d/>
+    <dgm:txPr/>
+    <dgm:style>
+      <a:lnRef idx="2">
+        <a:scrgbClr r="0" g="0" b="0"/>
+      </a:lnRef>
+      <a:fillRef idx="1">
+        <a:scrgbClr r="0" g="0" b="0"/>
+      </a:fillRef>
+      <a:effectRef idx="0">
+        <a:scrgbClr r="0" g="0" b="0"/>
+      </a:effectRef>
+      <a:fontRef idx="minor"/>
+    </dgm:style>
+  </dgm:styleLbl>
+  <dgm:styleLbl name="fgAcc3">
+    <dgm:scene3d>
+      <a:camera prst="orthographicFront"/>
+      <a:lightRig rig="threePt" dir="t"/>
+    </dgm:scene3d>
+    <dgm:sp3d/>
+    <dgm:txPr/>
+    <dgm:style>
+      <a:lnRef idx="2">
+        <a:scrgbClr r="0" g="0" b="0"/>
+      </a:lnRef>
+      <a:fillRef idx="1">
+        <a:scrgbClr r="0" g="0" b="0"/>
+      </a:fillRef>
+      <a:effectRef idx="0">
+        <a:scrgbClr r="0" g="0" b="0"/>
+      </a:effectRef>
+      <a:fontRef idx="minor"/>
+    </dgm:style>
+  </dgm:styleLbl>
+  <dgm:styleLbl name="fgAcc4">
+    <dgm:scene3d>
+      <a:camera prst="orthographicFront"/>
+      <a:lightRig rig="threePt" dir="t"/>
+    </dgm:scene3d>
+    <dgm:sp3d/>
+    <dgm:txPr/>
+    <dgm:style>
+      <a:lnRef idx="2">
+        <a:scrgbClr r="0" g="0" b="0"/>
+      </a:lnRef>
+      <a:fillRef idx="1">
+        <a:scrgbClr r="0" g="0" b="0"/>
+      </a:fillRef>
+      <a:effectRef idx="0">
+        <a:scrgbClr r="0" g="0" b="0"/>
+      </a:effectRef>
+      <a:fontRef idx="minor"/>
+    </dgm:style>
+  </dgm:styleLbl>
+  <dgm:styleLbl name="bgShp">
+    <dgm:scene3d>
+      <a:camera prst="orthographicFront"/>
+      <a:lightRig rig="threePt" dir="t"/>
+    </dgm:scene3d>
+    <dgm:sp3d/>
+    <dgm:txPr/>
+    <dgm:style>
+      <a:lnRef idx="0">
+        <a:scrgbClr r="0" g="0" b="0"/>
+      </a:lnRef>
+      <a:fillRef idx="1">
+        <a:scrgbClr r="0" g="0" b="0"/>
+      </a:fillRef>
+      <a:effectRef idx="0">
+        <a:scrgbClr r="0" g="0" b="0"/>
+      </a:effectRef>
+      <a:fontRef idx="minor"/>
+    </dgm:style>
+  </dgm:styleLbl>
+  <dgm:styleLbl name="dkBgShp">
+    <dgm:scene3d>
+      <a:camera prst="orthographicFront"/>
+      <a:lightRig rig="threePt" dir="t"/>
+    </dgm:scene3d>
+    <dgm:sp3d/>
+    <dgm:txPr/>
+    <dgm:style>
+      <a:lnRef idx="0">
+        <a:scrgbClr r="0" g="0" b="0"/>
+      </a:lnRef>
+      <a:fillRef idx="1">
+        <a:scrgbClr r="0" g="0" b="0"/>
+      </a:fillRef>
+      <a:effectRef idx="0">
+        <a:scrgbClr r="0" g="0" b="0"/>
+      </a:effectRef>
+      <a:fontRef idx="minor"/>
+    </dgm:style>
+  </dgm:styleLbl>
+  <dgm:styleLbl name="trBgShp">
+    <dgm:scene3d>
+      <a:camera prst="orthographicFront"/>
+      <a:lightRig rig="threePt" dir="t"/>
+    </dgm:scene3d>
+    <dgm:sp3d/>
+    <dgm:txPr/>
+    <dgm:style>
+      <a:lnRef idx="0">
+        <a:scrgbClr r="0" g="0" b="0"/>
+      </a:lnRef>
+      <a:fillRef idx="1">
+        <a:scrgbClr r="0" g="0" b="0"/>
+      </a:fillRef>
+      <a:effectRef idx="0">
+        <a:scrgbClr r="0" g="0" b="0"/>
+      </a:effectRef>
+      <a:fontRef idx="minor"/>
+    </dgm:style>
+  </dgm:styleLbl>
+  <dgm:styleLbl name="fgShp">
+    <dgm:scene3d>
+      <a:camera prst="orthographicFront"/>
+      <a:lightRig rig="threePt" dir="t"/>
+    </dgm:scene3d>
+    <dgm:sp3d/>
+    <dgm:txPr/>
+    <dgm:style>
+      <a:lnRef idx="2">
+        <a:scrgbClr r="0" g="0" b="0"/>
+      </a:lnRef>
+      <a:fillRef idx="1">
+        <a:scrgbClr r="0" g="0" b="0"/>
+      </a:fillRef>
+      <a:effectRef idx="0">
+        <a:scrgbClr r="0" g="0" b="0"/>
+      </a:effectRef>
+      <a:fontRef idx="minor"/>
+    </dgm:style>
+  </dgm:styleLbl>
+  <dgm:styleLbl name="revTx">
+    <dgm:scene3d>
+      <a:camera prst="orthographicFront"/>
+      <a:lightRig rig="threePt" dir="t"/>
+    </dgm:scene3d>
+    <dgm:sp3d/>
+    <dgm:txPr/>
+    <dgm:style>
+      <a:lnRef idx="0">
+        <a:scrgbClr r="0" g="0" b="0"/>
+      </a:lnRef>
+      <a:fillRef idx="0">
+        <a:scrgbClr r="0" g="0" b="0"/>
+      </a:fillRef>
+      <a:effectRef idx="0">
+        <a:scrgbClr r="0" g="0" b="0"/>
+      </a:effectRef>
+      <a:fontRef idx="minor"/>
+    </dgm:style>
+  </dgm:styleLbl>
+</dgm:styleDef>
 </file>
 
 <file path=ppt/slideLayouts/slideLayout1.xml><?xml version="1.0" encoding="utf-8"?>
@@ -255,7 +3842,7 @@
           <a:p>
             <a:fld id="{DD7EF6B6-88E3-B649-A4F9-8BD3FED8F32F}" type="datetimeFigureOut">
               <a:rPr lang="en-US" smtClean="0"/>
-              <a:t>4/28/23</a:t>
+              <a:t>4/29/23</a:t>
             </a:fld>
             <a:endParaRPr lang="en-US"/>
           </a:p>
@@ -453,7 +4040,7 @@
           <a:p>
             <a:fld id="{DD7EF6B6-88E3-B649-A4F9-8BD3FED8F32F}" type="datetimeFigureOut">
               <a:rPr lang="en-US" smtClean="0"/>
-              <a:t>4/28/23</a:t>
+              <a:t>4/29/23</a:t>
             </a:fld>
             <a:endParaRPr lang="en-US"/>
           </a:p>
@@ -661,7 +4248,7 @@
           <a:p>
             <a:fld id="{DD7EF6B6-88E3-B649-A4F9-8BD3FED8F32F}" type="datetimeFigureOut">
               <a:rPr lang="en-US" smtClean="0"/>
-              <a:t>4/28/23</a:t>
+              <a:t>4/29/23</a:t>
             </a:fld>
             <a:endParaRPr lang="en-US"/>
           </a:p>
@@ -859,7 +4446,7 @@
           <a:p>
             <a:fld id="{DD7EF6B6-88E3-B649-A4F9-8BD3FED8F32F}" type="datetimeFigureOut">
               <a:rPr lang="en-US" smtClean="0"/>
-              <a:t>4/28/23</a:t>
+              <a:t>4/29/23</a:t>
             </a:fld>
             <a:endParaRPr lang="en-US"/>
           </a:p>
@@ -1134,7 +4721,7 @@
           <a:p>
             <a:fld id="{DD7EF6B6-88E3-B649-A4F9-8BD3FED8F32F}" type="datetimeFigureOut">
               <a:rPr lang="en-US" smtClean="0"/>
-              <a:t>4/28/23</a:t>
+              <a:t>4/29/23</a:t>
             </a:fld>
             <a:endParaRPr lang="en-US"/>
           </a:p>
@@ -1399,7 +4986,7 @@
           <a:p>
             <a:fld id="{DD7EF6B6-88E3-B649-A4F9-8BD3FED8F32F}" type="datetimeFigureOut">
               <a:rPr lang="en-US" smtClean="0"/>
-              <a:t>4/28/23</a:t>
+              <a:t>4/29/23</a:t>
             </a:fld>
             <a:endParaRPr lang="en-US"/>
           </a:p>
@@ -1811,7 +5398,7 @@
           <a:p>
             <a:fld id="{DD7EF6B6-88E3-B649-A4F9-8BD3FED8F32F}" type="datetimeFigureOut">
               <a:rPr lang="en-US" smtClean="0"/>
-              <a:t>4/28/23</a:t>
+              <a:t>4/29/23</a:t>
             </a:fld>
             <a:endParaRPr lang="en-US"/>
           </a:p>
@@ -1952,7 +5539,7 @@
           <a:p>
             <a:fld id="{DD7EF6B6-88E3-B649-A4F9-8BD3FED8F32F}" type="datetimeFigureOut">
               <a:rPr lang="en-US" smtClean="0"/>
-              <a:t>4/28/23</a:t>
+              <a:t>4/29/23</a:t>
             </a:fld>
             <a:endParaRPr lang="en-US"/>
           </a:p>
@@ -2065,7 +5652,7 @@
           <a:p>
             <a:fld id="{DD7EF6B6-88E3-B649-A4F9-8BD3FED8F32F}" type="datetimeFigureOut">
               <a:rPr lang="en-US" smtClean="0"/>
-              <a:t>4/28/23</a:t>
+              <a:t>4/29/23</a:t>
             </a:fld>
             <a:endParaRPr lang="en-US"/>
           </a:p>
@@ -2376,7 +5963,7 @@
           <a:p>
             <a:fld id="{DD7EF6B6-88E3-B649-A4F9-8BD3FED8F32F}" type="datetimeFigureOut">
               <a:rPr lang="en-US" smtClean="0"/>
-              <a:t>4/28/23</a:t>
+              <a:t>4/29/23</a:t>
             </a:fld>
             <a:endParaRPr lang="en-US"/>
           </a:p>
@@ -2664,7 +6251,7 @@
           <a:p>
             <a:fld id="{DD7EF6B6-88E3-B649-A4F9-8BD3FED8F32F}" type="datetimeFigureOut">
               <a:rPr lang="en-US" smtClean="0"/>
-              <a:t>4/28/23</a:t>
+              <a:t>4/29/23</a:t>
             </a:fld>
             <a:endParaRPr lang="en-US"/>
           </a:p>
@@ -2905,7 +6492,7 @@
           <a:p>
             <a:fld id="{DD7EF6B6-88E3-B649-A4F9-8BD3FED8F32F}" type="datetimeFigureOut">
               <a:rPr lang="en-US" smtClean="0"/>
-              <a:t>4/28/23</a:t>
+              <a:t>4/29/23</a:t>
             </a:fld>
             <a:endParaRPr lang="en-US"/>
           </a:p>
@@ -3332,10 +6919,10 @@
       </p:grpSpPr>
       <p:sp useBgFill="1">
         <p:nvSpPr>
-          <p:cNvPr id="14" name="Rectangle 13">
+          <p:cNvPr id="25" name="Rectangle 24">
             <a:extLst>
               <a:ext uri="{FF2B5EF4-FFF2-40B4-BE49-F238E27FC236}">
-                <a16:creationId xmlns:a16="http://schemas.microsoft.com/office/drawing/2014/main" id="{0671A8AE-40A1-4631-A6B8-581AFF065482}"/>
+                <a16:creationId xmlns:a16="http://schemas.microsoft.com/office/drawing/2014/main" id="{6CCA5F87-1D1E-45CB-8D83-FC7EEFAD9935}"/>
               </a:ext>
               <a:ext uri="{C183D7F6-B498-43B3-948B-1728B52AA6E4}">
                 <adec:decorative xmlns:adec="http://schemas.microsoft.com/office/drawing/2017/decorative" val="1"/>
@@ -3406,13 +6993,13 @@
         </p:nvPicPr>
         <p:blipFill rotWithShape="1">
           <a:blip r:embed="rId2"/>
-          <a:srcRect l="7886" t="5599" r="27477" b="3492"/>
+          <a:srcRect l="29381" t="5536" r="5982" b="3555"/>
           <a:stretch/>
         </p:blipFill>
         <p:spPr>
           <a:xfrm>
-            <a:off x="3523488" y="10"/>
-            <a:ext cx="8668512" cy="6857990"/>
+            <a:off x="20" y="10"/>
+            <a:ext cx="8668492" cy="6857990"/>
           </a:xfrm>
           <a:prstGeom prst="rect">
             <a:avLst/>
@@ -3421,10 +7008,10 @@
       </p:pic>
       <p:sp>
         <p:nvSpPr>
-          <p:cNvPr id="16" name="Rectangle 15">
+          <p:cNvPr id="27" name="Rectangle 26">
             <a:extLst>
               <a:ext uri="{FF2B5EF4-FFF2-40B4-BE49-F238E27FC236}">
-                <a16:creationId xmlns:a16="http://schemas.microsoft.com/office/drawing/2014/main" id="{AB58EF07-17C2-48CF-ABB0-EEF1F17CB8F0}"/>
+                <a16:creationId xmlns:a16="http://schemas.microsoft.com/office/drawing/2014/main" id="{7CCFC2C6-6238-4A2F-93DE-2ADF74AF635E}"/>
               </a:ext>
               <a:ext uri="{C183D7F6-B498-43B3-948B-1728B52AA6E4}">
                 <adec:decorative xmlns:adec="http://schemas.microsoft.com/office/drawing/2017/decorative" val="1"/>
@@ -3443,21 +7030,26 @@
           </p:nvPr>
         </p:nvSpPr>
         <p:spPr>
-          <a:xfrm>
-            <a:off x="3" y="0"/>
-            <a:ext cx="9339206" cy="6858000"/>
+          <a:xfrm flipH="1">
+            <a:off x="3711652" y="0"/>
+            <a:ext cx="8480347" cy="6858000"/>
           </a:xfrm>
           <a:prstGeom prst="rect">
             <a:avLst/>
           </a:prstGeom>
           <a:gradFill>
             <a:gsLst>
-              <a:gs pos="58000">
+              <a:gs pos="48000">
                 <a:schemeClr val="bg1"/>
               </a:gs>
-              <a:gs pos="33000">
+              <a:gs pos="35000">
                 <a:schemeClr val="bg1">
-                  <a:alpha val="64000"/>
+                  <a:alpha val="77000"/>
+                </a:schemeClr>
+              </a:gs>
+              <a:gs pos="19000">
+                <a:schemeClr val="bg1">
+                  <a:alpha val="38000"/>
                 </a:schemeClr>
               </a:gs>
               <a:gs pos="0">
@@ -3518,7 +7110,7 @@
         </p:nvSpPr>
         <p:spPr>
           <a:xfrm>
-            <a:off x="477981" y="1122363"/>
+            <a:off x="7848600" y="1122363"/>
             <a:ext cx="4023360" cy="3204134"/>
           </a:xfrm>
         </p:spPr>
@@ -3529,7 +7121,7 @@
           <a:lstStyle/>
           <a:p>
             <a:r>
-              <a:rPr lang="en-US" sz="4800"/>
+              <a:rPr lang="en-US" sz="4800" dirty="0"/>
               <a:t>Privacy Protection Amid Giant Components</a:t>
             </a:r>
           </a:p>
@@ -3537,7 +7129,7 @@
       </p:sp>
       <p:sp>
         <p:nvSpPr>
-          <p:cNvPr id="18" name="Rectangle 17">
+          <p:cNvPr id="29" name="Rectangle 28">
             <a:extLst>
               <a:ext uri="{FF2B5EF4-FFF2-40B4-BE49-F238E27FC236}">
                 <a16:creationId xmlns:a16="http://schemas.microsoft.com/office/drawing/2014/main" id="{AF2F604E-43BE-4DC3-B983-E071523364F8}"/>
@@ -3560,7 +7152,7 @@
         </p:nvSpPr>
         <p:spPr>
           <a:xfrm rot="5400000">
-            <a:off x="759921" y="346791"/>
+            <a:off x="8130540" y="346791"/>
             <a:ext cx="146304" cy="704088"/>
           </a:xfrm>
           <a:prstGeom prst="rect">
@@ -3605,7 +7197,7 @@
       </p:sp>
       <p:sp>
         <p:nvSpPr>
-          <p:cNvPr id="20" name="Rectangle 19">
+          <p:cNvPr id="31" name="Rectangle 30">
             <a:extLst>
               <a:ext uri="{FF2B5EF4-FFF2-40B4-BE49-F238E27FC236}">
                 <a16:creationId xmlns:a16="http://schemas.microsoft.com/office/drawing/2014/main" id="{08C9B587-E65E-4B52-B37C-ABEBB6E87928}"/>
@@ -3628,14 +7220,14 @@
         </p:nvSpPr>
         <p:spPr>
           <a:xfrm>
-            <a:off x="481029" y="4546920"/>
-            <a:ext cx="3977640" cy="18288"/>
+            <a:off x="7851648" y="4546920"/>
+            <a:ext cx="4023360" cy="18288"/>
           </a:xfrm>
           <a:prstGeom prst="rect">
             <a:avLst/>
           </a:prstGeom>
           <a:solidFill>
-            <a:schemeClr val="tx1"/>
+            <a:srgbClr val="D5D5D5"/>
           </a:solidFill>
           <a:ln w="3175">
             <a:noFill/>
@@ -3696,446 +7288,49 @@
           </a:p>
         </p:txBody>
       </p:sp>
-      <mc:AlternateContent xmlns:mc="http://schemas.openxmlformats.org/markup-compatibility/2006">
-        <mc:Choice xmlns:a14="http://schemas.microsoft.com/office/drawing/2010/main" Requires="a14">
-          <p:sp>
-            <p:nvSpPr>
-              <p:cNvPr id="4" name="TextBox 3">
-                <a:extLst>
-                  <a:ext uri="{FF2B5EF4-FFF2-40B4-BE49-F238E27FC236}">
-                    <a16:creationId xmlns:a16="http://schemas.microsoft.com/office/drawing/2014/main" id="{8F0C12E9-0D34-2DC2-F8E9-A27D50C2A279}"/>
-                  </a:ext>
-                </a:extLst>
-              </p:cNvPr>
-              <p:cNvSpPr txBox="1"/>
-              <p:nvPr/>
-            </p:nvSpPr>
-            <p:spPr>
-              <a:xfrm>
-                <a:off x="5286375" y="1414463"/>
-                <a:ext cx="5640705" cy="3293209"/>
-              </a:xfrm>
-              <a:prstGeom prst="rect">
-                <a:avLst/>
-              </a:prstGeom>
-              <a:noFill/>
-            </p:spPr>
-            <p:txBody>
-              <a:bodyPr wrap="square" rtlCol="0">
-                <a:spAutoFit/>
-              </a:bodyPr>
-              <a:lstStyle/>
-              <a:p>
-                <a:r>
-                  <a:rPr lang="en-US" sz="1600" dirty="0"/>
-                  <a:t>Setup: </a:t>
-                </a:r>
-              </a:p>
-              <a:p>
-                <a:r>
-                  <a:rPr lang="en-US" sz="1600" dirty="0">
-                    <a:solidFill>
-                      <a:srgbClr val="FF0000"/>
-                    </a:solidFill>
-                  </a:rPr>
-                  <a:t>Independent Cascade</a:t>
-                </a:r>
-              </a:p>
-              <a:p>
-                <a:r>
-                  <a:rPr lang="en-US" sz="1600" dirty="0"/>
-                  <a:t>Number of infected nodes: </a:t>
-                </a:r>
-                <a14:m>
-                  <m:oMath xmlns:m="http://schemas.openxmlformats.org/officeDocument/2006/math">
-                    <m:sSub>
-                      <m:sSubPr>
-                        <m:ctrlPr>
-                          <a:rPr lang="en-CA" sz="1600" b="0" i="1" smtClean="0">
-                            <a:latin typeface="Cambria Math" panose="02040503050406030204" pitchFamily="18" charset="0"/>
-                          </a:rPr>
-                        </m:ctrlPr>
-                      </m:sSubPr>
-                      <m:e>
-                        <m:r>
-                          <a:rPr lang="en-CA" sz="1600" b="0" i="1" smtClean="0">
-                            <a:latin typeface="Cambria Math" panose="02040503050406030204" pitchFamily="18" charset="0"/>
-                          </a:rPr>
-                          <m:t>𝑋</m:t>
-                        </m:r>
-                      </m:e>
-                      <m:sub>
-                        <m:r>
-                          <a:rPr lang="en-CA" sz="1600" b="0" i="1" smtClean="0">
-                            <a:latin typeface="Cambria Math" panose="02040503050406030204" pitchFamily="18" charset="0"/>
-                          </a:rPr>
-                          <m:t>𝑛</m:t>
-                        </m:r>
-                      </m:sub>
-                    </m:sSub>
-                  </m:oMath>
-                </a14:m>
-                <a:endParaRPr lang="en-US" sz="1600" dirty="0"/>
-              </a:p>
-              <a:p>
-                <a:r>
-                  <a:rPr lang="en-US" sz="1600" dirty="0"/>
-                  <a:t>Random Graphs: </a:t>
-                </a:r>
-                <a14:m>
-                  <m:oMath xmlns:m="http://schemas.openxmlformats.org/officeDocument/2006/math">
-                    <m:sSub>
-                      <m:sSubPr>
-                        <m:ctrlPr>
-                          <a:rPr lang="en-CA" sz="1600" b="0" i="1" smtClean="0">
-                            <a:latin typeface="Cambria Math" panose="02040503050406030204" pitchFamily="18" charset="0"/>
-                          </a:rPr>
-                        </m:ctrlPr>
-                      </m:sSubPr>
-                      <m:e>
-                        <m:r>
-                          <a:rPr lang="en-CA" sz="1600" b="0" i="1" smtClean="0">
-                            <a:latin typeface="Cambria Math" panose="02040503050406030204" pitchFamily="18" charset="0"/>
-                          </a:rPr>
-                          <m:t>𝐺</m:t>
-                        </m:r>
-                      </m:e>
-                      <m:sub>
-                        <m:r>
-                          <a:rPr lang="en-CA" sz="1600" b="0" i="1" smtClean="0">
-                            <a:latin typeface="Cambria Math" panose="02040503050406030204" pitchFamily="18" charset="0"/>
-                          </a:rPr>
-                          <m:t>𝑛</m:t>
-                        </m:r>
-                        <m:r>
-                          <a:rPr lang="en-CA" sz="1600" b="0" i="1" smtClean="0">
-                            <a:latin typeface="Cambria Math" panose="02040503050406030204" pitchFamily="18" charset="0"/>
-                          </a:rPr>
-                          <m:t>,</m:t>
-                        </m:r>
-                        <m:r>
-                          <a:rPr lang="en-CA" sz="1600" b="0" i="1" smtClean="0">
-                            <a:latin typeface="Cambria Math" panose="02040503050406030204" pitchFamily="18" charset="0"/>
-                          </a:rPr>
-                          <m:t>𝑝</m:t>
-                        </m:r>
-                      </m:sub>
-                    </m:sSub>
-                  </m:oMath>
-                </a14:m>
-                <a:r>
-                  <a:rPr lang="en-US" sz="1600" dirty="0"/>
-                  <a:t>, Chung-Lu</a:t>
-                </a:r>
-              </a:p>
-              <a:p>
-                <a:r>
-                  <a:rPr lang="en-US" sz="1600" dirty="0"/>
-                  <a:t>Sublinear privacy mechanism </a:t>
-                </a:r>
-                <a14:m>
-                  <m:oMath xmlns:m="http://schemas.openxmlformats.org/officeDocument/2006/math">
-                    <m:r>
-                      <a:rPr lang="en-CA" sz="1600" b="0" i="1" smtClean="0">
-                        <a:latin typeface="Cambria Math" panose="02040503050406030204" pitchFamily="18" charset="0"/>
-                      </a:rPr>
-                      <m:t>ℳ</m:t>
-                    </m:r>
-                    <m:r>
-                      <a:rPr lang="en-CA" sz="1600" b="0" i="1" smtClean="0">
-                        <a:latin typeface="Cambria Math" panose="02040503050406030204" pitchFamily="18" charset="0"/>
-                      </a:rPr>
-                      <m:t>(</m:t>
-                    </m:r>
-                    <m:sSub>
-                      <m:sSubPr>
-                        <m:ctrlPr>
-                          <a:rPr lang="en-CA" sz="1600" b="0" i="1" smtClean="0">
-                            <a:latin typeface="Cambria Math" panose="02040503050406030204" pitchFamily="18" charset="0"/>
-                          </a:rPr>
-                        </m:ctrlPr>
-                      </m:sSubPr>
-                      <m:e>
-                        <m:r>
-                          <a:rPr lang="en-CA" sz="1600" b="0" i="1" smtClean="0">
-                            <a:latin typeface="Cambria Math" panose="02040503050406030204" pitchFamily="18" charset="0"/>
-                          </a:rPr>
-                          <m:t>𝑋</m:t>
-                        </m:r>
-                      </m:e>
-                      <m:sub>
-                        <m:r>
-                          <a:rPr lang="en-CA" sz="1600" b="0" i="1" smtClean="0">
-                            <a:latin typeface="Cambria Math" panose="02040503050406030204" pitchFamily="18" charset="0"/>
-                          </a:rPr>
-                          <m:t>𝑛</m:t>
-                        </m:r>
-                      </m:sub>
-                    </m:sSub>
-                    <m:r>
-                      <a:rPr lang="en-CA" sz="1600" b="0" i="1" smtClean="0">
-                        <a:latin typeface="Cambria Math" panose="02040503050406030204" pitchFamily="18" charset="0"/>
-                      </a:rPr>
-                      <m:t>)</m:t>
-                    </m:r>
-                  </m:oMath>
-                </a14:m>
-                <a:endParaRPr lang="en-US" sz="1600" dirty="0"/>
-              </a:p>
-              <a:p>
-                <a:r>
-                  <a:rPr lang="en-US" sz="1600" dirty="0"/>
-                  <a:t>Goal: Infer the infection status of individual nodes given graph topology</a:t>
-                </a:r>
-              </a:p>
-              <a:p>
-                <a:endParaRPr lang="en-US" sz="1600" dirty="0"/>
-              </a:p>
-              <a:p>
-                <a:r>
-                  <a:rPr lang="en-US" sz="1600" dirty="0"/>
-                  <a:t>Takeaways:</a:t>
-                </a:r>
-              </a:p>
-              <a:p>
-                <a:pPr marL="285750" indent="-285750">
-                  <a:buFont typeface="Arial" panose="020B0604020202020204" pitchFamily="34" charset="0"/>
-                  <a:buChar char="•"/>
-                </a:pPr>
-                <a:r>
-                  <a:rPr lang="en-US" sz="1600" dirty="0"/>
-                  <a:t>Nodes in the largest component have the same infection status</a:t>
-                </a:r>
-              </a:p>
-              <a:p>
-                <a:pPr marL="285750" indent="-285750">
-                  <a:buFont typeface="Arial" panose="020B0604020202020204" pitchFamily="34" charset="0"/>
-                  <a:buChar char="•"/>
-                </a:pPr>
-                <a14:m>
-                  <m:oMath xmlns:m="http://schemas.openxmlformats.org/officeDocument/2006/math">
-                    <m:r>
-                      <a:rPr lang="en-CA" sz="1600" b="0" i="1" smtClean="0">
-                        <a:latin typeface="Cambria Math" panose="02040503050406030204" pitchFamily="18" charset="0"/>
-                      </a:rPr>
-                      <m:t>ℳ</m:t>
-                    </m:r>
-                    <m:r>
-                      <a:rPr lang="en-CA" sz="1600" b="0" i="1" smtClean="0">
-                        <a:latin typeface="Cambria Math" panose="02040503050406030204" pitchFamily="18" charset="0"/>
-                      </a:rPr>
-                      <m:t>(</m:t>
-                    </m:r>
-                    <m:sSub>
-                      <m:sSubPr>
-                        <m:ctrlPr>
-                          <a:rPr lang="en-CA" sz="1600" b="0" i="1" smtClean="0">
-                            <a:latin typeface="Cambria Math" panose="02040503050406030204" pitchFamily="18" charset="0"/>
-                          </a:rPr>
-                        </m:ctrlPr>
-                      </m:sSubPr>
-                      <m:e>
-                        <m:r>
-                          <a:rPr lang="en-CA" sz="1600" b="0" i="1" smtClean="0">
-                            <a:latin typeface="Cambria Math" panose="02040503050406030204" pitchFamily="18" charset="0"/>
-                          </a:rPr>
-                          <m:t>𝑋</m:t>
-                        </m:r>
-                      </m:e>
-                      <m:sub>
-                        <m:r>
-                          <a:rPr lang="en-CA" sz="1600" b="0" i="1" smtClean="0">
-                            <a:latin typeface="Cambria Math" panose="02040503050406030204" pitchFamily="18" charset="0"/>
-                          </a:rPr>
-                          <m:t>𝑛</m:t>
-                        </m:r>
-                      </m:sub>
-                    </m:sSub>
-                    <m:r>
-                      <a:rPr lang="en-CA" sz="1600" b="0" i="1" smtClean="0">
-                        <a:latin typeface="Cambria Math" panose="02040503050406030204" pitchFamily="18" charset="0"/>
-                      </a:rPr>
-                      <m:t>)</m:t>
-                    </m:r>
-                  </m:oMath>
-                </a14:m>
-                <a:r>
-                  <a:rPr lang="en-US" sz="1600" dirty="0"/>
-                  <a:t> indicates the infection status of the largest component</a:t>
-                </a:r>
-              </a:p>
-              <a:p>
-                <a:pPr marL="285750" indent="-285750">
-                  <a:buFont typeface="Arial" panose="020B0604020202020204" pitchFamily="34" charset="0"/>
-                  <a:buChar char="•"/>
-                </a:pPr>
-                <a14:m>
-                  <m:oMath xmlns:m="http://schemas.openxmlformats.org/officeDocument/2006/math">
-                    <m:r>
-                      <a:rPr lang="en-CA" sz="1600" b="0" i="1" smtClean="0">
-                        <a:latin typeface="Cambria Math" panose="02040503050406030204" pitchFamily="18" charset="0"/>
-                      </a:rPr>
-                      <m:t>𝑃</m:t>
-                    </m:r>
-                    <m:d>
-                      <m:dPr>
-                        <m:ctrlPr>
-                          <a:rPr lang="en-CA" sz="1600" b="0" i="1" smtClean="0">
-                            <a:latin typeface="Cambria Math" panose="02040503050406030204" pitchFamily="18" charset="0"/>
-                          </a:rPr>
-                        </m:ctrlPr>
-                      </m:dPr>
-                      <m:e>
-                        <m:r>
-                          <a:rPr lang="en-CA" sz="1600" b="0" i="1" smtClean="0">
-                            <a:latin typeface="Cambria Math" panose="02040503050406030204" pitchFamily="18" charset="0"/>
-                          </a:rPr>
-                          <m:t>𝑖</m:t>
-                        </m:r>
-                        <m:r>
-                          <a:rPr lang="en-CA" sz="1600" b="0" i="1" smtClean="0">
-                            <a:latin typeface="Cambria Math" panose="02040503050406030204" pitchFamily="18" charset="0"/>
-                          </a:rPr>
-                          <m:t> </m:t>
-                        </m:r>
-                        <m:r>
-                          <a:rPr lang="en-CA" sz="1600" b="0" i="1" smtClean="0">
-                            <a:latin typeface="Cambria Math" panose="02040503050406030204" pitchFamily="18" charset="0"/>
-                          </a:rPr>
-                          <m:t>𝑖𝑛𝑓𝑒𝑐𝑡𝑒𝑑</m:t>
-                        </m:r>
-                      </m:e>
-                    </m:d>
-                    <m:r>
-                      <a:rPr lang="en-CA" sz="1600" b="0" i="1" smtClean="0">
-                        <a:latin typeface="Cambria Math" panose="02040503050406030204" pitchFamily="18" charset="0"/>
-                      </a:rPr>
-                      <m:t>≥</m:t>
-                    </m:r>
-                    <m:r>
-                      <a:rPr lang="en-CA" sz="1600" b="0" i="1" smtClean="0">
-                        <a:latin typeface="Cambria Math" panose="02040503050406030204" pitchFamily="18" charset="0"/>
-                      </a:rPr>
-                      <m:t>𝑃</m:t>
-                    </m:r>
-                    <m:r>
-                      <a:rPr lang="en-CA" sz="1600" b="0" i="1" smtClean="0">
-                        <a:latin typeface="Cambria Math" panose="02040503050406030204" pitchFamily="18" charset="0"/>
-                      </a:rPr>
-                      <m:t>(</m:t>
-                    </m:r>
-                    <m:r>
-                      <a:rPr lang="en-CA" sz="1600" b="0" i="1" smtClean="0">
-                        <a:latin typeface="Cambria Math" panose="02040503050406030204" pitchFamily="18" charset="0"/>
-                      </a:rPr>
-                      <m:t>𝑖</m:t>
-                    </m:r>
-                    <m:r>
-                      <a:rPr lang="en-CA" sz="1600" b="0" i="1" smtClean="0">
-                        <a:latin typeface="Cambria Math" panose="02040503050406030204" pitchFamily="18" charset="0"/>
-                      </a:rPr>
-                      <m:t> </m:t>
-                    </m:r>
-                    <m:r>
-                      <a:rPr lang="en-CA" sz="1600" b="0" i="1" smtClean="0">
-                        <a:latin typeface="Cambria Math" panose="02040503050406030204" pitchFamily="18" charset="0"/>
-                      </a:rPr>
-                      <m:t>𝑖𝑛</m:t>
-                    </m:r>
-                    <m:r>
-                      <a:rPr lang="en-CA" sz="1600" b="0" i="1" smtClean="0">
-                        <a:latin typeface="Cambria Math" panose="02040503050406030204" pitchFamily="18" charset="0"/>
-                      </a:rPr>
-                      <m:t> </m:t>
-                    </m:r>
-                    <m:r>
-                      <a:rPr lang="en-CA" sz="1600" b="0" i="1" smtClean="0">
-                        <a:latin typeface="Cambria Math" panose="02040503050406030204" pitchFamily="18" charset="0"/>
-                      </a:rPr>
-                      <m:t>𝑙𝑎𝑟𝑔𝑒𝑠𝑡</m:t>
-                    </m:r>
-                    <m:r>
-                      <a:rPr lang="en-CA" sz="1600" b="0" i="1" smtClean="0">
-                        <a:latin typeface="Cambria Math" panose="02040503050406030204" pitchFamily="18" charset="0"/>
-                      </a:rPr>
-                      <m:t> </m:t>
-                    </m:r>
-                    <m:r>
-                      <a:rPr lang="en-CA" sz="1600" b="0" i="1" smtClean="0">
-                        <a:latin typeface="Cambria Math" panose="02040503050406030204" pitchFamily="18" charset="0"/>
-                      </a:rPr>
-                      <m:t>𝑖𝑛𝑓𝑒𝑐𝑡𝑒𝑑</m:t>
-                    </m:r>
-                    <m:r>
-                      <a:rPr lang="en-CA" sz="1600" b="0" i="1" smtClean="0">
-                        <a:latin typeface="Cambria Math" panose="02040503050406030204" pitchFamily="18" charset="0"/>
-                      </a:rPr>
-                      <m:t> </m:t>
-                    </m:r>
-                    <m:r>
-                      <a:rPr lang="en-CA" sz="1600" b="0" i="1" smtClean="0">
-                        <a:latin typeface="Cambria Math" panose="02040503050406030204" pitchFamily="18" charset="0"/>
-                      </a:rPr>
-                      <m:t>𝑐𝑜𝑚𝑝𝑜𝑛𝑒𝑛𝑡</m:t>
-                    </m:r>
-                    <m:r>
-                      <a:rPr lang="en-CA" sz="1600" b="0" i="1" smtClean="0">
-                        <a:latin typeface="Cambria Math" panose="02040503050406030204" pitchFamily="18" charset="0"/>
-                      </a:rPr>
-                      <m:t>)</m:t>
-                    </m:r>
-                  </m:oMath>
-                </a14:m>
-                <a:endParaRPr lang="en-US" sz="1600" dirty="0"/>
-              </a:p>
-            </p:txBody>
-          </p:sp>
-        </mc:Choice>
-        <mc:Fallback>
-          <p:sp>
-            <p:nvSpPr>
-              <p:cNvPr id="4" name="TextBox 3">
-                <a:extLst>
-                  <a:ext uri="{FF2B5EF4-FFF2-40B4-BE49-F238E27FC236}">
-                    <a16:creationId xmlns:a16="http://schemas.microsoft.com/office/drawing/2014/main" id="{8F0C12E9-0D34-2DC2-F8E9-A27D50C2A279}"/>
-                  </a:ext>
-                </a:extLst>
-              </p:cNvPr>
-              <p:cNvSpPr txBox="1">
-                <a:spLocks noRot="1" noChangeAspect="1" noMove="1" noResize="1" noEditPoints="1" noAdjustHandles="1" noChangeArrowheads="1" noChangeShapeType="1" noTextEdit="1"/>
-              </p:cNvSpPr>
-              <p:nvPr/>
-            </p:nvSpPr>
-            <p:spPr>
-              <a:xfrm>
-                <a:off x="5286375" y="1414463"/>
-                <a:ext cx="5640705" cy="3293209"/>
-              </a:xfrm>
-              <a:prstGeom prst="rect">
-                <a:avLst/>
-              </a:prstGeom>
-              <a:blipFill>
-                <a:blip r:embed="rId3"/>
-                <a:stretch>
-                  <a:fillRect l="-674" t="-769" r="-449" b="-1538"/>
-                </a:stretch>
-              </a:blipFill>
-            </p:spPr>
-            <p:txBody>
-              <a:bodyPr/>
-              <a:lstStyle/>
-              <a:p>
-                <a:r>
-                  <a:rPr lang="en-US">
-                    <a:noFill/>
-                  </a:rPr>
-                  <a:t> </a:t>
-                </a:r>
-              </a:p>
-            </p:txBody>
-          </p:sp>
-        </mc:Fallback>
-      </mc:AlternateContent>
+      <p:sp>
+        <p:nvSpPr>
+          <p:cNvPr id="3" name="TextBox 2">
+            <a:extLst>
+              <a:ext uri="{FF2B5EF4-FFF2-40B4-BE49-F238E27FC236}">
+                <a16:creationId xmlns:a16="http://schemas.microsoft.com/office/drawing/2014/main" id="{62329233-FF88-2C11-967B-F8C51EFE44CA}"/>
+              </a:ext>
+            </a:extLst>
+          </p:cNvPr>
+          <p:cNvSpPr txBox="1"/>
+          <p:nvPr/>
+        </p:nvSpPr>
+        <p:spPr>
+          <a:xfrm>
+            <a:off x="8203692" y="5089306"/>
+            <a:ext cx="3292438" cy="646331"/>
+          </a:xfrm>
+          <a:prstGeom prst="rect">
+            <a:avLst/>
+          </a:prstGeom>
+          <a:noFill/>
+        </p:spPr>
+        <p:txBody>
+          <a:bodyPr wrap="square" rtlCol="0">
+            <a:spAutoFit/>
+          </a:bodyPr>
+          <a:lstStyle/>
+          <a:p>
+            <a:r>
+              <a:rPr lang="en-US" dirty="0"/>
+              <a:t>Qingyuan Chen, David Wu, George Yu, </a:t>
+            </a:r>
+            <a:r>
+              <a:rPr lang="en-US" dirty="0" err="1"/>
+              <a:t>Zhanhao</a:t>
+            </a:r>
+            <a:r>
+              <a:rPr lang="en-US" dirty="0"/>
+              <a:t> Zhang</a:t>
+            </a:r>
+          </a:p>
+        </p:txBody>
+      </p:sp>
     </p:spTree>
     <p:extLst>
       <p:ext uri="{BB962C8B-B14F-4D97-AF65-F5344CB8AC3E}">
@@ -4144,7 +7339,7 @@
     </p:extLst>
   </p:cSld>
   <p:clrMapOvr>
-    <a:overrideClrMapping bg1="dk1" tx1="lt1" bg2="dk2" tx2="lt2" accent1="accent1" accent2="accent2" accent3="accent3" accent4="accent4" accent5="accent5" accent6="accent6" hlink="hlink" folHlink="folHlink"/>
+    <a:overrideClrMapping bg1="lt1" tx1="dk1" bg2="lt2" tx2="dk2" accent1="accent1" accent2="accent2" accent3="accent3" accent4="accent4" accent5="accent5" accent6="accent6" hlink="hlink" folHlink="folHlink"/>
   </p:clrMapOvr>
 </p:sld>
 </file>
@@ -4182,14 +7377,19 @@
             <p:ph type="title"/>
           </p:nvPr>
         </p:nvSpPr>
-        <p:spPr/>
+        <p:spPr>
+          <a:xfrm>
+            <a:off x="838200" y="312025"/>
+            <a:ext cx="10515600" cy="1325563"/>
+          </a:xfrm>
+        </p:spPr>
         <p:txBody>
           <a:bodyPr/>
           <a:lstStyle/>
           <a:p>
             <a:r>
               <a:rPr lang="en-US" dirty="0"/>
-              <a:t>Extensions</a:t>
+              <a:t>Previous Work</a:t>
             </a:r>
           </a:p>
         </p:txBody>
@@ -4198,10 +7398,10 @@
         <mc:Choice xmlns:a14="http://schemas.microsoft.com/office/drawing/2010/main" Requires="a14">
           <p:sp>
             <p:nvSpPr>
-              <p:cNvPr id="4" name="TextBox 3">
+              <p:cNvPr id="5" name="TextBox 4">
                 <a:extLst>
                   <a:ext uri="{FF2B5EF4-FFF2-40B4-BE49-F238E27FC236}">
-                    <a16:creationId xmlns:a16="http://schemas.microsoft.com/office/drawing/2014/main" id="{9982659C-299C-3BDB-B1FB-685922DF0388}"/>
+                    <a16:creationId xmlns:a16="http://schemas.microsoft.com/office/drawing/2014/main" id="{CACEF481-E4CE-89A5-34D8-CFD4E217669B}"/>
                   </a:ext>
                 </a:extLst>
               </p:cNvPr>
@@ -4210,8 +7410,8 @@
             </p:nvSpPr>
             <p:spPr>
               <a:xfrm>
-                <a:off x="5286375" y="1414463"/>
-                <a:ext cx="5640705" cy="3314177"/>
+                <a:off x="838200" y="2541128"/>
+                <a:ext cx="4447822" cy="2606739"/>
               </a:xfrm>
               <a:prstGeom prst="rect">
                 <a:avLst/>
@@ -4224,24 +7424,651 @@
               </a:bodyPr>
               <a:lstStyle/>
               <a:p>
+                <a:pPr marL="285750" indent="-285750">
+                  <a:buFont typeface="Wingdings" pitchFamily="2" charset="2"/>
+                  <a:buChar char="Ø"/>
+                </a:pPr>
                 <a:r>
-                  <a:rPr lang="en-US" sz="1600" dirty="0"/>
-                  <a:t>Setup: </a:t>
+                  <a:rPr lang="en-US" b="1" dirty="0"/>
+                  <a:t>Model:</a:t>
+                </a:r>
+                <a:r>
+                  <a:rPr lang="en-US" dirty="0"/>
+                  <a:t> </a:t>
+                </a:r>
+                <a:r>
+                  <a:rPr lang="en-US" dirty="0">
+                    <a:solidFill>
+                      <a:srgbClr val="FF0000"/>
+                    </a:solidFill>
+                  </a:rPr>
+                  <a:t>Independent Cascade</a:t>
+                </a:r>
+              </a:p>
+              <a:p>
+                <a:endParaRPr lang="en-US" dirty="0">
+                  <a:solidFill>
+                    <a:srgbClr val="FF0000"/>
+                  </a:solidFill>
+                </a:endParaRPr>
+              </a:p>
+              <a:p>
+                <a:pPr marL="285750" indent="-285750">
+                  <a:buFont typeface="Wingdings" pitchFamily="2" charset="2"/>
+                  <a:buChar char="Ø"/>
+                </a:pPr>
+                <a:r>
+                  <a:rPr lang="en-US" sz="1800" b="1" dirty="0"/>
+                  <a:t>Random Graphs:</a:t>
+                </a:r>
+                <a:r>
+                  <a:rPr lang="en-US" sz="1800" dirty="0"/>
+                  <a:t> </a:t>
+                </a:r>
+                <a14:m>
+                  <m:oMath xmlns:m="http://schemas.openxmlformats.org/officeDocument/2006/math">
+                    <m:sSub>
+                      <m:sSubPr>
+                        <m:ctrlPr>
+                          <a:rPr lang="en-CA" sz="1800" b="0" i="1" smtClean="0">
+                            <a:latin typeface="Cambria Math" panose="02040503050406030204" pitchFamily="18" charset="0"/>
+                          </a:rPr>
+                        </m:ctrlPr>
+                      </m:sSubPr>
+                      <m:e>
+                        <m:r>
+                          <a:rPr lang="en-CA" sz="1800" b="0" i="1" smtClean="0">
+                            <a:latin typeface="Cambria Math" panose="02040503050406030204" pitchFamily="18" charset="0"/>
+                          </a:rPr>
+                          <m:t>𝐺</m:t>
+                        </m:r>
+                      </m:e>
+                      <m:sub>
+                        <m:r>
+                          <a:rPr lang="en-CA" sz="1800" b="0" i="1" smtClean="0">
+                            <a:latin typeface="Cambria Math" panose="02040503050406030204" pitchFamily="18" charset="0"/>
+                          </a:rPr>
+                          <m:t>𝑛</m:t>
+                        </m:r>
+                        <m:r>
+                          <a:rPr lang="en-CA" sz="1800" b="0" i="1" smtClean="0">
+                            <a:latin typeface="Cambria Math" panose="02040503050406030204" pitchFamily="18" charset="0"/>
+                          </a:rPr>
+                          <m:t>,</m:t>
+                        </m:r>
+                        <m:r>
+                          <a:rPr lang="en-CA" sz="1800" b="0" i="1" smtClean="0">
+                            <a:latin typeface="Cambria Math" panose="02040503050406030204" pitchFamily="18" charset="0"/>
+                          </a:rPr>
+                          <m:t>𝑝</m:t>
+                        </m:r>
+                      </m:sub>
+                    </m:sSub>
+                  </m:oMath>
+                </a14:m>
+                <a:r>
+                  <a:rPr lang="en-US" sz="1800" dirty="0"/>
+                  <a:t>, Chung-Lu</a:t>
+                </a:r>
+              </a:p>
+              <a:p>
+                <a:pPr marL="285750" indent="-285750">
+                  <a:buFont typeface="Wingdings" pitchFamily="2" charset="2"/>
+                  <a:buChar char="Ø"/>
+                </a:pPr>
+                <a:endParaRPr lang="en-US" dirty="0"/>
+              </a:p>
+              <a:p>
+                <a:pPr marL="285750" indent="-285750">
+                  <a:buFont typeface="Wingdings" pitchFamily="2" charset="2"/>
+                  <a:buChar char="Ø"/>
+                </a:pPr>
+                <a:r>
+                  <a:rPr lang="en-US" sz="1800" b="1" dirty="0"/>
+                  <a:t>Average Degree: </a:t>
+                </a:r>
+                <a14:m>
+                  <m:oMath xmlns:m="http://schemas.openxmlformats.org/officeDocument/2006/math">
+                    <m:r>
+                      <a:rPr lang="en-US" sz="1800" b="0" i="1" smtClean="0">
+                        <a:latin typeface="Cambria Math" panose="02040503050406030204" pitchFamily="18" charset="0"/>
+                      </a:rPr>
+                      <m:t>𝑧</m:t>
+                    </m:r>
+                  </m:oMath>
+                </a14:m>
+                <a:endParaRPr lang="en-US" sz="1800" dirty="0"/>
+              </a:p>
+              <a:p>
+                <a:endParaRPr lang="en-US" sz="1800" dirty="0"/>
+              </a:p>
+              <a:p>
+                <a:pPr marL="285750" indent="-285750">
+                  <a:buFont typeface="Wingdings" pitchFamily="2" charset="2"/>
+                  <a:buChar char="Ø"/>
+                </a:pPr>
+                <a:r>
+                  <a:rPr lang="en-US" sz="1800" b="1" dirty="0"/>
+                  <a:t>Number of infected nodes: </a:t>
+                </a:r>
+                <a14:m>
+                  <m:oMath xmlns:m="http://schemas.openxmlformats.org/officeDocument/2006/math">
+                    <m:sSub>
+                      <m:sSubPr>
+                        <m:ctrlPr>
+                          <a:rPr lang="en-CA" sz="1800" b="0" i="1" smtClean="0">
+                            <a:latin typeface="Cambria Math" panose="02040503050406030204" pitchFamily="18" charset="0"/>
+                          </a:rPr>
+                        </m:ctrlPr>
+                      </m:sSubPr>
+                      <m:e>
+                        <m:r>
+                          <a:rPr lang="en-CA" sz="1800" b="0" i="1" smtClean="0">
+                            <a:latin typeface="Cambria Math" panose="02040503050406030204" pitchFamily="18" charset="0"/>
+                          </a:rPr>
+                          <m:t>𝑋</m:t>
+                        </m:r>
+                      </m:e>
+                      <m:sub>
+                        <m:r>
+                          <a:rPr lang="en-CA" sz="1800" b="0" i="1" smtClean="0">
+                            <a:latin typeface="Cambria Math" panose="02040503050406030204" pitchFamily="18" charset="0"/>
+                          </a:rPr>
+                          <m:t>𝑛</m:t>
+                        </m:r>
+                      </m:sub>
+                    </m:sSub>
+                  </m:oMath>
+                </a14:m>
+                <a:endParaRPr lang="en-US" sz="1800" dirty="0"/>
+              </a:p>
+              <a:p>
+                <a:endParaRPr lang="en-US" sz="1800" dirty="0"/>
+              </a:p>
+              <a:p>
+                <a:pPr marL="285750" indent="-285750">
+                  <a:buFont typeface="Wingdings" pitchFamily="2" charset="2"/>
+                  <a:buChar char="Ø"/>
+                </a:pPr>
+                <a:r>
+                  <a:rPr lang="en-US" sz="1800" b="1" dirty="0"/>
+                  <a:t>Sublinear privacy mechanism: </a:t>
+                </a:r>
+                <a14:m>
+                  <m:oMath xmlns:m="http://schemas.openxmlformats.org/officeDocument/2006/math">
+                    <m:r>
+                      <a:rPr lang="en-CA" sz="1800" b="0" i="1" smtClean="0">
+                        <a:latin typeface="Cambria Math" panose="02040503050406030204" pitchFamily="18" charset="0"/>
+                      </a:rPr>
+                      <m:t>ℳ</m:t>
+                    </m:r>
+                    <m:r>
+                      <a:rPr lang="en-CA" sz="1800" b="0" i="1" smtClean="0">
+                        <a:latin typeface="Cambria Math" panose="02040503050406030204" pitchFamily="18" charset="0"/>
+                      </a:rPr>
+                      <m:t>(</m:t>
+                    </m:r>
+                    <m:sSub>
+                      <m:sSubPr>
+                        <m:ctrlPr>
+                          <a:rPr lang="en-CA" sz="1800" b="0" i="1" smtClean="0">
+                            <a:latin typeface="Cambria Math" panose="02040503050406030204" pitchFamily="18" charset="0"/>
+                          </a:rPr>
+                        </m:ctrlPr>
+                      </m:sSubPr>
+                      <m:e>
+                        <m:r>
+                          <a:rPr lang="en-CA" sz="1800" b="0" i="1" smtClean="0">
+                            <a:latin typeface="Cambria Math" panose="02040503050406030204" pitchFamily="18" charset="0"/>
+                          </a:rPr>
+                          <m:t>𝑋</m:t>
+                        </m:r>
+                      </m:e>
+                      <m:sub>
+                        <m:r>
+                          <a:rPr lang="en-CA" sz="1800" b="0" i="1" smtClean="0">
+                            <a:latin typeface="Cambria Math" panose="02040503050406030204" pitchFamily="18" charset="0"/>
+                          </a:rPr>
+                          <m:t>𝑛</m:t>
+                        </m:r>
+                      </m:sub>
+                    </m:sSub>
+                    <m:r>
+                      <a:rPr lang="en-CA" sz="1800" b="0" i="1" smtClean="0">
+                        <a:latin typeface="Cambria Math" panose="02040503050406030204" pitchFamily="18" charset="0"/>
+                      </a:rPr>
+                      <m:t>)</m:t>
+                    </m:r>
+                  </m:oMath>
+                </a14:m>
+                <a:endParaRPr lang="en-US" sz="1800" dirty="0"/>
+              </a:p>
+            </p:txBody>
+          </p:sp>
+        </mc:Choice>
+        <mc:Fallback>
+          <p:sp>
+            <p:nvSpPr>
+              <p:cNvPr id="5" name="TextBox 4">
+                <a:extLst>
+                  <a:ext uri="{FF2B5EF4-FFF2-40B4-BE49-F238E27FC236}">
+                    <a16:creationId xmlns:a16="http://schemas.microsoft.com/office/drawing/2014/main" id="{CACEF481-E4CE-89A5-34D8-CFD4E217669B}"/>
+                  </a:ext>
+                </a:extLst>
+              </p:cNvPr>
+              <p:cNvSpPr txBox="1">
+                <a:spLocks noRot="1" noChangeAspect="1" noMove="1" noResize="1" noEditPoints="1" noAdjustHandles="1" noChangeArrowheads="1" noChangeShapeType="1" noTextEdit="1"/>
+              </p:cNvSpPr>
+              <p:nvPr/>
+            </p:nvSpPr>
+            <p:spPr>
+              <a:xfrm>
+                <a:off x="838200" y="2541128"/>
+                <a:ext cx="4447822" cy="2606739"/>
+              </a:xfrm>
+              <a:prstGeom prst="rect">
+                <a:avLst/>
+              </a:prstGeom>
+              <a:blipFill>
+                <a:blip r:embed="rId2"/>
+                <a:stretch>
+                  <a:fillRect l="-1140" t="-1456" b="-2427"/>
+                </a:stretch>
+              </a:blipFill>
+            </p:spPr>
+            <p:txBody>
+              <a:bodyPr/>
+              <a:lstStyle/>
+              <a:p>
+                <a:r>
+                  <a:rPr lang="en-US">
+                    <a:noFill/>
+                  </a:rPr>
+                  <a:t> </a:t>
+                </a:r>
+              </a:p>
+            </p:txBody>
+          </p:sp>
+        </mc:Fallback>
+      </mc:AlternateContent>
+      <p:sp>
+        <p:nvSpPr>
+          <p:cNvPr id="6" name="TextBox 5">
+            <a:extLst>
+              <a:ext uri="{FF2B5EF4-FFF2-40B4-BE49-F238E27FC236}">
+                <a16:creationId xmlns:a16="http://schemas.microsoft.com/office/drawing/2014/main" id="{86AB1013-306A-75D2-BC10-BF3EA021053E}"/>
+              </a:ext>
+            </a:extLst>
+          </p:cNvPr>
+          <p:cNvSpPr txBox="1"/>
+          <p:nvPr/>
+        </p:nvSpPr>
+        <p:spPr>
+          <a:xfrm>
+            <a:off x="838200" y="1452922"/>
+            <a:ext cx="9618135" cy="369332"/>
+          </a:xfrm>
+          <a:prstGeom prst="rect">
+            <a:avLst/>
+          </a:prstGeom>
+          <a:noFill/>
+        </p:spPr>
+        <p:txBody>
+          <a:bodyPr wrap="square" rtlCol="0">
+            <a:spAutoFit/>
+          </a:bodyPr>
+          <a:lstStyle/>
+          <a:p>
+            <a:r>
+              <a:rPr lang="en-US" b="1" u="sng" dirty="0"/>
+              <a:t>Goal</a:t>
+            </a:r>
+            <a:r>
+              <a:rPr lang="en-US" b="1" dirty="0"/>
+              <a:t>: </a:t>
+            </a:r>
+            <a:r>
+              <a:rPr lang="en-US" sz="1800" b="1" dirty="0"/>
+              <a:t>Infer the infection status of individual nodes given graph topology.</a:t>
+            </a:r>
+            <a:r>
+              <a:rPr lang="en-US" b="1" dirty="0"/>
+              <a:t> </a:t>
+            </a:r>
+          </a:p>
+        </p:txBody>
+      </p:sp>
+      <mc:AlternateContent xmlns:mc="http://schemas.openxmlformats.org/markup-compatibility/2006">
+        <mc:Choice xmlns:a14="http://schemas.microsoft.com/office/drawing/2010/main" Requires="a14">
+          <p:graphicFrame>
+            <p:nvGraphicFramePr>
+              <p:cNvPr id="7" name="Diagram 6">
+                <a:extLst>
+                  <a:ext uri="{FF2B5EF4-FFF2-40B4-BE49-F238E27FC236}">
+                    <a16:creationId xmlns:a16="http://schemas.microsoft.com/office/drawing/2014/main" id="{BEA1E2F7-78F6-88D1-0215-6D3FE39D5D71}"/>
+                  </a:ext>
+                </a:extLst>
+              </p:cNvPr>
+              <p:cNvGraphicFramePr/>
+              <p:nvPr>
+                <p:extLst>
+                  <p:ext uri="{D42A27DB-BD31-4B8C-83A1-F6EECF244321}">
+                    <p14:modId xmlns:p14="http://schemas.microsoft.com/office/powerpoint/2010/main" val="1694373924"/>
+                  </p:ext>
+                </p:extLst>
+              </p:nvPr>
+            </p:nvGraphicFramePr>
+            <p:xfrm>
+              <a:off x="6254044" y="2541128"/>
+              <a:ext cx="5384800" cy="3276839"/>
+            </p:xfrm>
+            <a:graphic>
+              <a:graphicData uri="http://schemas.openxmlformats.org/drawingml/2006/diagram">
+                <dgm:relIds xmlns:dgm="http://schemas.openxmlformats.org/drawingml/2006/diagram" xmlns:r="http://schemas.openxmlformats.org/officeDocument/2006/relationships" r:dm="rId3" r:lo="rId4" r:qs="rId5" r:cs="rId6"/>
+              </a:graphicData>
+            </a:graphic>
+          </p:graphicFrame>
+        </mc:Choice>
+        <mc:Fallback>
+          <p:graphicFrame>
+            <p:nvGraphicFramePr>
+              <p:cNvPr id="7" name="Diagram 6">
+                <a:extLst>
+                  <a:ext uri="{FF2B5EF4-FFF2-40B4-BE49-F238E27FC236}">
+                    <a16:creationId xmlns:a16="http://schemas.microsoft.com/office/drawing/2014/main" id="{BEA1E2F7-78F6-88D1-0215-6D3FE39D5D71}"/>
+                  </a:ext>
+                </a:extLst>
+              </p:cNvPr>
+              <p:cNvGraphicFramePr/>
+              <p:nvPr>
+                <p:extLst>
+                  <p:ext uri="{D42A27DB-BD31-4B8C-83A1-F6EECF244321}">
+                    <p14:modId xmlns:p14="http://schemas.microsoft.com/office/powerpoint/2010/main" val="1694373924"/>
+                  </p:ext>
+                </p:extLst>
+              </p:nvPr>
+            </p:nvGraphicFramePr>
+            <p:xfrm>
+              <a:off x="6254044" y="2541128"/>
+              <a:ext cx="5384800" cy="3276839"/>
+            </p:xfrm>
+            <a:graphic>
+              <a:graphicData uri="http://schemas.openxmlformats.org/drawingml/2006/diagram">
+                <dgm:relIds xmlns:dgm="http://schemas.openxmlformats.org/drawingml/2006/diagram" xmlns:r="http://schemas.openxmlformats.org/officeDocument/2006/relationships" r:dm="rId8" r:lo="rId4" r:qs="rId5" r:cs="rId6"/>
+              </a:graphicData>
+            </a:graphic>
+          </p:graphicFrame>
+        </mc:Fallback>
+      </mc:AlternateContent>
+      <p:sp>
+        <p:nvSpPr>
+          <p:cNvPr id="8" name="TextBox 7">
+            <a:extLst>
+              <a:ext uri="{FF2B5EF4-FFF2-40B4-BE49-F238E27FC236}">
+                <a16:creationId xmlns:a16="http://schemas.microsoft.com/office/drawing/2014/main" id="{6E72D101-3F5D-7AFD-80CF-8F099CEF61F9}"/>
+              </a:ext>
+            </a:extLst>
+          </p:cNvPr>
+          <p:cNvSpPr txBox="1"/>
+          <p:nvPr/>
+        </p:nvSpPr>
+        <p:spPr>
+          <a:xfrm>
+            <a:off x="7981244" y="1953819"/>
+            <a:ext cx="1930400" cy="369332"/>
+          </a:xfrm>
+          <a:prstGeom prst="rect">
+            <a:avLst/>
+          </a:prstGeom>
+          <a:noFill/>
+        </p:spPr>
+        <p:txBody>
+          <a:bodyPr wrap="square" rtlCol="0">
+            <a:spAutoFit/>
+          </a:bodyPr>
+          <a:lstStyle/>
+          <a:p>
+            <a:pPr algn="ctr"/>
+            <a:r>
+              <a:rPr lang="en-US" b="1" u="sng" dirty="0"/>
+              <a:t>Takeaways</a:t>
+            </a:r>
+          </a:p>
+        </p:txBody>
+      </p:sp>
+      <p:cxnSp>
+        <p:nvCxnSpPr>
+          <p:cNvPr id="10" name="Straight Connector 9">
+            <a:extLst>
+              <a:ext uri="{FF2B5EF4-FFF2-40B4-BE49-F238E27FC236}">
+                <a16:creationId xmlns:a16="http://schemas.microsoft.com/office/drawing/2014/main" id="{4BC29F3B-212D-2569-27BF-AA0C0E209387}"/>
+              </a:ext>
+            </a:extLst>
+          </p:cNvPr>
+          <p:cNvCxnSpPr/>
+          <p:nvPr/>
+        </p:nvCxnSpPr>
+        <p:spPr>
+          <a:xfrm>
+            <a:off x="5904089" y="2575018"/>
+            <a:ext cx="0" cy="3479660"/>
+          </a:xfrm>
+          <a:prstGeom prst="line">
+            <a:avLst/>
+          </a:prstGeom>
+        </p:spPr>
+        <p:style>
+          <a:lnRef idx="2">
+            <a:schemeClr val="dk1"/>
+          </a:lnRef>
+          <a:fillRef idx="0">
+            <a:schemeClr val="dk1"/>
+          </a:fillRef>
+          <a:effectRef idx="1">
+            <a:schemeClr val="dk1"/>
+          </a:effectRef>
+          <a:fontRef idx="minor">
+            <a:schemeClr val="tx1"/>
+          </a:fontRef>
+        </p:style>
+      </p:cxnSp>
+      <p:sp>
+        <p:nvSpPr>
+          <p:cNvPr id="11" name="TextBox 10">
+            <a:extLst>
+              <a:ext uri="{FF2B5EF4-FFF2-40B4-BE49-F238E27FC236}">
+                <a16:creationId xmlns:a16="http://schemas.microsoft.com/office/drawing/2014/main" id="{FC43444E-0EA0-50B0-BA38-3F69110242B6}"/>
+              </a:ext>
+            </a:extLst>
+          </p:cNvPr>
+          <p:cNvSpPr txBox="1"/>
+          <p:nvPr/>
+        </p:nvSpPr>
+        <p:spPr>
+          <a:xfrm>
+            <a:off x="1986844" y="1953819"/>
+            <a:ext cx="1930400" cy="369332"/>
+          </a:xfrm>
+          <a:prstGeom prst="rect">
+            <a:avLst/>
+          </a:prstGeom>
+          <a:noFill/>
+        </p:spPr>
+        <p:txBody>
+          <a:bodyPr wrap="square" rtlCol="0">
+            <a:spAutoFit/>
+          </a:bodyPr>
+          <a:lstStyle/>
+          <a:p>
+            <a:pPr algn="ctr"/>
+            <a:r>
+              <a:rPr lang="en-US" b="1" u="sng" dirty="0"/>
+              <a:t>Setup</a:t>
+            </a:r>
+          </a:p>
+        </p:txBody>
+      </p:sp>
+      <p:cxnSp>
+        <p:nvCxnSpPr>
+          <p:cNvPr id="14" name="Straight Connector 13">
+            <a:extLst>
+              <a:ext uri="{FF2B5EF4-FFF2-40B4-BE49-F238E27FC236}">
+                <a16:creationId xmlns:a16="http://schemas.microsoft.com/office/drawing/2014/main" id="{E74ACA4E-B51C-DF61-22C7-40DE0EA00C9F}"/>
+              </a:ext>
+            </a:extLst>
+          </p:cNvPr>
+          <p:cNvCxnSpPr>
+            <a:cxnSpLocks/>
+          </p:cNvCxnSpPr>
+          <p:nvPr/>
+        </p:nvCxnSpPr>
+        <p:spPr>
+          <a:xfrm>
+            <a:off x="948267" y="1332645"/>
+            <a:ext cx="10690577" cy="0"/>
+          </a:xfrm>
+          <a:prstGeom prst="line">
+            <a:avLst/>
+          </a:prstGeom>
+        </p:spPr>
+        <p:style>
+          <a:lnRef idx="2">
+            <a:schemeClr val="accent2"/>
+          </a:lnRef>
+          <a:fillRef idx="0">
+            <a:schemeClr val="accent2"/>
+          </a:fillRef>
+          <a:effectRef idx="1">
+            <a:schemeClr val="accent2"/>
+          </a:effectRef>
+          <a:fontRef idx="minor">
+            <a:schemeClr val="tx1"/>
+          </a:fontRef>
+        </p:style>
+      </p:cxnSp>
+    </p:spTree>
+    <p:extLst>
+      <p:ext uri="{BB962C8B-B14F-4D97-AF65-F5344CB8AC3E}">
+        <p14:creationId xmlns:p14="http://schemas.microsoft.com/office/powerpoint/2010/main" val="1651607488"/>
+      </p:ext>
+    </p:extLst>
+  </p:cSld>
+  <p:clrMapOvr>
+    <a:masterClrMapping/>
+  </p:clrMapOvr>
+</p:sld>
+</file>
+
+<file path=ppt/slides/slide3.xml><?xml version="1.0" encoding="utf-8"?>
+<p:sld xmlns:a="http://schemas.openxmlformats.org/drawingml/2006/main" xmlns:r="http://schemas.openxmlformats.org/officeDocument/2006/relationships" xmlns:p="http://schemas.openxmlformats.org/presentationml/2006/main">
+  <p:cSld>
+    <p:spTree>
+      <p:nvGrpSpPr>
+        <p:cNvPr id="1" name=""/>
+        <p:cNvGrpSpPr/>
+        <p:nvPr/>
+      </p:nvGrpSpPr>
+      <p:grpSpPr>
+        <a:xfrm>
+          <a:off x="0" y="0"/>
+          <a:ext cx="0" cy="0"/>
+          <a:chOff x="0" y="0"/>
+          <a:chExt cx="0" cy="0"/>
+        </a:xfrm>
+      </p:grpSpPr>
+      <p:sp>
+        <p:nvSpPr>
+          <p:cNvPr id="2" name="Title 1">
+            <a:extLst>
+              <a:ext uri="{FF2B5EF4-FFF2-40B4-BE49-F238E27FC236}">
+                <a16:creationId xmlns:a16="http://schemas.microsoft.com/office/drawing/2014/main" id="{D6D2FD46-3A93-3B3B-D4B5-430BCAD455CC}"/>
+              </a:ext>
+            </a:extLst>
+          </p:cNvPr>
+          <p:cNvSpPr>
+            <a:spLocks noGrp="1"/>
+          </p:cNvSpPr>
+          <p:nvPr>
+            <p:ph type="title"/>
+          </p:nvPr>
+        </p:nvSpPr>
+        <p:spPr>
+          <a:xfrm>
+            <a:off x="838200" y="312025"/>
+            <a:ext cx="10515600" cy="1325563"/>
+          </a:xfrm>
+        </p:spPr>
+        <p:txBody>
+          <a:bodyPr/>
+          <a:lstStyle/>
+          <a:p>
+            <a:r>
+              <a:rPr lang="en-US" dirty="0"/>
+              <a:t>Extensions</a:t>
+            </a:r>
+          </a:p>
+        </p:txBody>
+      </p:sp>
+      <mc:AlternateContent xmlns:mc="http://schemas.openxmlformats.org/markup-compatibility/2006">
+        <mc:Choice xmlns:a14="http://schemas.microsoft.com/office/drawing/2010/main" Requires="a14">
+          <p:sp>
+            <p:nvSpPr>
+              <p:cNvPr id="5" name="TextBox 4">
+                <a:extLst>
+                  <a:ext uri="{FF2B5EF4-FFF2-40B4-BE49-F238E27FC236}">
+                    <a16:creationId xmlns:a16="http://schemas.microsoft.com/office/drawing/2014/main" id="{CACEF481-E4CE-89A5-34D8-CFD4E217669B}"/>
+                  </a:ext>
+                </a:extLst>
+              </p:cNvPr>
+              <p:cNvSpPr txBox="1"/>
+              <p:nvPr/>
+            </p:nvSpPr>
+            <p:spPr>
+              <a:xfrm>
+                <a:off x="838200" y="2541128"/>
+                <a:ext cx="4447822" cy="3019224"/>
+              </a:xfrm>
+              <a:prstGeom prst="rect">
+                <a:avLst/>
+              </a:prstGeom>
+              <a:noFill/>
+            </p:spPr>
+            <p:txBody>
+              <a:bodyPr wrap="square" rtlCol="0">
+                <a:spAutoFit/>
+              </a:bodyPr>
+              <a:lstStyle/>
+              <a:p>
+                <a:pPr marL="285750" indent="-285750">
+                  <a:buFont typeface="Wingdings" pitchFamily="2" charset="2"/>
+                  <a:buChar char="Ø"/>
+                </a:pPr>
+                <a:r>
+                  <a:rPr lang="en-US" b="1" dirty="0"/>
+                  <a:t>Model: </a:t>
+                </a:r>
+                <a:r>
+                  <a:rPr lang="en-US" b="1" dirty="0">
+                    <a:solidFill>
+                      <a:srgbClr val="FF0000"/>
+                    </a:solidFill>
+                  </a:rPr>
+                  <a:t>Linear Threshold</a:t>
                 </a:r>
               </a:p>
               <a:p>
                 <a:r>
-                  <a:rPr lang="en-US" sz="1600" dirty="0">
-                    <a:solidFill>
-                      <a:srgbClr val="FF0000"/>
-                    </a:solidFill>
-                  </a:rPr>
-                  <a:t>Linear threshold: </a:t>
+                  <a:rPr lang="en-US" b="1" dirty="0"/>
+                  <a:t>	</a:t>
+                </a:r>
+                <a:r>
+                  <a:rPr lang="en-US" dirty="0"/>
+                  <a:t>  </a:t>
                 </a:r>
                 <a14:m>
                   <m:oMath xmlns:m="http://schemas.openxmlformats.org/officeDocument/2006/math">
                     <m:r>
-                      <a:rPr lang="en-CA" sz="1600" b="0" i="1" smtClean="0">
+                      <a:rPr lang="en-CA" sz="1800" b="0" i="1" smtClean="0">
                         <a:solidFill>
                           <a:srgbClr val="FF0000"/>
                         </a:solidFill>
@@ -4250,7 +8077,7 @@
                       <m:t>𝜙</m:t>
                     </m:r>
                     <m:r>
-                      <a:rPr lang="en-CA" sz="1600" b="0" i="1" smtClean="0">
+                      <a:rPr lang="en-CA" sz="1800" b="0" i="1" smtClean="0">
                         <a:solidFill>
                           <a:srgbClr val="FF0000"/>
                         </a:solidFill>
@@ -4259,7 +8086,7 @@
                       <m:t>∼</m:t>
                     </m:r>
                     <m:r>
-                      <a:rPr lang="en-CA" sz="1600" b="0" i="1" smtClean="0">
+                      <a:rPr lang="en-CA" sz="1800" b="0" i="1" smtClean="0">
                         <a:solidFill>
                           <a:srgbClr val="FF0000"/>
                         </a:solidFill>
@@ -4272,7 +8099,7 @@
                         <m:begChr m:val="["/>
                         <m:endChr m:val="]"/>
                         <m:ctrlPr>
-                          <a:rPr lang="en-CA" sz="1600" b="0" i="1" smtClean="0">
+                          <a:rPr lang="en-CA" sz="1800" b="0" i="1" smtClean="0">
                             <a:solidFill>
                               <a:srgbClr val="FF0000"/>
                             </a:solidFill>
@@ -4282,7 +8109,7 @@
                       </m:dPr>
                       <m:e>
                         <m:r>
-                          <a:rPr lang="en-CA" sz="1600" b="0" i="1" smtClean="0">
+                          <a:rPr lang="en-CA" sz="1800" b="0" i="1" smtClean="0">
                             <a:solidFill>
                               <a:srgbClr val="FF0000"/>
                             </a:solidFill>
@@ -4293,7 +8120,7 @@
                         <m:f>
                           <m:fPr>
                             <m:ctrlPr>
-                              <a:rPr lang="en-CA" sz="1600" b="0" i="1" smtClean="0">
+                              <a:rPr lang="en-CA" sz="1800" b="0" i="1" smtClean="0">
                                 <a:solidFill>
                                   <a:srgbClr val="FF0000"/>
                                 </a:solidFill>
@@ -4303,7 +8130,7 @@
                           </m:fPr>
                           <m:num>
                             <m:r>
-                              <a:rPr lang="en-CA" sz="1600" b="0" i="1" smtClean="0">
+                              <a:rPr lang="en-CA" sz="1800" b="0" i="1" smtClean="0">
                                 <a:solidFill>
                                   <a:srgbClr val="FF0000"/>
                                 </a:solidFill>
@@ -4314,7 +8141,7 @@
                           </m:num>
                           <m:den>
                             <m:r>
-                              <a:rPr lang="en-CA" sz="1600" b="0" i="1" smtClean="0">
+                              <a:rPr lang="en-CA" sz="1800" b="0" i="1" smtClean="0">
                                 <a:solidFill>
                                   <a:srgbClr val="FF0000"/>
                                 </a:solidFill>
@@ -4327,7 +8154,7 @@
                       </m:e>
                     </m:d>
                     <m:r>
-                      <a:rPr lang="en-CA" sz="1600" b="0" i="1" smtClean="0">
+                      <a:rPr lang="en-CA" sz="1800" b="0" i="1" smtClean="0">
                         <a:solidFill>
                           <a:srgbClr val="FF0000"/>
                         </a:solidFill>
@@ -4336,7 +8163,7 @@
                       <m:t>, </m:t>
                     </m:r>
                     <m:r>
-                      <a:rPr lang="en-CA" sz="1600" b="0" i="1" smtClean="0">
+                      <a:rPr lang="en-CA" sz="1800" b="0" i="1" smtClean="0">
                         <a:solidFill>
                           <a:srgbClr val="FF0000"/>
                         </a:solidFill>
@@ -4345,7 +8172,7 @@
                       <m:t>𝑚</m:t>
                     </m:r>
                     <m:r>
-                      <a:rPr lang="en-CA" sz="1600" b="0" i="1" smtClean="0">
+                      <a:rPr lang="en-CA" sz="1800" b="0" i="1" smtClean="0">
                         <a:solidFill>
                           <a:srgbClr val="FF0000"/>
                         </a:solidFill>
@@ -4355,66 +8182,45 @@
                     </m:r>
                   </m:oMath>
                 </a14:m>
-                <a:endParaRPr lang="en-US" sz="1600" dirty="0">
+                <a:endParaRPr lang="en-US" dirty="0">
                   <a:solidFill>
                     <a:srgbClr val="FF0000"/>
                   </a:solidFill>
                 </a:endParaRPr>
               </a:p>
               <a:p>
+                <a:endParaRPr lang="en-US" dirty="0">
+                  <a:solidFill>
+                    <a:srgbClr val="FF0000"/>
+                  </a:solidFill>
+                </a:endParaRPr>
+              </a:p>
+              <a:p>
+                <a:pPr marL="285750" indent="-285750">
+                  <a:buFont typeface="Wingdings" pitchFamily="2" charset="2"/>
+                  <a:buChar char="Ø"/>
+                </a:pPr>
                 <a:r>
-                  <a:rPr lang="en-US" sz="1600" dirty="0"/>
-                  <a:t>Number of infected nodes: </a:t>
+                  <a:rPr lang="en-US" sz="1800" b="1" dirty="0"/>
+                  <a:t>Random Graphs:</a:t>
+                </a:r>
+                <a:r>
+                  <a:rPr lang="en-US" sz="1800" dirty="0"/>
+                  <a:t> </a:t>
                 </a:r>
                 <a14:m>
                   <m:oMath xmlns:m="http://schemas.openxmlformats.org/officeDocument/2006/math">
                     <m:sSub>
                       <m:sSubPr>
                         <m:ctrlPr>
-                          <a:rPr lang="en-CA" sz="1600" b="0" i="1" smtClean="0">
+                          <a:rPr lang="en-CA" sz="1800" b="0" i="1" smtClean="0">
                             <a:latin typeface="Cambria Math" panose="02040503050406030204" pitchFamily="18" charset="0"/>
                           </a:rPr>
                         </m:ctrlPr>
                       </m:sSubPr>
                       <m:e>
                         <m:r>
-                          <a:rPr lang="en-CA" sz="1600" b="0" i="1" smtClean="0">
-                            <a:latin typeface="Cambria Math" panose="02040503050406030204" pitchFamily="18" charset="0"/>
-                          </a:rPr>
-                          <m:t>𝑋</m:t>
-                        </m:r>
-                      </m:e>
-                      <m:sub>
-                        <m:r>
-                          <a:rPr lang="en-CA" sz="1600" b="0" i="1" smtClean="0">
-                            <a:latin typeface="Cambria Math" panose="02040503050406030204" pitchFamily="18" charset="0"/>
-                          </a:rPr>
-                          <m:t>𝑛</m:t>
-                        </m:r>
-                      </m:sub>
-                    </m:sSub>
-                  </m:oMath>
-                </a14:m>
-                <a:endParaRPr lang="en-US" sz="1600" dirty="0"/>
-              </a:p>
-              <a:p>
-                <a:r>
-                  <a:rPr lang="en-US" sz="1600" dirty="0"/>
-                  <a:t>Random Graphs: </a:t>
-                </a:r>
-                <a14:m>
-                  <m:oMath xmlns:m="http://schemas.openxmlformats.org/officeDocument/2006/math">
-                    <m:sSub>
-                      <m:sSubPr>
-                        <m:ctrlPr>
-                          <a:rPr lang="en-CA" sz="1600" b="0" i="1" smtClean="0">
-                            <a:latin typeface="Cambria Math" panose="02040503050406030204" pitchFamily="18" charset="0"/>
-                          </a:rPr>
-                        </m:ctrlPr>
-                      </m:sSubPr>
-                      <m:e>
-                        <m:r>
-                          <a:rPr lang="en-CA" sz="1600" b="0" i="1" smtClean="0">
+                          <a:rPr lang="en-CA" sz="1800" b="0" i="1" smtClean="0">
                             <a:latin typeface="Cambria Math" panose="02040503050406030204" pitchFamily="18" charset="0"/>
                           </a:rPr>
                           <m:t>𝐺</m:t>
@@ -4422,19 +8228,19 @@
                       </m:e>
                       <m:sub>
                         <m:r>
-                          <a:rPr lang="en-CA" sz="1600" b="0" i="1" smtClean="0">
+                          <a:rPr lang="en-CA" sz="1800" b="0" i="1" smtClean="0">
                             <a:latin typeface="Cambria Math" panose="02040503050406030204" pitchFamily="18" charset="0"/>
                           </a:rPr>
                           <m:t>𝑛</m:t>
                         </m:r>
                         <m:r>
-                          <a:rPr lang="en-CA" sz="1600" b="0" i="1" smtClean="0">
+                          <a:rPr lang="en-CA" sz="1800" b="0" i="1" smtClean="0">
                             <a:latin typeface="Cambria Math" panose="02040503050406030204" pitchFamily="18" charset="0"/>
                           </a:rPr>
                           <m:t>,</m:t>
                         </m:r>
                         <m:r>
-                          <a:rPr lang="en-CA" sz="1600" b="0" i="1" smtClean="0">
+                          <a:rPr lang="en-CA" sz="1800" b="0" i="1" smtClean="0">
                             <a:latin typeface="Cambria Math" panose="02040503050406030204" pitchFamily="18" charset="0"/>
                           </a:rPr>
                           <m:t>𝑝</m:t>
@@ -4444,25 +8250,99 @@
                   </m:oMath>
                 </a14:m>
                 <a:r>
-                  <a:rPr lang="en-US" sz="1600" dirty="0"/>
+                  <a:rPr lang="en-US" sz="1800" dirty="0"/>
                   <a:t>, Chung-Lu</a:t>
                 </a:r>
               </a:p>
               <a:p>
+                <a:endParaRPr lang="en-US" sz="1800" dirty="0"/>
+              </a:p>
+              <a:p>
+                <a:pPr marL="285750" indent="-285750">
+                  <a:buFont typeface="Wingdings" pitchFamily="2" charset="2"/>
+                  <a:buChar char="Ø"/>
+                </a:pPr>
                 <a:r>
-                  <a:rPr lang="en-US" sz="1600" dirty="0"/>
-                  <a:t>Sublinear privacy mechanism </a:t>
+                  <a:rPr lang="en-US" sz="1800" b="1" dirty="0"/>
+                  <a:t>Average Degree: </a:t>
                 </a:r>
                 <a14:m>
                   <m:oMath xmlns:m="http://schemas.openxmlformats.org/officeDocument/2006/math">
                     <m:r>
-                      <a:rPr lang="en-CA" sz="1600" b="0" i="1" smtClean="0">
+                      <a:rPr lang="en-US" sz="1800" b="0" i="1" smtClean="0">
+                        <a:latin typeface="Cambria Math" panose="02040503050406030204" pitchFamily="18" charset="0"/>
+                      </a:rPr>
+                      <m:t>𝑧</m:t>
+                    </m:r>
+                  </m:oMath>
+                </a14:m>
+                <a:endParaRPr lang="en-US" sz="1800" dirty="0"/>
+              </a:p>
+              <a:p>
+                <a:endParaRPr lang="en-US" sz="1800" dirty="0"/>
+              </a:p>
+              <a:p>
+                <a:pPr marL="285750" indent="-285750">
+                  <a:buFont typeface="Wingdings" pitchFamily="2" charset="2"/>
+                  <a:buChar char="Ø"/>
+                </a:pPr>
+                <a:r>
+                  <a:rPr lang="en-US" sz="1800" b="1" dirty="0"/>
+                  <a:t>Number of infected nodes: </a:t>
+                </a:r>
+                <a14:m>
+                  <m:oMath xmlns:m="http://schemas.openxmlformats.org/officeDocument/2006/math">
+                    <m:sSub>
+                      <m:sSubPr>
+                        <m:ctrlPr>
+                          <a:rPr lang="en-CA" sz="1800" b="0" i="1" smtClean="0">
+                            <a:latin typeface="Cambria Math" panose="02040503050406030204" pitchFamily="18" charset="0"/>
+                          </a:rPr>
+                        </m:ctrlPr>
+                      </m:sSubPr>
+                      <m:e>
+                        <m:r>
+                          <a:rPr lang="en-CA" sz="1800" b="0" i="1" smtClean="0">
+                            <a:latin typeface="Cambria Math" panose="02040503050406030204" pitchFamily="18" charset="0"/>
+                          </a:rPr>
+                          <m:t>𝑋</m:t>
+                        </m:r>
+                      </m:e>
+                      <m:sub>
+                        <m:r>
+                          <a:rPr lang="en-CA" sz="1800" b="0" i="1" smtClean="0">
+                            <a:latin typeface="Cambria Math" panose="02040503050406030204" pitchFamily="18" charset="0"/>
+                          </a:rPr>
+                          <m:t>𝑛</m:t>
+                        </m:r>
+                      </m:sub>
+                    </m:sSub>
+                  </m:oMath>
+                </a14:m>
+                <a:endParaRPr lang="en-US" sz="1800" dirty="0"/>
+              </a:p>
+              <a:p>
+                <a:endParaRPr lang="en-US" sz="1800" dirty="0"/>
+              </a:p>
+              <a:p>
+                <a:pPr marL="285750" indent="-285750">
+                  <a:buFont typeface="Wingdings" pitchFamily="2" charset="2"/>
+                  <a:buChar char="Ø"/>
+                </a:pPr>
+                <a:r>
+                  <a:rPr lang="en-US" sz="1800" b="1" dirty="0"/>
+                  <a:t>Sublinear privacy mechanism: </a:t>
+                </a:r>
+                <a14:m>
+                  <m:oMath xmlns:m="http://schemas.openxmlformats.org/officeDocument/2006/math">
+                    <m:r>
+                      <a:rPr lang="en-CA" sz="1800" b="0" i="1" smtClean="0">
                         <a:latin typeface="Cambria Math" panose="02040503050406030204" pitchFamily="18" charset="0"/>
                       </a:rPr>
                       <m:t>ℳ</m:t>
                     </m:r>
                     <m:r>
-                      <a:rPr lang="en-CA" sz="1600" b="0" i="1" smtClean="0">
+                      <a:rPr lang="en-CA" sz="1800" b="0" i="1" smtClean="0">
                         <a:latin typeface="Cambria Math" panose="02040503050406030204" pitchFamily="18" charset="0"/>
                       </a:rPr>
                       <m:t>(</m:t>
@@ -4470,14 +8350,14 @@
                     <m:sSub>
                       <m:sSubPr>
                         <m:ctrlPr>
-                          <a:rPr lang="en-CA" sz="1600" b="0" i="1" smtClean="0">
+                          <a:rPr lang="en-CA" sz="1800" b="0" i="1" smtClean="0">
                             <a:latin typeface="Cambria Math" panose="02040503050406030204" pitchFamily="18" charset="0"/>
                           </a:rPr>
                         </m:ctrlPr>
                       </m:sSubPr>
                       <m:e>
                         <m:r>
-                          <a:rPr lang="en-CA" sz="1600" b="0" i="1" smtClean="0">
+                          <a:rPr lang="en-CA" sz="1800" b="0" i="1" smtClean="0">
                             <a:latin typeface="Cambria Math" panose="02040503050406030204" pitchFamily="18" charset="0"/>
                           </a:rPr>
                           <m:t>𝑋</m:t>
@@ -4485,7 +8365,7 @@
                       </m:e>
                       <m:sub>
                         <m:r>
-                          <a:rPr lang="en-CA" sz="1600" b="0" i="1" smtClean="0">
+                          <a:rPr lang="en-CA" sz="1800" b="0" i="1" smtClean="0">
                             <a:latin typeface="Cambria Math" panose="02040503050406030204" pitchFamily="18" charset="0"/>
                           </a:rPr>
                           <m:t>𝑛</m:t>
@@ -4493,47 +8373,353 @@
                       </m:sub>
                     </m:sSub>
                     <m:r>
-                      <a:rPr lang="en-CA" sz="1600" b="0" i="1" smtClean="0">
+                      <a:rPr lang="en-CA" sz="1800" b="0" i="1" smtClean="0">
                         <a:latin typeface="Cambria Math" panose="02040503050406030204" pitchFamily="18" charset="0"/>
                       </a:rPr>
                       <m:t>)</m:t>
                     </m:r>
                   </m:oMath>
                 </a14:m>
-                <a:endParaRPr lang="en-US" sz="1600" dirty="0"/>
+                <a:endParaRPr lang="en-US" sz="1800" dirty="0"/>
               </a:p>
+            </p:txBody>
+          </p:sp>
+        </mc:Choice>
+        <mc:Fallback>
+          <p:sp>
+            <p:nvSpPr>
+              <p:cNvPr id="5" name="TextBox 4">
+                <a:extLst>
+                  <a:ext uri="{FF2B5EF4-FFF2-40B4-BE49-F238E27FC236}">
+                    <a16:creationId xmlns:a16="http://schemas.microsoft.com/office/drawing/2014/main" id="{CACEF481-E4CE-89A5-34D8-CFD4E217669B}"/>
+                  </a:ext>
+                </a:extLst>
+              </p:cNvPr>
+              <p:cNvSpPr txBox="1">
+                <a:spLocks noRot="1" noChangeAspect="1" noMove="1" noResize="1" noEditPoints="1" noAdjustHandles="1" noChangeArrowheads="1" noChangeShapeType="1" noTextEdit="1"/>
+              </p:cNvSpPr>
+              <p:nvPr/>
+            </p:nvSpPr>
+            <p:spPr>
+              <a:xfrm>
+                <a:off x="838200" y="2541128"/>
+                <a:ext cx="4447822" cy="3019224"/>
+              </a:xfrm>
+              <a:prstGeom prst="rect">
+                <a:avLst/>
+              </a:prstGeom>
+              <a:blipFill>
+                <a:blip r:embed="rId2"/>
+                <a:stretch>
+                  <a:fillRect l="-1140" t="-1261" b="-2941"/>
+                </a:stretch>
+              </a:blipFill>
+            </p:spPr>
+            <p:txBody>
+              <a:bodyPr/>
+              <a:lstStyle/>
               <a:p>
                 <a:r>
-                  <a:rPr lang="en-US" sz="1600" dirty="0"/>
-                  <a:t>Goal: Infer the infection status of individual nodes given graph topology</a:t>
+                  <a:rPr lang="en-US">
+                    <a:noFill/>
+                  </a:rPr>
+                  <a:t> </a:t>
                 </a:r>
               </a:p>
-              <a:p>
-                <a:endParaRPr lang="en-US" sz="1600" dirty="0"/>
-              </a:p>
+            </p:txBody>
+          </p:sp>
+        </mc:Fallback>
+      </mc:AlternateContent>
+      <p:sp>
+        <p:nvSpPr>
+          <p:cNvPr id="6" name="TextBox 5">
+            <a:extLst>
+              <a:ext uri="{FF2B5EF4-FFF2-40B4-BE49-F238E27FC236}">
+                <a16:creationId xmlns:a16="http://schemas.microsoft.com/office/drawing/2014/main" id="{86AB1013-306A-75D2-BC10-BF3EA021053E}"/>
+              </a:ext>
+            </a:extLst>
+          </p:cNvPr>
+          <p:cNvSpPr txBox="1"/>
+          <p:nvPr/>
+        </p:nvSpPr>
+        <p:spPr>
+          <a:xfrm>
+            <a:off x="838200" y="1452922"/>
+            <a:ext cx="9618135" cy="369332"/>
+          </a:xfrm>
+          <a:prstGeom prst="rect">
+            <a:avLst/>
+          </a:prstGeom>
+          <a:noFill/>
+        </p:spPr>
+        <p:txBody>
+          <a:bodyPr wrap="square" rtlCol="0">
+            <a:spAutoFit/>
+          </a:bodyPr>
+          <a:lstStyle/>
+          <a:p>
+            <a:r>
+              <a:rPr lang="en-US" b="1" u="sng" dirty="0"/>
+              <a:t>Goal</a:t>
+            </a:r>
+            <a:r>
+              <a:rPr lang="en-US" b="1" dirty="0"/>
+              <a:t>: </a:t>
+            </a:r>
+            <a:r>
+              <a:rPr lang="en-US" sz="1800" b="1" dirty="0"/>
+              <a:t>Infer the infection status of individual nodes given graph topology.</a:t>
+            </a:r>
+            <a:r>
+              <a:rPr lang="en-US" b="1" dirty="0"/>
+              <a:t> </a:t>
+            </a:r>
+          </a:p>
+        </p:txBody>
+      </p:sp>
+      <p:sp>
+        <p:nvSpPr>
+          <p:cNvPr id="8" name="TextBox 7">
+            <a:extLst>
+              <a:ext uri="{FF2B5EF4-FFF2-40B4-BE49-F238E27FC236}">
+                <a16:creationId xmlns:a16="http://schemas.microsoft.com/office/drawing/2014/main" id="{6E72D101-3F5D-7AFD-80CF-8F099CEF61F9}"/>
+              </a:ext>
+            </a:extLst>
+          </p:cNvPr>
+          <p:cNvSpPr txBox="1"/>
+          <p:nvPr/>
+        </p:nvSpPr>
+        <p:spPr>
+          <a:xfrm>
+            <a:off x="7902221" y="1953819"/>
+            <a:ext cx="2088445" cy="369332"/>
+          </a:xfrm>
+          <a:prstGeom prst="rect">
+            <a:avLst/>
+          </a:prstGeom>
+          <a:noFill/>
+        </p:spPr>
+        <p:txBody>
+          <a:bodyPr wrap="square" rtlCol="0">
+            <a:spAutoFit/>
+          </a:bodyPr>
+          <a:lstStyle/>
+          <a:p>
+            <a:pPr algn="ctr"/>
+            <a:r>
+              <a:rPr lang="en-US" b="1" u="sng" dirty="0"/>
+              <a:t>Preliminary Results</a:t>
+            </a:r>
+          </a:p>
+        </p:txBody>
+      </p:sp>
+      <p:cxnSp>
+        <p:nvCxnSpPr>
+          <p:cNvPr id="10" name="Straight Connector 9">
+            <a:extLst>
+              <a:ext uri="{FF2B5EF4-FFF2-40B4-BE49-F238E27FC236}">
+                <a16:creationId xmlns:a16="http://schemas.microsoft.com/office/drawing/2014/main" id="{4BC29F3B-212D-2569-27BF-AA0C0E209387}"/>
+              </a:ext>
+            </a:extLst>
+          </p:cNvPr>
+          <p:cNvCxnSpPr/>
+          <p:nvPr/>
+        </p:nvCxnSpPr>
+        <p:spPr>
+          <a:xfrm>
+            <a:off x="5904089" y="2575018"/>
+            <a:ext cx="0" cy="3479660"/>
+          </a:xfrm>
+          <a:prstGeom prst="line">
+            <a:avLst/>
+          </a:prstGeom>
+        </p:spPr>
+        <p:style>
+          <a:lnRef idx="2">
+            <a:schemeClr val="dk1"/>
+          </a:lnRef>
+          <a:fillRef idx="0">
+            <a:schemeClr val="dk1"/>
+          </a:fillRef>
+          <a:effectRef idx="1">
+            <a:schemeClr val="dk1"/>
+          </a:effectRef>
+          <a:fontRef idx="minor">
+            <a:schemeClr val="tx1"/>
+          </a:fontRef>
+        </p:style>
+      </p:cxnSp>
+      <p:sp>
+        <p:nvSpPr>
+          <p:cNvPr id="11" name="TextBox 10">
+            <a:extLst>
+              <a:ext uri="{FF2B5EF4-FFF2-40B4-BE49-F238E27FC236}">
+                <a16:creationId xmlns:a16="http://schemas.microsoft.com/office/drawing/2014/main" id="{FC43444E-0EA0-50B0-BA38-3F69110242B6}"/>
+              </a:ext>
+            </a:extLst>
+          </p:cNvPr>
+          <p:cNvSpPr txBox="1"/>
+          <p:nvPr/>
+        </p:nvSpPr>
+        <p:spPr>
+          <a:xfrm>
+            <a:off x="1986844" y="1953819"/>
+            <a:ext cx="1930400" cy="369332"/>
+          </a:xfrm>
+          <a:prstGeom prst="rect">
+            <a:avLst/>
+          </a:prstGeom>
+          <a:noFill/>
+        </p:spPr>
+        <p:txBody>
+          <a:bodyPr wrap="square" rtlCol="0">
+            <a:spAutoFit/>
+          </a:bodyPr>
+          <a:lstStyle/>
+          <a:p>
+            <a:pPr algn="ctr"/>
+            <a:r>
+              <a:rPr lang="en-US" b="1" u="sng" dirty="0"/>
+              <a:t>Setup</a:t>
+            </a:r>
+          </a:p>
+        </p:txBody>
+      </p:sp>
+      <p:cxnSp>
+        <p:nvCxnSpPr>
+          <p:cNvPr id="14" name="Straight Connector 13">
+            <a:extLst>
+              <a:ext uri="{FF2B5EF4-FFF2-40B4-BE49-F238E27FC236}">
+                <a16:creationId xmlns:a16="http://schemas.microsoft.com/office/drawing/2014/main" id="{E74ACA4E-B51C-DF61-22C7-40DE0EA00C9F}"/>
+              </a:ext>
+            </a:extLst>
+          </p:cNvPr>
+          <p:cNvCxnSpPr>
+            <a:cxnSpLocks/>
+          </p:cNvCxnSpPr>
+          <p:nvPr/>
+        </p:nvCxnSpPr>
+        <p:spPr>
+          <a:xfrm>
+            <a:off x="948267" y="1332645"/>
+            <a:ext cx="10690577" cy="0"/>
+          </a:xfrm>
+          <a:prstGeom prst="line">
+            <a:avLst/>
+          </a:prstGeom>
+        </p:spPr>
+        <p:style>
+          <a:lnRef idx="2">
+            <a:schemeClr val="accent2"/>
+          </a:lnRef>
+          <a:fillRef idx="0">
+            <a:schemeClr val="accent2"/>
+          </a:fillRef>
+          <a:effectRef idx="1">
+            <a:schemeClr val="accent2"/>
+          </a:effectRef>
+          <a:fontRef idx="minor">
+            <a:schemeClr val="tx1"/>
+          </a:fontRef>
+        </p:style>
+      </p:cxnSp>
+      <p:sp>
+        <p:nvSpPr>
+          <p:cNvPr id="13" name="Rectangle 12">
+            <a:extLst>
+              <a:ext uri="{FF2B5EF4-FFF2-40B4-BE49-F238E27FC236}">
+                <a16:creationId xmlns:a16="http://schemas.microsoft.com/office/drawing/2014/main" id="{6C255208-A4BE-1FD5-D4F7-67246FF12AF7}"/>
+              </a:ext>
+            </a:extLst>
+          </p:cNvPr>
+          <p:cNvSpPr/>
+          <p:nvPr/>
+        </p:nvSpPr>
+        <p:spPr>
+          <a:xfrm>
+            <a:off x="6095998" y="2575018"/>
+            <a:ext cx="5542839" cy="993869"/>
+          </a:xfrm>
+          <a:prstGeom prst="rect">
+            <a:avLst/>
+          </a:prstGeom>
+        </p:spPr>
+        <p:style>
+          <a:lnRef idx="1">
+            <a:schemeClr val="accent3"/>
+          </a:lnRef>
+          <a:fillRef idx="2">
+            <a:schemeClr val="accent3"/>
+          </a:fillRef>
+          <a:effectRef idx="1">
+            <a:schemeClr val="accent3"/>
+          </a:effectRef>
+          <a:fontRef idx="minor">
+            <a:schemeClr val="dk1"/>
+          </a:fontRef>
+        </p:style>
+        <p:txBody>
+          <a:bodyPr rtlCol="0" anchor="ctr"/>
+          <a:lstStyle/>
+          <a:p>
+            <a:r>
+              <a:rPr lang="en-US" sz="2000" dirty="0">
+                <a:solidFill>
+                  <a:schemeClr val="bg1"/>
+                </a:solidFill>
+              </a:rPr>
+              <a:t>Privacy is hard to preserve when a large cascade occurs</a:t>
+            </a:r>
+          </a:p>
+        </p:txBody>
+      </p:sp>
+      <mc:AlternateContent xmlns:mc="http://schemas.openxmlformats.org/markup-compatibility/2006">
+        <mc:Choice xmlns:a14="http://schemas.microsoft.com/office/drawing/2010/main" Requires="a14">
+          <p:sp>
+            <p:nvSpPr>
+              <p:cNvPr id="15" name="Rectangle 14">
+                <a:extLst>
+                  <a:ext uri="{FF2B5EF4-FFF2-40B4-BE49-F238E27FC236}">
+                    <a16:creationId xmlns:a16="http://schemas.microsoft.com/office/drawing/2014/main" id="{EE9411F5-584F-0081-0A2A-EF525FF485F0}"/>
+                  </a:ext>
+                </a:extLst>
+              </p:cNvPr>
+              <p:cNvSpPr/>
+              <p:nvPr/>
+            </p:nvSpPr>
+            <p:spPr>
+              <a:xfrm>
+                <a:off x="6095998" y="4014521"/>
+                <a:ext cx="5542839" cy="993884"/>
+              </a:xfrm>
+              <a:prstGeom prst="rect">
+                <a:avLst/>
+              </a:prstGeom>
+            </p:spPr>
+            <p:style>
+              <a:lnRef idx="3">
+                <a:schemeClr val="lt1"/>
+              </a:lnRef>
+              <a:fillRef idx="1">
+                <a:schemeClr val="accent2"/>
+              </a:fillRef>
+              <a:effectRef idx="1">
+                <a:schemeClr val="accent2"/>
+              </a:effectRef>
+              <a:fontRef idx="minor">
+                <a:schemeClr val="lt1"/>
+              </a:fontRef>
+            </p:style>
+            <p:txBody>
+              <a:bodyPr rtlCol="0" anchor="ctr"/>
+              <a:lstStyle/>
               <a:p>
                 <a:r>
-                  <a:rPr lang="en-US" sz="1600" dirty="0"/>
-                  <a:t>Preliminary Results:</a:t>
-                </a:r>
-              </a:p>
-              <a:p>
-                <a:pPr marL="285750" indent="-285750">
-                  <a:buFont typeface="Arial" panose="020B0604020202020204" pitchFamily="34" charset="0"/>
-                  <a:buChar char="•"/>
-                </a:pPr>
-                <a:r>
-                  <a:rPr lang="en-US" sz="1600" dirty="0"/>
-                  <a:t>Privacy is hard to preserve when a large cascade occurs</a:t>
-                </a:r>
-              </a:p>
-              <a:p>
-                <a:pPr marL="285750" indent="-285750">
-                  <a:buFont typeface="Arial" panose="020B0604020202020204" pitchFamily="34" charset="0"/>
-                  <a:buChar char="•"/>
-                </a:pPr>
-                <a:r>
-                  <a:rPr lang="en-CA" sz="1600" dirty="0"/>
+                  <a:rPr lang="en-CA" sz="2000" dirty="0">
+                    <a:solidFill>
+                      <a:schemeClr val="bg1"/>
+                    </a:solidFill>
+                  </a:rPr>
                   <a:t>For </a:t>
                 </a:r>
                 <a14:m>
@@ -4541,14 +8727,20 @@
                     <m:sSub>
                       <m:sSubPr>
                         <m:ctrlPr>
-                          <a:rPr lang="en-CA" sz="1600" b="0" i="1" smtClean="0">
+                          <a:rPr lang="en-CA" sz="2000" b="0" i="1" smtClean="0">
+                            <a:solidFill>
+                              <a:schemeClr val="bg1"/>
+                            </a:solidFill>
                             <a:latin typeface="Cambria Math" panose="02040503050406030204" pitchFamily="18" charset="0"/>
                           </a:rPr>
                         </m:ctrlPr>
                       </m:sSubPr>
                       <m:e>
                         <m:r>
-                          <a:rPr lang="en-CA" sz="1600" b="0" i="1" smtClean="0">
+                          <a:rPr lang="en-CA" sz="2000" b="0" i="1" smtClean="0">
+                            <a:solidFill>
+                              <a:schemeClr val="bg1"/>
+                            </a:solidFill>
                             <a:latin typeface="Cambria Math" panose="02040503050406030204" pitchFamily="18" charset="0"/>
                           </a:rPr>
                           <m:t>𝐺</m:t>
@@ -4556,19 +8748,28 @@
                       </m:e>
                       <m:sub>
                         <m:r>
-                          <a:rPr lang="en-CA" sz="1600" b="0" i="1" smtClean="0">
+                          <a:rPr lang="en-CA" sz="2000" b="0" i="1" smtClean="0">
+                            <a:solidFill>
+                              <a:schemeClr val="bg1"/>
+                            </a:solidFill>
                             <a:latin typeface="Cambria Math" panose="02040503050406030204" pitchFamily="18" charset="0"/>
                           </a:rPr>
                           <m:t>𝑛</m:t>
                         </m:r>
                         <m:r>
-                          <a:rPr lang="en-CA" sz="1600" b="0" i="1" smtClean="0">
+                          <a:rPr lang="en-CA" sz="2000" b="0" i="1" smtClean="0">
+                            <a:solidFill>
+                              <a:schemeClr val="bg1"/>
+                            </a:solidFill>
                             <a:latin typeface="Cambria Math" panose="02040503050406030204" pitchFamily="18" charset="0"/>
                           </a:rPr>
                           <m:t>,</m:t>
                         </m:r>
                         <m:r>
-                          <a:rPr lang="en-CA" sz="1600" b="0" i="1" smtClean="0">
+                          <a:rPr lang="en-CA" sz="2000" b="0" i="1" smtClean="0">
+                            <a:solidFill>
+                              <a:schemeClr val="bg1"/>
+                            </a:solidFill>
                             <a:latin typeface="Cambria Math" panose="02040503050406030204" pitchFamily="18" charset="0"/>
                           </a:rPr>
                           <m:t>𝑝</m:t>
@@ -4578,19 +8779,29 @@
                   </m:oMath>
                 </a14:m>
                 <a:r>
-                  <a:rPr lang="en-US" sz="1600" dirty="0"/>
+                  <a:rPr lang="en-US" sz="2000" dirty="0">
+                    <a:solidFill>
+                      <a:schemeClr val="bg1"/>
+                    </a:solidFill>
+                  </a:rPr>
                   <a:t>: Large cascade occurs with positive probability if </a:t>
                 </a:r>
                 <a14:m>
                   <m:oMath xmlns:m="http://schemas.openxmlformats.org/officeDocument/2006/math">
                     <m:r>
-                      <a:rPr lang="en-CA" sz="1600" b="0" i="1" smtClean="0">
+                      <a:rPr lang="en-CA" sz="2000" b="0" i="1" smtClean="0">
+                        <a:solidFill>
+                          <a:schemeClr val="bg1"/>
+                        </a:solidFill>
                         <a:latin typeface="Cambria Math" panose="02040503050406030204" pitchFamily="18" charset="0"/>
                       </a:rPr>
                       <m:t>𝑚</m:t>
                     </m:r>
                     <m:r>
-                      <a:rPr lang="en-CA" sz="1600" b="0" i="1" smtClean="0">
+                      <a:rPr lang="en-CA" sz="2000" b="0" i="1" smtClean="0">
+                        <a:solidFill>
+                          <a:schemeClr val="bg1"/>
+                        </a:solidFill>
                         <a:latin typeface="Cambria Math" panose="02040503050406030204" pitchFamily="18" charset="0"/>
                       </a:rPr>
                       <m:t>&gt;</m:t>
@@ -4598,14 +8809,20 @@
                     <m:f>
                       <m:fPr>
                         <m:ctrlPr>
-                          <a:rPr lang="en-CA" sz="1600" b="0" i="1" smtClean="0">
+                          <a:rPr lang="en-CA" sz="2000" b="0" i="1" smtClean="0">
+                            <a:solidFill>
+                              <a:schemeClr val="bg1"/>
+                            </a:solidFill>
                             <a:latin typeface="Cambria Math" panose="02040503050406030204" pitchFamily="18" charset="0"/>
                           </a:rPr>
                         </m:ctrlPr>
                       </m:fPr>
                       <m:num>
                         <m:r>
-                          <a:rPr lang="en-CA" sz="1600" b="0" i="1" smtClean="0">
+                          <a:rPr lang="en-CA" sz="2000" b="0" i="1" smtClean="0">
+                            <a:solidFill>
+                              <a:schemeClr val="bg1"/>
+                            </a:solidFill>
                             <a:latin typeface="Cambria Math" panose="02040503050406030204" pitchFamily="18" charset="0"/>
                           </a:rPr>
                           <m:t>𝑧</m:t>
@@ -4613,13 +8830,19 @@
                       </m:num>
                       <m:den>
                         <m:r>
-                          <a:rPr lang="en-CA" sz="1600" b="0" i="1" smtClean="0">
+                          <a:rPr lang="en-CA" sz="2000" b="0" i="1" smtClean="0">
+                            <a:solidFill>
+                              <a:schemeClr val="bg1"/>
+                            </a:solidFill>
                             <a:latin typeface="Cambria Math" panose="02040503050406030204" pitchFamily="18" charset="0"/>
                           </a:rPr>
                           <m:t>𝑧</m:t>
                         </m:r>
                         <m:r>
-                          <a:rPr lang="en-CA" sz="1600" b="0" i="1" smtClean="0">
+                          <a:rPr lang="en-CA" sz="2000" b="0" i="1" smtClean="0">
+                            <a:solidFill>
+                              <a:schemeClr val="bg1"/>
+                            </a:solidFill>
                             <a:latin typeface="Cambria Math" panose="02040503050406030204" pitchFamily="18" charset="0"/>
                           </a:rPr>
                           <m:t> −1+</m:t>
@@ -4627,7 +8850,10 @@
                         <m:sSup>
                           <m:sSupPr>
                             <m:ctrlPr>
-                              <a:rPr lang="en-CA" sz="1600" b="0" i="1" smtClean="0">
+                              <a:rPr lang="en-CA" sz="2000" b="0" i="1" smtClean="0">
+                                <a:solidFill>
+                                  <a:schemeClr val="bg1"/>
+                                </a:solidFill>
                                 <a:latin typeface="Cambria Math" panose="02040503050406030204" pitchFamily="18" charset="0"/>
                               </a:rPr>
                             </m:ctrlPr>
@@ -4636,20 +8862,29 @@
                             <m:d>
                               <m:dPr>
                                 <m:ctrlPr>
-                                  <a:rPr lang="en-CA" sz="1600" b="0" i="1" smtClean="0">
+                                  <a:rPr lang="en-CA" sz="2000" b="0" i="1" smtClean="0">
+                                    <a:solidFill>
+                                      <a:schemeClr val="bg1"/>
+                                    </a:solidFill>
                                     <a:latin typeface="Cambria Math" panose="02040503050406030204" pitchFamily="18" charset="0"/>
                                   </a:rPr>
                                 </m:ctrlPr>
                               </m:dPr>
                               <m:e>
                                 <m:r>
-                                  <a:rPr lang="en-CA" sz="1600" b="0" i="1" smtClean="0">
+                                  <a:rPr lang="en-CA" sz="2000" b="0" i="1" smtClean="0">
+                                    <a:solidFill>
+                                      <a:schemeClr val="bg1"/>
+                                    </a:solidFill>
                                     <a:latin typeface="Cambria Math" panose="02040503050406030204" pitchFamily="18" charset="0"/>
                                   </a:rPr>
                                   <m:t>1 −</m:t>
                                 </m:r>
                                 <m:r>
-                                  <a:rPr lang="en-CA" sz="1600" b="0" i="1" smtClean="0">
+                                  <a:rPr lang="en-CA" sz="2000" b="0" i="1" smtClean="0">
+                                    <a:solidFill>
+                                      <a:schemeClr val="bg1"/>
+                                    </a:solidFill>
                                     <a:latin typeface="Cambria Math" panose="02040503050406030204" pitchFamily="18" charset="0"/>
                                   </a:rPr>
                                   <m:t>𝑝</m:t>
@@ -4659,7 +8894,10 @@
                           </m:e>
                           <m:sup>
                             <m:r>
-                              <a:rPr lang="en-CA" sz="1600" b="0" i="1" smtClean="0">
+                              <a:rPr lang="en-CA" sz="2000" b="0" i="1" smtClean="0">
+                                <a:solidFill>
+                                  <a:schemeClr val="bg1"/>
+                                </a:solidFill>
                                 <a:latin typeface="Cambria Math" panose="02040503050406030204" pitchFamily="18" charset="0"/>
                               </a:rPr>
                               <m:t>𝑛</m:t>
@@ -4670,7 +8908,11 @@
                     </m:f>
                   </m:oMath>
                 </a14:m>
-                <a:endParaRPr lang="en-US" sz="1600" dirty="0"/>
+                <a:endParaRPr lang="en-US" sz="2000" dirty="0">
+                  <a:solidFill>
+                    <a:schemeClr val="bg1"/>
+                  </a:solidFill>
+                </a:endParaRPr>
               </a:p>
             </p:txBody>
           </p:sp>
@@ -4678,30 +8920,30 @@
         <mc:Fallback>
           <p:sp>
             <p:nvSpPr>
-              <p:cNvPr id="4" name="TextBox 3">
+              <p:cNvPr id="15" name="Rectangle 14">
                 <a:extLst>
                   <a:ext uri="{FF2B5EF4-FFF2-40B4-BE49-F238E27FC236}">
-                    <a16:creationId xmlns:a16="http://schemas.microsoft.com/office/drawing/2014/main" id="{9982659C-299C-3BDB-B1FB-685922DF0388}"/>
+                    <a16:creationId xmlns:a16="http://schemas.microsoft.com/office/drawing/2014/main" id="{EE9411F5-584F-0081-0A2A-EF525FF485F0}"/>
                   </a:ext>
                 </a:extLst>
               </p:cNvPr>
-              <p:cNvSpPr txBox="1">
+              <p:cNvSpPr>
                 <a:spLocks noRot="1" noChangeAspect="1" noMove="1" noResize="1" noEditPoints="1" noAdjustHandles="1" noChangeArrowheads="1" noChangeShapeType="1" noTextEdit="1"/>
               </p:cNvSpPr>
               <p:nvPr/>
             </p:nvSpPr>
             <p:spPr>
               <a:xfrm>
-                <a:off x="5286375" y="1414463"/>
-                <a:ext cx="5640705" cy="3314177"/>
+                <a:off x="6095998" y="4014521"/>
+                <a:ext cx="5542839" cy="993884"/>
               </a:xfrm>
               <a:prstGeom prst="rect">
                 <a:avLst/>
               </a:prstGeom>
               <a:blipFill>
-                <a:blip r:embed="rId2"/>
+                <a:blip r:embed="rId3"/>
                 <a:stretch>
-                  <a:fillRect l="-674" t="-763"/>
+                  <a:fillRect l="-911"/>
                 </a:stretch>
               </a:blipFill>
             </p:spPr>
@@ -4723,7 +8965,7 @@
     </p:spTree>
     <p:extLst>
       <p:ext uri="{BB962C8B-B14F-4D97-AF65-F5344CB8AC3E}">
-        <p14:creationId xmlns:p14="http://schemas.microsoft.com/office/powerpoint/2010/main" val="1651607488"/>
+        <p14:creationId xmlns:p14="http://schemas.microsoft.com/office/powerpoint/2010/main" val="165030800"/>
       </p:ext>
     </p:extLst>
   </p:cSld>

--- a/Presentation_INFO6850.pptx
+++ b/Presentation_INFO6850.pptx
@@ -8,6 +8,7 @@
     <p:sldId id="257" r:id="rId2"/>
     <p:sldId id="258" r:id="rId3"/>
     <p:sldId id="261" r:id="rId4"/>
+    <p:sldId id="262" r:id="rId5"/>
   </p:sldIdLst>
   <p:sldSz cx="12192000" cy="6858000"/>
   <p:notesSz cx="6858000" cy="9144000"/>
@@ -934,8 +935,8 @@
         </a:p>
       </dgm:t>
     </dgm:pt>
-    <mc:AlternateContent xmlns:mc="http://schemas.openxmlformats.org/markup-compatibility/2006">
-      <mc:Choice xmlns:a14="http://schemas.microsoft.com/office/drawing/2010/main" Requires="a14">
+    <mc:AlternateContent xmlns:mc="http://schemas.openxmlformats.org/markup-compatibility/2006" xmlns:a14="http://schemas.microsoft.com/office/drawing/2010/main">
+      <mc:Choice Requires="a14">
         <dgm:pt modelId="{60D309A6-524F-6F4F-8F5F-1793751A4F34}">
           <dgm:prSet phldrT="[Text]" custT="1">
             <dgm:style>
@@ -1039,7 +1040,7 @@
           </dgm:t>
         </dgm:pt>
       </mc:Choice>
-      <mc:Fallback>
+      <mc:Fallback xmlns="">
         <dgm:pt modelId="{60D309A6-524F-6F4F-8F5F-1793751A4F34}">
           <dgm:prSet phldrT="[Text]" custT="1">
             <dgm:style>
@@ -1110,8 +1111,8 @@
         </a:p>
       </dgm:t>
     </dgm:pt>
-    <mc:AlternateContent xmlns:mc="http://schemas.openxmlformats.org/markup-compatibility/2006">
-      <mc:Choice xmlns:a14="http://schemas.microsoft.com/office/drawing/2010/main" Requires="a14">
+    <mc:AlternateContent xmlns:mc="http://schemas.openxmlformats.org/markup-compatibility/2006" xmlns:a14="http://schemas.microsoft.com/office/drawing/2010/main">
+      <mc:Choice Requires="a14">
         <dgm:pt modelId="{23921C2F-65E6-E44B-BAD2-588C9B88B82A}">
           <dgm:prSet phldrT="[Text]" custT="1">
             <dgm:style>
@@ -1329,7 +1330,7 @@
           </dgm:t>
         </dgm:pt>
       </mc:Choice>
-      <mc:Fallback>
+      <mc:Fallback xmlns="">
         <dgm:pt modelId="{23921C2F-65E6-E44B-BAD2-588C9B88B82A}">
           <dgm:prSet phldrT="[Text]" custT="1">
             <dgm:style>
@@ -3842,7 +3843,7 @@
           <a:p>
             <a:fld id="{DD7EF6B6-88E3-B649-A4F9-8BD3FED8F32F}" type="datetimeFigureOut">
               <a:rPr lang="en-US" smtClean="0"/>
-              <a:t>4/29/23</a:t>
+              <a:t>4/30/23</a:t>
             </a:fld>
             <a:endParaRPr lang="en-US"/>
           </a:p>
@@ -4040,7 +4041,7 @@
           <a:p>
             <a:fld id="{DD7EF6B6-88E3-B649-A4F9-8BD3FED8F32F}" type="datetimeFigureOut">
               <a:rPr lang="en-US" smtClean="0"/>
-              <a:t>4/29/23</a:t>
+              <a:t>4/30/23</a:t>
             </a:fld>
             <a:endParaRPr lang="en-US"/>
           </a:p>
@@ -4248,7 +4249,7 @@
           <a:p>
             <a:fld id="{DD7EF6B6-88E3-B649-A4F9-8BD3FED8F32F}" type="datetimeFigureOut">
               <a:rPr lang="en-US" smtClean="0"/>
-              <a:t>4/29/23</a:t>
+              <a:t>4/30/23</a:t>
             </a:fld>
             <a:endParaRPr lang="en-US"/>
           </a:p>
@@ -4446,7 +4447,7 @@
           <a:p>
             <a:fld id="{DD7EF6B6-88E3-B649-A4F9-8BD3FED8F32F}" type="datetimeFigureOut">
               <a:rPr lang="en-US" smtClean="0"/>
-              <a:t>4/29/23</a:t>
+              <a:t>4/30/23</a:t>
             </a:fld>
             <a:endParaRPr lang="en-US"/>
           </a:p>
@@ -4721,7 +4722,7 @@
           <a:p>
             <a:fld id="{DD7EF6B6-88E3-B649-A4F9-8BD3FED8F32F}" type="datetimeFigureOut">
               <a:rPr lang="en-US" smtClean="0"/>
-              <a:t>4/29/23</a:t>
+              <a:t>4/30/23</a:t>
             </a:fld>
             <a:endParaRPr lang="en-US"/>
           </a:p>
@@ -4986,7 +4987,7 @@
           <a:p>
             <a:fld id="{DD7EF6B6-88E3-B649-A4F9-8BD3FED8F32F}" type="datetimeFigureOut">
               <a:rPr lang="en-US" smtClean="0"/>
-              <a:t>4/29/23</a:t>
+              <a:t>4/30/23</a:t>
             </a:fld>
             <a:endParaRPr lang="en-US"/>
           </a:p>
@@ -5398,7 +5399,7 @@
           <a:p>
             <a:fld id="{DD7EF6B6-88E3-B649-A4F9-8BD3FED8F32F}" type="datetimeFigureOut">
               <a:rPr lang="en-US" smtClean="0"/>
-              <a:t>4/29/23</a:t>
+              <a:t>4/30/23</a:t>
             </a:fld>
             <a:endParaRPr lang="en-US"/>
           </a:p>
@@ -5539,7 +5540,7 @@
           <a:p>
             <a:fld id="{DD7EF6B6-88E3-B649-A4F9-8BD3FED8F32F}" type="datetimeFigureOut">
               <a:rPr lang="en-US" smtClean="0"/>
-              <a:t>4/29/23</a:t>
+              <a:t>4/30/23</a:t>
             </a:fld>
             <a:endParaRPr lang="en-US"/>
           </a:p>
@@ -5652,7 +5653,7 @@
           <a:p>
             <a:fld id="{DD7EF6B6-88E3-B649-A4F9-8BD3FED8F32F}" type="datetimeFigureOut">
               <a:rPr lang="en-US" smtClean="0"/>
-              <a:t>4/29/23</a:t>
+              <a:t>4/30/23</a:t>
             </a:fld>
             <a:endParaRPr lang="en-US"/>
           </a:p>
@@ -5963,7 +5964,7 @@
           <a:p>
             <a:fld id="{DD7EF6B6-88E3-B649-A4F9-8BD3FED8F32F}" type="datetimeFigureOut">
               <a:rPr lang="en-US" smtClean="0"/>
-              <a:t>4/29/23</a:t>
+              <a:t>4/30/23</a:t>
             </a:fld>
             <a:endParaRPr lang="en-US"/>
           </a:p>
@@ -6251,7 +6252,7 @@
           <a:p>
             <a:fld id="{DD7EF6B6-88E3-B649-A4F9-8BD3FED8F32F}" type="datetimeFigureOut">
               <a:rPr lang="en-US" smtClean="0"/>
-              <a:t>4/29/23</a:t>
+              <a:t>4/30/23</a:t>
             </a:fld>
             <a:endParaRPr lang="en-US"/>
           </a:p>
@@ -6492,7 +6493,7 @@
           <a:p>
             <a:fld id="{DD7EF6B6-88E3-B649-A4F9-8BD3FED8F32F}" type="datetimeFigureOut">
               <a:rPr lang="en-US" smtClean="0"/>
-              <a:t>4/29/23</a:t>
+              <a:t>4/30/23</a:t>
             </a:fld>
             <a:endParaRPr lang="en-US"/>
           </a:p>
@@ -7394,8 +7395,8 @@
           </a:p>
         </p:txBody>
       </p:sp>
-      <mc:AlternateContent xmlns:mc="http://schemas.openxmlformats.org/markup-compatibility/2006">
-        <mc:Choice xmlns:a14="http://schemas.microsoft.com/office/drawing/2010/main" Requires="a14">
+      <mc:AlternateContent xmlns:mc="http://schemas.openxmlformats.org/markup-compatibility/2006" xmlns:a14="http://schemas.microsoft.com/office/drawing/2010/main">
+        <mc:Choice Requires="a14">
           <p:sp>
             <p:nvSpPr>
               <p:cNvPr id="5" name="TextBox 4">
@@ -7646,7 +7647,7 @@
             </p:txBody>
           </p:sp>
         </mc:Choice>
-        <mc:Fallback>
+        <mc:Fallback xmlns="">
           <p:sp>
             <p:nvSpPr>
               <p:cNvPr id="5" name="TextBox 4">
@@ -7738,8 +7739,8 @@
           </a:p>
         </p:txBody>
       </p:sp>
-      <mc:AlternateContent xmlns:mc="http://schemas.openxmlformats.org/markup-compatibility/2006">
-        <mc:Choice xmlns:a14="http://schemas.microsoft.com/office/drawing/2010/main" Requires="a14">
+      <mc:AlternateContent xmlns:mc="http://schemas.openxmlformats.org/markup-compatibility/2006" xmlns:a14="http://schemas.microsoft.com/office/drawing/2010/main">
+        <mc:Choice Requires="a14">
           <p:graphicFrame>
             <p:nvGraphicFramePr>
               <p:cNvPr id="7" name="Diagram 6">
@@ -7769,7 +7770,7 @@
             </a:graphic>
           </p:graphicFrame>
         </mc:Choice>
-        <mc:Fallback>
+        <mc:Fallback xmlns="">
           <p:graphicFrame>
             <p:nvGraphicFramePr>
               <p:cNvPr id="7" name="Diagram 6">
@@ -7794,7 +7795,7 @@
             </p:xfrm>
             <a:graphic>
               <a:graphicData uri="http://schemas.openxmlformats.org/drawingml/2006/diagram">
-                <dgm:relIds xmlns:dgm="http://schemas.openxmlformats.org/drawingml/2006/diagram" xmlns:r="http://schemas.openxmlformats.org/officeDocument/2006/relationships" r:dm="rId8" r:lo="rId4" r:qs="rId5" r:cs="rId6"/>
+                <dgm:relIds xmlns:dgm="http://schemas.openxmlformats.org/drawingml/2006/diagram" xmlns:r="http://schemas.openxmlformats.org/officeDocument/2006/relationships" r:dm="rId8" r:lo="rId9" r:qs="rId10" r:cs="rId11"/>
               </a:graphicData>
             </a:graphic>
           </p:graphicFrame>
@@ -8009,8 +8010,8 @@
           </a:p>
         </p:txBody>
       </p:sp>
-      <mc:AlternateContent xmlns:mc="http://schemas.openxmlformats.org/markup-compatibility/2006">
-        <mc:Choice xmlns:a14="http://schemas.microsoft.com/office/drawing/2010/main" Requires="a14">
+      <mc:AlternateContent xmlns:mc="http://schemas.openxmlformats.org/markup-compatibility/2006" xmlns:a14="http://schemas.microsoft.com/office/drawing/2010/main">
+        <mc:Choice Requires="a14">
           <p:sp>
             <p:nvSpPr>
               <p:cNvPr id="5" name="TextBox 4">
@@ -8385,7 +8386,7 @@
             </p:txBody>
           </p:sp>
         </mc:Choice>
-        <mc:Fallback>
+        <mc:Fallback xmlns="">
           <p:sp>
             <p:nvSpPr>
               <p:cNvPr id="5" name="TextBox 4">
@@ -8673,8 +8674,8 @@
           </a:p>
         </p:txBody>
       </p:sp>
-      <mc:AlternateContent xmlns:mc="http://schemas.openxmlformats.org/markup-compatibility/2006">
-        <mc:Choice xmlns:a14="http://schemas.microsoft.com/office/drawing/2010/main" Requires="a14">
+      <mc:AlternateContent xmlns:mc="http://schemas.openxmlformats.org/markup-compatibility/2006" xmlns:a14="http://schemas.microsoft.com/office/drawing/2010/main">
+        <mc:Choice Requires="a14">
           <p:sp>
             <p:nvSpPr>
               <p:cNvPr id="15" name="Rectangle 14">
@@ -8917,7 +8918,7 @@
             </p:txBody>
           </p:sp>
         </mc:Choice>
-        <mc:Fallback>
+        <mc:Fallback xmlns="">
           <p:sp>
             <p:nvSpPr>
               <p:cNvPr id="15" name="Rectangle 14">
@@ -8966,6 +8967,339 @@
     <p:extLst>
       <p:ext uri="{BB962C8B-B14F-4D97-AF65-F5344CB8AC3E}">
         <p14:creationId xmlns:p14="http://schemas.microsoft.com/office/powerpoint/2010/main" val="165030800"/>
+      </p:ext>
+    </p:extLst>
+  </p:cSld>
+  <p:clrMapOvr>
+    <a:masterClrMapping/>
+  </p:clrMapOvr>
+</p:sld>
+</file>
+
+<file path=ppt/slides/slide4.xml><?xml version="1.0" encoding="utf-8"?>
+<p:sld xmlns:a="http://schemas.openxmlformats.org/drawingml/2006/main" xmlns:r="http://schemas.openxmlformats.org/officeDocument/2006/relationships" xmlns:p="http://schemas.openxmlformats.org/presentationml/2006/main">
+  <p:cSld>
+    <p:spTree>
+      <p:nvGrpSpPr>
+        <p:cNvPr id="1" name=""/>
+        <p:cNvGrpSpPr/>
+        <p:nvPr/>
+      </p:nvGrpSpPr>
+      <p:grpSpPr>
+        <a:xfrm>
+          <a:off x="0" y="0"/>
+          <a:ext cx="0" cy="0"/>
+          <a:chOff x="0" y="0"/>
+          <a:chExt cx="0" cy="0"/>
+        </a:xfrm>
+      </p:grpSpPr>
+      <p:sp>
+        <p:nvSpPr>
+          <p:cNvPr id="2" name="Title 1">
+            <a:extLst>
+              <a:ext uri="{FF2B5EF4-FFF2-40B4-BE49-F238E27FC236}">
+                <a16:creationId xmlns:a16="http://schemas.microsoft.com/office/drawing/2014/main" id="{D6D2FD46-3A93-3B3B-D4B5-430BCAD455CC}"/>
+              </a:ext>
+            </a:extLst>
+          </p:cNvPr>
+          <p:cNvSpPr>
+            <a:spLocks noGrp="1"/>
+          </p:cNvSpPr>
+          <p:nvPr>
+            <p:ph type="title"/>
+          </p:nvPr>
+        </p:nvSpPr>
+        <p:spPr>
+          <a:xfrm>
+            <a:off x="838200" y="312025"/>
+            <a:ext cx="10515600" cy="1325563"/>
+          </a:xfrm>
+        </p:spPr>
+        <p:txBody>
+          <a:bodyPr/>
+          <a:lstStyle/>
+          <a:p>
+            <a:r>
+              <a:rPr lang="en-US" dirty="0"/>
+              <a:t>References</a:t>
+            </a:r>
+          </a:p>
+        </p:txBody>
+      </p:sp>
+      <p:cxnSp>
+        <p:nvCxnSpPr>
+          <p:cNvPr id="14" name="Straight Connector 13">
+            <a:extLst>
+              <a:ext uri="{FF2B5EF4-FFF2-40B4-BE49-F238E27FC236}">
+                <a16:creationId xmlns:a16="http://schemas.microsoft.com/office/drawing/2014/main" id="{E74ACA4E-B51C-DF61-22C7-40DE0EA00C9F}"/>
+              </a:ext>
+            </a:extLst>
+          </p:cNvPr>
+          <p:cNvCxnSpPr>
+            <a:cxnSpLocks/>
+          </p:cNvCxnSpPr>
+          <p:nvPr/>
+        </p:nvCxnSpPr>
+        <p:spPr>
+          <a:xfrm>
+            <a:off x="948267" y="1332645"/>
+            <a:ext cx="10690577" cy="0"/>
+          </a:xfrm>
+          <a:prstGeom prst="line">
+            <a:avLst/>
+          </a:prstGeom>
+        </p:spPr>
+        <p:style>
+          <a:lnRef idx="2">
+            <a:schemeClr val="accent2"/>
+          </a:lnRef>
+          <a:fillRef idx="0">
+            <a:schemeClr val="accent2"/>
+          </a:fillRef>
+          <a:effectRef idx="1">
+            <a:schemeClr val="accent2"/>
+          </a:effectRef>
+          <a:fontRef idx="minor">
+            <a:schemeClr val="tx1"/>
+          </a:fontRef>
+        </p:style>
+      </p:cxnSp>
+      <p:sp>
+        <p:nvSpPr>
+          <p:cNvPr id="3" name="TextBox 2">
+            <a:extLst>
+              <a:ext uri="{FF2B5EF4-FFF2-40B4-BE49-F238E27FC236}">
+                <a16:creationId xmlns:a16="http://schemas.microsoft.com/office/drawing/2014/main" id="{16D31632-072C-69F1-4E63-DAE779DC544C}"/>
+              </a:ext>
+            </a:extLst>
+          </p:cNvPr>
+          <p:cNvSpPr txBox="1"/>
+          <p:nvPr/>
+        </p:nvSpPr>
+        <p:spPr>
+          <a:xfrm>
+            <a:off x="838200" y="1638287"/>
+            <a:ext cx="10690576" cy="3416320"/>
+          </a:xfrm>
+          <a:prstGeom prst="rect">
+            <a:avLst/>
+          </a:prstGeom>
+          <a:noFill/>
+        </p:spPr>
+        <p:txBody>
+          <a:bodyPr wrap="square" rtlCol="0">
+            <a:spAutoFit/>
+          </a:bodyPr>
+          <a:lstStyle/>
+          <a:p>
+            <a:r>
+              <a:rPr lang="en-US" sz="1800" dirty="0">
+                <a:effectLst/>
+                <a:latin typeface="NimbusRomNo9L"/>
+              </a:rPr>
+              <a:t>[1] Nicholas A Christakis and James H Fowler. The spread of obesity in a large social network over 32 years. </a:t>
+            </a:r>
+            <a:r>
+              <a:rPr lang="en-US" sz="1800" i="1" dirty="0">
+                <a:effectLst/>
+                <a:latin typeface="NimbusRomNo9L"/>
+              </a:rPr>
+              <a:t>New England journal of medicine</a:t>
+            </a:r>
+            <a:r>
+              <a:rPr lang="en-US" sz="1800" dirty="0">
+                <a:effectLst/>
+                <a:latin typeface="NimbusRomNo9L"/>
+              </a:rPr>
+              <a:t>, 357(4):370–379, 2007. </a:t>
+            </a:r>
+            <a:endParaRPr lang="en-US" dirty="0">
+              <a:effectLst/>
+            </a:endParaRPr>
+          </a:p>
+          <a:p>
+            <a:r>
+              <a:rPr lang="en-US" sz="1800" dirty="0">
+                <a:effectLst/>
+                <a:latin typeface="NimbusRomNo9L"/>
+              </a:rPr>
+              <a:t>[2] Aria Rezaei, </a:t>
+            </a:r>
+            <a:r>
+              <a:rPr lang="en-US" sz="1800" dirty="0" err="1">
+                <a:effectLst/>
+                <a:latin typeface="NimbusRomNo9L"/>
+              </a:rPr>
+              <a:t>Jie</a:t>
+            </a:r>
+            <a:r>
+              <a:rPr lang="en-US" sz="1800" dirty="0">
+                <a:effectLst/>
+                <a:latin typeface="NimbusRomNo9L"/>
+              </a:rPr>
+              <a:t> Gao, and Anand D </a:t>
+            </a:r>
+            <a:r>
+              <a:rPr lang="en-US" sz="1800" dirty="0" err="1">
+                <a:effectLst/>
+                <a:latin typeface="NimbusRomNo9L"/>
+              </a:rPr>
+              <a:t>Sarwate</a:t>
+            </a:r>
+            <a:r>
+              <a:rPr lang="en-US" sz="1800" dirty="0">
+                <a:effectLst/>
+                <a:latin typeface="NimbusRomNo9L"/>
+              </a:rPr>
+              <a:t>. Influencers and the giant component: the </a:t>
+            </a:r>
+            <a:r>
+              <a:rPr lang="en-US" sz="1800" dirty="0" err="1">
+                <a:effectLst/>
+                <a:latin typeface="NimbusRomNo9L"/>
+              </a:rPr>
+              <a:t>funda</a:t>
+            </a:r>
+            <a:r>
+              <a:rPr lang="en-US" sz="1800" dirty="0">
+                <a:effectLst/>
+                <a:latin typeface="NimbusRomNo9L"/>
+              </a:rPr>
+              <a:t>- mental hardness in privacy protection for socially contagious attributes. In </a:t>
+            </a:r>
+            <a:r>
+              <a:rPr lang="en-US" sz="1800" i="1" dirty="0">
+                <a:effectLst/>
+                <a:latin typeface="NimbusRomNo9L"/>
+              </a:rPr>
+              <a:t>Proceedings of the 2021 SIAM International Conference on Data Mining (SDM)</a:t>
+            </a:r>
+            <a:r>
+              <a:rPr lang="en-US" sz="1800" dirty="0">
+                <a:effectLst/>
+                <a:latin typeface="NimbusRomNo9L"/>
+              </a:rPr>
+              <a:t>, pages 217–225. SIAM, 2021. </a:t>
+            </a:r>
+            <a:endParaRPr lang="en-US" dirty="0">
+              <a:effectLst/>
+            </a:endParaRPr>
+          </a:p>
+          <a:p>
+            <a:r>
+              <a:rPr lang="en-US" sz="1800" dirty="0">
+                <a:effectLst/>
+                <a:latin typeface="NimbusRomNo9L"/>
+              </a:rPr>
+              <a:t>[3] Daniel </a:t>
+            </a:r>
+            <a:r>
+              <a:rPr lang="en-US" sz="1800" dirty="0" err="1">
+                <a:effectLst/>
+                <a:latin typeface="NimbusRomNo9L"/>
+              </a:rPr>
+              <a:t>Kifer</a:t>
+            </a:r>
+            <a:r>
+              <a:rPr lang="en-US" sz="1800" dirty="0">
+                <a:effectLst/>
+                <a:latin typeface="NimbusRomNo9L"/>
+              </a:rPr>
+              <a:t> and Ashwin </a:t>
+            </a:r>
+            <a:r>
+              <a:rPr lang="en-US" sz="1800" dirty="0" err="1">
+                <a:effectLst/>
+                <a:latin typeface="NimbusRomNo9L"/>
+              </a:rPr>
+              <a:t>Machanavajjhala</a:t>
+            </a:r>
+            <a:r>
+              <a:rPr lang="en-US" sz="1800" dirty="0">
+                <a:effectLst/>
+                <a:latin typeface="NimbusRomNo9L"/>
+              </a:rPr>
+              <a:t>. Pufferfish: A framework for mathematical privacy definitions. </a:t>
+            </a:r>
+            <a:r>
+              <a:rPr lang="en-US" sz="1800" i="1" dirty="0">
+                <a:effectLst/>
+                <a:latin typeface="NimbusRomNo9L"/>
+              </a:rPr>
+              <a:t>ACM Transactions on Database Systems (TODS)</a:t>
+            </a:r>
+            <a:r>
+              <a:rPr lang="en-US" sz="1800" dirty="0">
+                <a:effectLst/>
+                <a:latin typeface="NimbusRomNo9L"/>
+              </a:rPr>
+              <a:t>, 39(1):1–36, 2014. </a:t>
+            </a:r>
+            <a:endParaRPr lang="en-US" dirty="0">
+              <a:effectLst/>
+            </a:endParaRPr>
+          </a:p>
+          <a:p>
+            <a:r>
+              <a:rPr lang="en-US" sz="1800" dirty="0">
+                <a:effectLst/>
+                <a:latin typeface="NimbusRomNo9L"/>
+              </a:rPr>
+              <a:t>[4] Duncan J Watts. A simple model of global cascades on random networks. </a:t>
+            </a:r>
+            <a:r>
+              <a:rPr lang="en-US" sz="1800" i="1" dirty="0">
+                <a:effectLst/>
+                <a:latin typeface="NimbusRomNo9L"/>
+              </a:rPr>
+              <a:t>Proceedings of the National Academy of Sciences</a:t>
+            </a:r>
+            <a:r>
+              <a:rPr lang="en-US" sz="1800" dirty="0">
+                <a:effectLst/>
+                <a:latin typeface="NimbusRomNo9L"/>
+              </a:rPr>
+              <a:t>, 99(9):5766–5771, 2002. </a:t>
+            </a:r>
+            <a:endParaRPr lang="en-US" dirty="0">
+              <a:effectLst/>
+            </a:endParaRPr>
+          </a:p>
+          <a:p>
+            <a:r>
+              <a:rPr lang="en-US" sz="1800" dirty="0">
+                <a:effectLst/>
+                <a:latin typeface="NimbusRomNo9L"/>
+              </a:rPr>
+              <a:t>[5] David Easley and Jon Kleinberg. </a:t>
+            </a:r>
+            <a:r>
+              <a:rPr lang="en-US" sz="1800" i="1" dirty="0">
+                <a:effectLst/>
+                <a:latin typeface="NimbusRomNo9L"/>
+              </a:rPr>
+              <a:t>Networks, crowds, and markets: Reasoning about a highly connected world</a:t>
+            </a:r>
+            <a:r>
+              <a:rPr lang="en-US" sz="1800" dirty="0">
+                <a:effectLst/>
+                <a:latin typeface="NimbusRomNo9L"/>
+              </a:rPr>
+              <a:t>. Cambridge university press, 2010. </a:t>
+            </a:r>
+            <a:endParaRPr lang="en-US" dirty="0">
+              <a:effectLst/>
+            </a:endParaRPr>
+          </a:p>
+          <a:p>
+            <a:endParaRPr lang="en-US" dirty="0"/>
+          </a:p>
+        </p:txBody>
+      </p:sp>
+    </p:spTree>
+    <p:extLst>
+      <p:ext uri="{BB962C8B-B14F-4D97-AF65-F5344CB8AC3E}">
+        <p14:creationId xmlns:p14="http://schemas.microsoft.com/office/powerpoint/2010/main" val="2594876175"/>
       </p:ext>
     </p:extLst>
   </p:cSld>
